--- a/IntroToDataScienceUsingPython.pptx
+++ b/IntroToDataScienceUsingPython.pptx
@@ -50,6 +50,7 @@
     <p:sldId id="295" r:id="rId43"/>
     <p:sldId id="296" r:id="rId44"/>
     <p:sldId id="297" r:id="rId45"/>
+    <p:sldId id="298" r:id="rId46"/>
   </p:sldIdLst>
   <p:sldSz cx="10080625" cy="7559675"/>
   <p:notesSz cx="7772400" cy="10058400"/>
@@ -277,7 +278,7 @@
                 <a:spcPct val="93000"/>
               </a:lnSpc>
             </a:pPr>
-            <a:fld id="{9FB523FA-8198-41F1-9485-F1790397B5C7}" type="slidenum">
+            <a:fld id="{B2B9B762-055A-4B05-BEBF-8949D282362B}" type="slidenum">
               <a:rPr lang="en-US" sz="1400">
                 <a:solidFill>
                   <a:srgbClr val="000000"/>
@@ -316,7 +317,7 @@
       </p:grpSpPr>
       <p:sp>
         <p:nvSpPr>
-          <p:cNvPr id="134" name="TextShape 1"/>
+          <p:cNvPr id="136" name="TextShape 1"/>
           <p:cNvSpPr txBox="1"/>
           <p:nvPr/>
         </p:nvSpPr>
@@ -354,7 +355,7 @@
       </p:grpSpPr>
       <p:sp>
         <p:nvSpPr>
-          <p:cNvPr id="143" name="TextShape 1"/>
+          <p:cNvPr id="145" name="TextShape 1"/>
           <p:cNvSpPr txBox="1"/>
           <p:nvPr/>
         </p:nvSpPr>
@@ -392,7 +393,7 @@
       </p:grpSpPr>
       <p:sp>
         <p:nvSpPr>
-          <p:cNvPr id="144" name="TextShape 1"/>
+          <p:cNvPr id="146" name="TextShape 1"/>
           <p:cNvSpPr txBox="1"/>
           <p:nvPr/>
         </p:nvSpPr>
@@ -430,7 +431,7 @@
       </p:grpSpPr>
       <p:sp>
         <p:nvSpPr>
-          <p:cNvPr id="145" name="TextShape 1"/>
+          <p:cNvPr id="147" name="TextShape 1"/>
           <p:cNvSpPr txBox="1"/>
           <p:nvPr/>
         </p:nvSpPr>
@@ -468,45 +469,7 @@
       </p:grpSpPr>
       <p:sp>
         <p:nvSpPr>
-          <p:cNvPr id="146" name="TextShape 1"/>
-          <p:cNvSpPr txBox="1"/>
-          <p:nvPr/>
-        </p:nvSpPr>
-        <p:spPr>
-          <a:xfrm>
-            <a:off x="777600" y="4776840"/>
-            <a:ext cx="6218280" cy="4525920"/>
-          </a:xfrm>
-          <a:prstGeom prst="rect">
-            <a:avLst/>
-          </a:prstGeom>
-        </p:spPr>
-      </p:sp>
-    </p:spTree>
-  </p:cSld>
-</p:notes>
-</file>
-
-<file path=ppt/notesSlides/notesSlide14.xml><?xml version="1.0" encoding="utf-8"?>
-<p:notes xmlns:a="http://schemas.openxmlformats.org/drawingml/2006/main" xmlns:p="http://schemas.openxmlformats.org/presentationml/2006/main" xmlns:r="http://schemas.openxmlformats.org/officeDocument/2006/relationships">
-  <p:cSld>
-    <p:spTree>
-      <p:nvGrpSpPr>
-        <p:cNvPr id="1" name=""/>
-        <p:cNvGrpSpPr/>
-        <p:nvPr/>
-      </p:nvGrpSpPr>
-      <p:grpSpPr>
-        <a:xfrm>
-          <a:off x="0" y="0"/>
-          <a:ext cx="0" cy="0"/>
-          <a:chOff x="0" y="0"/>
-          <a:chExt cx="0" cy="0"/>
-        </a:xfrm>
-      </p:grpSpPr>
-      <p:sp>
-        <p:nvSpPr>
-          <p:cNvPr id="147" name="TextShape 1"/>
+          <p:cNvPr id="148" name="TextShape 1"/>
           <p:cNvSpPr txBox="1"/>
           <p:nvPr/>
         </p:nvSpPr>
@@ -544,7 +507,7 @@
       </p:grpSpPr>
       <p:sp>
         <p:nvSpPr>
-          <p:cNvPr id="148" name="TextShape 1"/>
+          <p:cNvPr id="149" name="TextShape 1"/>
           <p:cNvSpPr txBox="1"/>
           <p:nvPr/>
         </p:nvSpPr>
@@ -582,7 +545,7 @@
       </p:grpSpPr>
       <p:sp>
         <p:nvSpPr>
-          <p:cNvPr id="149" name="TextShape 1"/>
+          <p:cNvPr id="150" name="TextShape 1"/>
           <p:cNvSpPr txBox="1"/>
           <p:nvPr/>
         </p:nvSpPr>
@@ -620,7 +583,7 @@
       </p:grpSpPr>
       <p:sp>
         <p:nvSpPr>
-          <p:cNvPr id="150" name="TextShape 1"/>
+          <p:cNvPr id="151" name="TextShape 1"/>
           <p:cNvSpPr txBox="1"/>
           <p:nvPr/>
         </p:nvSpPr>
@@ -658,7 +621,7 @@
       </p:grpSpPr>
       <p:sp>
         <p:nvSpPr>
-          <p:cNvPr id="151" name="TextShape 1"/>
+          <p:cNvPr id="152" name="TextShape 1"/>
           <p:cNvSpPr txBox="1"/>
           <p:nvPr/>
         </p:nvSpPr>
@@ -696,7 +659,7 @@
       </p:grpSpPr>
       <p:sp>
         <p:nvSpPr>
-          <p:cNvPr id="152" name="TextShape 1"/>
+          <p:cNvPr id="153" name="TextShape 1"/>
           <p:cNvSpPr txBox="1"/>
           <p:nvPr/>
         </p:nvSpPr>
@@ -734,7 +697,7 @@
       </p:grpSpPr>
       <p:sp>
         <p:nvSpPr>
-          <p:cNvPr id="135" name="TextShape 1"/>
+          <p:cNvPr id="137" name="TextShape 1"/>
           <p:cNvSpPr txBox="1"/>
           <p:nvPr/>
         </p:nvSpPr>
@@ -772,7 +735,7 @@
       </p:grpSpPr>
       <p:sp>
         <p:nvSpPr>
-          <p:cNvPr id="153" name="TextShape 1"/>
+          <p:cNvPr id="154" name="TextShape 1"/>
           <p:cNvSpPr txBox="1"/>
           <p:nvPr/>
         </p:nvSpPr>
@@ -810,7 +773,7 @@
       </p:grpSpPr>
       <p:sp>
         <p:nvSpPr>
-          <p:cNvPr id="154" name="TextShape 1"/>
+          <p:cNvPr id="155" name="TextShape 1"/>
           <p:cNvSpPr txBox="1"/>
           <p:nvPr/>
         </p:nvSpPr>
@@ -848,7 +811,7 @@
       </p:grpSpPr>
       <p:sp>
         <p:nvSpPr>
-          <p:cNvPr id="155" name="TextShape 1"/>
+          <p:cNvPr id="156" name="TextShape 1"/>
           <p:cNvSpPr txBox="1"/>
           <p:nvPr/>
         </p:nvSpPr>
@@ -886,7 +849,7 @@
       </p:grpSpPr>
       <p:sp>
         <p:nvSpPr>
-          <p:cNvPr id="156" name="TextShape 1"/>
+          <p:cNvPr id="157" name="TextShape 1"/>
           <p:cNvSpPr txBox="1"/>
           <p:nvPr/>
         </p:nvSpPr>
@@ -924,7 +887,7 @@
       </p:grpSpPr>
       <p:sp>
         <p:nvSpPr>
-          <p:cNvPr id="157" name="TextShape 1"/>
+          <p:cNvPr id="158" name="TextShape 1"/>
           <p:cNvSpPr txBox="1"/>
           <p:nvPr/>
         </p:nvSpPr>
@@ -962,7 +925,7 @@
       </p:grpSpPr>
       <p:sp>
         <p:nvSpPr>
-          <p:cNvPr id="158" name="TextShape 1"/>
+          <p:cNvPr id="159" name="TextShape 1"/>
           <p:cNvSpPr txBox="1"/>
           <p:nvPr/>
         </p:nvSpPr>
@@ -1000,7 +963,7 @@
       </p:grpSpPr>
       <p:sp>
         <p:nvSpPr>
-          <p:cNvPr id="159" name="TextShape 1"/>
+          <p:cNvPr id="160" name="TextShape 1"/>
           <p:cNvSpPr txBox="1"/>
           <p:nvPr/>
         </p:nvSpPr>
@@ -1038,7 +1001,7 @@
       </p:grpSpPr>
       <p:sp>
         <p:nvSpPr>
-          <p:cNvPr id="160" name="TextShape 1"/>
+          <p:cNvPr id="161" name="TextShape 1"/>
           <p:cNvSpPr txBox="1"/>
           <p:nvPr/>
         </p:nvSpPr>
@@ -1076,7 +1039,7 @@
       </p:grpSpPr>
       <p:sp>
         <p:nvSpPr>
-          <p:cNvPr id="161" name="TextShape 1"/>
+          <p:cNvPr id="162" name="TextShape 1"/>
           <p:cNvSpPr txBox="1"/>
           <p:nvPr/>
         </p:nvSpPr>
@@ -1114,7 +1077,7 @@
       </p:grpSpPr>
       <p:sp>
         <p:nvSpPr>
-          <p:cNvPr id="162" name="TextShape 1"/>
+          <p:cNvPr id="163" name="TextShape 1"/>
           <p:cNvSpPr txBox="1"/>
           <p:nvPr/>
         </p:nvSpPr>
@@ -1152,7 +1115,7 @@
       </p:grpSpPr>
       <p:sp>
         <p:nvSpPr>
-          <p:cNvPr id="136" name="TextShape 1"/>
+          <p:cNvPr id="138" name="TextShape 1"/>
           <p:cNvSpPr txBox="1"/>
           <p:nvPr/>
         </p:nvSpPr>
@@ -1190,7 +1153,7 @@
       </p:grpSpPr>
       <p:sp>
         <p:nvSpPr>
-          <p:cNvPr id="163" name="TextShape 1"/>
+          <p:cNvPr id="164" name="TextShape 1"/>
           <p:cNvSpPr txBox="1"/>
           <p:nvPr/>
         </p:nvSpPr>
@@ -1228,7 +1191,7 @@
       </p:grpSpPr>
       <p:sp>
         <p:nvSpPr>
-          <p:cNvPr id="164" name="TextShape 1"/>
+          <p:cNvPr id="165" name="TextShape 1"/>
           <p:cNvSpPr txBox="1"/>
           <p:nvPr/>
         </p:nvSpPr>
@@ -1266,7 +1229,7 @@
       </p:grpSpPr>
       <p:sp>
         <p:nvSpPr>
-          <p:cNvPr id="165" name="TextShape 1"/>
+          <p:cNvPr id="166" name="TextShape 1"/>
           <p:cNvSpPr txBox="1"/>
           <p:nvPr/>
         </p:nvSpPr>
@@ -1304,7 +1267,7 @@
       </p:grpSpPr>
       <p:sp>
         <p:nvSpPr>
-          <p:cNvPr id="166" name="TextShape 1"/>
+          <p:cNvPr id="167" name="TextShape 1"/>
           <p:cNvSpPr txBox="1"/>
           <p:nvPr/>
         </p:nvSpPr>
@@ -1342,7 +1305,7 @@
       </p:grpSpPr>
       <p:sp>
         <p:nvSpPr>
-          <p:cNvPr id="167" name="TextShape 1"/>
+          <p:cNvPr id="168" name="TextShape 1"/>
           <p:cNvSpPr txBox="1"/>
           <p:nvPr/>
         </p:nvSpPr>
@@ -1380,7 +1343,7 @@
       </p:grpSpPr>
       <p:sp>
         <p:nvSpPr>
-          <p:cNvPr id="168" name="TextShape 1"/>
+          <p:cNvPr id="169" name="TextShape 1"/>
           <p:cNvSpPr txBox="1"/>
           <p:nvPr/>
         </p:nvSpPr>
@@ -1418,7 +1381,7 @@
       </p:grpSpPr>
       <p:sp>
         <p:nvSpPr>
-          <p:cNvPr id="169" name="TextShape 1"/>
+          <p:cNvPr id="170" name="TextShape 1"/>
           <p:cNvSpPr txBox="1"/>
           <p:nvPr/>
         </p:nvSpPr>
@@ -1456,7 +1419,7 @@
       </p:grpSpPr>
       <p:sp>
         <p:nvSpPr>
-          <p:cNvPr id="170" name="TextShape 1"/>
+          <p:cNvPr id="171" name="TextShape 1"/>
           <p:cNvSpPr txBox="1"/>
           <p:nvPr/>
         </p:nvSpPr>
@@ -1494,7 +1457,45 @@
       </p:grpSpPr>
       <p:sp>
         <p:nvSpPr>
-          <p:cNvPr id="171" name="TextShape 1"/>
+          <p:cNvPr id="172" name="TextShape 1"/>
+          <p:cNvSpPr txBox="1"/>
+          <p:nvPr/>
+        </p:nvSpPr>
+        <p:spPr>
+          <a:xfrm>
+            <a:off x="777600" y="4776840"/>
+            <a:ext cx="6218280" cy="4525920"/>
+          </a:xfrm>
+          <a:prstGeom prst="rect">
+            <a:avLst/>
+          </a:prstGeom>
+        </p:spPr>
+      </p:sp>
+    </p:spTree>
+  </p:cSld>
+</p:notes>
+</file>
+
+<file path=ppt/notesSlides/notesSlide39.xml><?xml version="1.0" encoding="utf-8"?>
+<p:notes xmlns:a="http://schemas.openxmlformats.org/drawingml/2006/main" xmlns:p="http://schemas.openxmlformats.org/presentationml/2006/main" xmlns:r="http://schemas.openxmlformats.org/officeDocument/2006/relationships">
+  <p:cSld>
+    <p:spTree>
+      <p:nvGrpSpPr>
+        <p:cNvPr id="1" name=""/>
+        <p:cNvGrpSpPr/>
+        <p:nvPr/>
+      </p:nvGrpSpPr>
+      <p:grpSpPr>
+        <a:xfrm>
+          <a:off x="0" y="0"/>
+          <a:ext cx="0" cy="0"/>
+          <a:chOff x="0" y="0"/>
+          <a:chExt cx="0" cy="0"/>
+        </a:xfrm>
+      </p:grpSpPr>
+      <p:sp>
+        <p:nvSpPr>
+          <p:cNvPr id="173" name="TextShape 1"/>
           <p:cNvSpPr txBox="1"/>
           <p:nvPr/>
         </p:nvSpPr>
@@ -1532,7 +1533,7 @@
       </p:grpSpPr>
       <p:sp>
         <p:nvSpPr>
-          <p:cNvPr id="137" name="TextShape 1"/>
+          <p:cNvPr id="139" name="TextShape 1"/>
           <p:cNvSpPr txBox="1"/>
           <p:nvPr/>
         </p:nvSpPr>
@@ -1570,7 +1571,7 @@
       </p:grpSpPr>
       <p:sp>
         <p:nvSpPr>
-          <p:cNvPr id="138" name="TextShape 1"/>
+          <p:cNvPr id="140" name="TextShape 1"/>
           <p:cNvSpPr txBox="1"/>
           <p:nvPr/>
         </p:nvSpPr>
@@ -1608,7 +1609,7 @@
       </p:grpSpPr>
       <p:sp>
         <p:nvSpPr>
-          <p:cNvPr id="139" name="TextShape 1"/>
+          <p:cNvPr id="141" name="TextShape 1"/>
           <p:cNvSpPr txBox="1"/>
           <p:nvPr/>
         </p:nvSpPr>
@@ -1686,7 +1687,7 @@
       </p:grpSpPr>
       <p:sp>
         <p:nvSpPr>
-          <p:cNvPr id="140" name="TextShape 1"/>
+          <p:cNvPr id="142" name="TextShape 1"/>
           <p:cNvSpPr txBox="1"/>
           <p:nvPr/>
         </p:nvSpPr>
@@ -1724,7 +1725,7 @@
       </p:grpSpPr>
       <p:sp>
         <p:nvSpPr>
-          <p:cNvPr id="141" name="TextShape 1"/>
+          <p:cNvPr id="143" name="TextShape 1"/>
           <p:cNvSpPr txBox="1"/>
           <p:nvPr/>
         </p:nvSpPr>
@@ -1762,7 +1763,7 @@
       </p:grpSpPr>
       <p:sp>
         <p:nvSpPr>
-          <p:cNvPr id="142" name="TextShape 1"/>
+          <p:cNvPr id="144" name="TextShape 1"/>
           <p:cNvSpPr txBox="1"/>
           <p:nvPr/>
         </p:nvSpPr>
@@ -3193,7 +3194,7 @@
           <a:bodyPr lIns="0" rIns="0" tIns="0" bIns="0"/>
           <a:p>
             <a:pPr/>
-            <a:fld id="{D671FD90-B416-478F-B205-5D55E5E511E1}" type="slidenum">
+            <a:fld id="{3D1FCB07-A2AD-40C2-8C4E-C183E82E4357}" type="slidenum">
               <a:rPr lang="en-US">
                 <a:latin typeface="Arial"/>
               </a:rPr>
@@ -4082,7 +4083,7 @@
                 </a:solidFill>
                 <a:latin typeface="Arial"/>
               </a:rPr>
-              <a:t>Pandas : data analysis module using R-like dataframes and Series</a:t>
+              <a:t>Pandas : data analysis module using R-like data frames and Series</a:t>
             </a:r>
             <a:endParaRPr/>
           </a:p>
@@ -4183,13 +4184,6 @@
 <file path=ppt/slides/slide14.xml><?xml version="1.0" encoding="utf-8"?>
 <p:sld xmlns:a="http://schemas.openxmlformats.org/drawingml/2006/main" xmlns:p="http://schemas.openxmlformats.org/presentationml/2006/main" xmlns:r="http://schemas.openxmlformats.org/officeDocument/2006/relationships">
   <p:cSld>
-    <p:bg>
-      <p:bgPr>
-        <a:solidFill>
-          <a:srgbClr val="ffffff"/>
-        </a:solidFill>
-      </p:bgPr>
-    </p:bg>
     <p:spTree>
       <p:nvGrpSpPr>
         <p:cNvPr id="1" name=""/>
@@ -4212,189 +4206,69 @@
         </p:nvSpPr>
         <p:spPr>
           <a:xfrm>
-            <a:off x="502920" y="301680"/>
-            <a:ext cx="9070920" cy="1262160"/>
+            <a:off x="502920" y="301320"/>
+            <a:ext cx="9069480" cy="1260360"/>
           </a:xfrm>
           <a:prstGeom prst="rect">
             <a:avLst/>
           </a:prstGeom>
         </p:spPr>
         <p:txBody>
-          <a:bodyPr lIns="0" rIns="0" tIns="11160" bIns="0" anchor="ctr"/>
-          <a:p>
-            <a:pPr algn="ctr">
-              <a:lnSpc>
-                <a:spcPct val="98000"/>
-              </a:lnSpc>
-            </a:pPr>
+          <a:bodyPr lIns="0" rIns="0" tIns="0" bIns="0" anchor="ctr"/>
+          <a:p>
+            <a:pPr algn="ctr"/>
             <a:r>
               <a:rPr lang="en-US" sz="4400">
-                <a:solidFill>
-                  <a:srgbClr val="ff00cc"/>
-                </a:solidFill>
                 <a:latin typeface="Droid Serif"/>
               </a:rPr>
-              <a:t>Anaconda</a:t>
+              <a:t>Python </a:t>
             </a:r>
             <a:r>
               <a:rPr lang="en-US" sz="4400">
                 <a:solidFill>
-                  <a:srgbClr val="000000"/>
+                  <a:srgbClr val="000099"/>
                 </a:solidFill>
                 <a:latin typeface="Droid Serif"/>
               </a:rPr>
-              <a:t> Installation</a:t>
+              <a:t>Data Science</a:t>
+            </a:r>
+            <a:r>
+              <a:rPr lang="en-US" sz="4400">
+                <a:latin typeface="Droid Serif"/>
+              </a:rPr>
+              <a:t> stack</a:t>
             </a:r>
             <a:endParaRPr/>
           </a:p>
         </p:txBody>
       </p:sp>
-      <p:sp>
-        <p:nvSpPr>
-          <p:cNvPr id="71" name="TextShape 2"/>
-          <p:cNvSpPr txBox="1"/>
-          <p:nvPr/>
-        </p:nvSpPr>
-        <p:spPr>
-          <a:xfrm>
-            <a:off x="502920" y="1768320"/>
-            <a:ext cx="9070920" cy="4384800"/>
-          </a:xfrm>
-          <a:prstGeom prst="rect">
-            <a:avLst/>
-          </a:prstGeom>
-        </p:spPr>
-        <p:txBody>
-          <a:bodyPr lIns="0" rIns="0" tIns="24120" bIns="0"/>
-          <a:p>
-            <a:pPr>
-              <a:lnSpc>
-                <a:spcPct val="94000"/>
-              </a:lnSpc>
-              <a:buSzPct val="45000"/>
-              <a:buFont typeface="Wingdings" charset="2"/>
-              <a:buChar char=""/>
-            </a:pPr>
-            <a:r>
-              <a:rPr lang="en-US" sz="3200">
-                <a:solidFill>
-                  <a:srgbClr val="000000"/>
-                </a:solidFill>
-                <a:latin typeface="Arial"/>
-              </a:rPr>
-              <a:t>As easy as 1-2-3. </a:t>
-            </a:r>
-            <a:endParaRPr/>
-          </a:p>
-          <a:p>
-            <a:pPr>
-              <a:lnSpc>
-                <a:spcPct val="94000"/>
-              </a:lnSpc>
-              <a:buSzPct val="45000"/>
-              <a:buFont typeface="Wingdings" charset="2"/>
-              <a:buChar char=""/>
-            </a:pPr>
-            <a:r>
-              <a:rPr lang="en-US" sz="3200">
-                <a:solidFill>
-                  <a:srgbClr val="000000"/>
-                </a:solidFill>
-                <a:latin typeface="Arial"/>
-              </a:rPr>
-              <a:t>Visit :</a:t>
-            </a:r>
-            <a:r>
-              <a:rPr lang="en-US" sz="3200">
-                <a:solidFill>
-                  <a:srgbClr val="6666ff"/>
-                </a:solidFill>
-                <a:latin typeface="Arial"/>
-              </a:rPr>
-              <a:t> </a:t>
-            </a:r>
-            <a:r>
-              <a:rPr lang="en-US" sz="3200">
-                <a:solidFill>
-                  <a:srgbClr val="ccccff"/>
-                </a:solidFill>
-                <a:latin typeface="Arial"/>
-              </a:rPr>
-              <a:t>http://continuum.io/downloads</a:t>
-            </a:r>
-            <a:endParaRPr/>
-          </a:p>
-          <a:p>
-            <a:pPr>
-              <a:lnSpc>
-                <a:spcPct val="94000"/>
-              </a:lnSpc>
-              <a:buSzPct val="45000"/>
-              <a:buFont typeface="Wingdings" charset="2"/>
-              <a:buChar char=""/>
-            </a:pPr>
-            <a:r>
-              <a:rPr lang="en-US" sz="3200">
-                <a:solidFill>
-                  <a:srgbClr val="000000"/>
-                </a:solidFill>
-                <a:latin typeface="Arial"/>
-              </a:rPr>
-              <a:t>Follow the instructions which are very straightforward.</a:t>
-            </a:r>
-            <a:endParaRPr/>
-          </a:p>
-          <a:p>
-            <a:pPr>
-              <a:lnSpc>
-                <a:spcPct val="94000"/>
-              </a:lnSpc>
-              <a:buSzPct val="45000"/>
-              <a:buFont typeface="Wingdings" charset="2"/>
-              <a:buChar char=""/>
-            </a:pPr>
-            <a:r>
-              <a:rPr lang="en-US" sz="3200">
-                <a:solidFill>
-                  <a:srgbClr val="000000"/>
-                </a:solidFill>
-                <a:latin typeface="Arial"/>
-              </a:rPr>
-              <a:t>Installs seamlessly on Unix/Linux, Mac OS/X and Windows platforms.</a:t>
-            </a:r>
-            <a:endParaRPr/>
-          </a:p>
-        </p:txBody>
-      </p:sp>
+      <p:pic>
+        <p:nvPicPr>
+          <p:cNvPr id="71" name="" descr=""/>
+          <p:cNvPicPr/>
+          <p:nvPr/>
+        </p:nvPicPr>
+        <p:blipFill>
+          <a:blip r:embed="rId1"/>
+          <a:stretch>
+            <a:fillRect/>
+          </a:stretch>
+        </p:blipFill>
+        <p:spPr>
+          <a:xfrm>
+            <a:off x="1673640" y="1768320"/>
+            <a:ext cx="6727320" cy="4383360"/>
+          </a:xfrm>
+          <a:prstGeom prst="rect">
+            <a:avLst/>
+          </a:prstGeom>
+          <a:ln>
+            <a:noFill/>
+          </a:ln>
+        </p:spPr>
+      </p:pic>
     </p:spTree>
   </p:cSld>
-  <p:timing>
-    <p:tnLst>
-      <p:par>
-        <p:cTn id="27" dur="indefinite" restart="never" nodeType="tmRoot">
-          <p:childTnLst>
-            <p:seq>
-              <p:cTn id="28" nodeType="mainSeq"/>
-              <p:prevCondLst>
-                <p:cond delay="0" evt="onPrev">
-                  <p:tgtEl>
-                    <p:sldTgt/>
-                  </p:tgtEl>
-                </p:cond>
-              </p:prevCondLst>
-              <p:nextCondLst>
-                <p:cond delay="0" evt="onNext">
-                  <p:tgtEl>
-                    <p:sldTgt/>
-                  </p:tgtEl>
-                </p:cond>
-              </p:nextCondLst>
-            </p:seq>
-          </p:childTnLst>
-        </p:cTn>
-      </p:par>
-    </p:tnLst>
-  </p:timing>
 </p:sld>
 </file>
 
@@ -4448,29 +4322,20 @@
             <a:r>
               <a:rPr lang="en-US" sz="4400">
                 <a:solidFill>
-                  <a:srgbClr val="000000"/>
+                  <a:srgbClr val="ff00cc"/>
                 </a:solidFill>
                 <a:latin typeface="Droid Serif"/>
               </a:rPr>
-              <a:t>Interactive Python (</a:t>
+              <a:t>Anaconda</a:t>
             </a:r>
             <a:r>
               <a:rPr lang="en-US" sz="4400">
                 <a:solidFill>
-                  <a:srgbClr val="996600"/>
+                  <a:srgbClr val="000000"/>
                 </a:solidFill>
                 <a:latin typeface="Droid Serif"/>
               </a:rPr>
-              <a:t>IPython</a:t>
-            </a:r>
-            <a:r>
-              <a:rPr lang="en-US" sz="4400">
-                <a:solidFill>
-                  <a:srgbClr val="000000"/>
-                </a:solidFill>
-                <a:latin typeface="Droid Serif"/>
-              </a:rPr>
-              <a:t>)</a:t>
+              <a:t> Installation</a:t>
             </a:r>
             <a:endParaRPr/>
           </a:p>
@@ -4509,16 +4374,7 @@
                 </a:solidFill>
                 <a:latin typeface="Arial"/>
               </a:rPr>
-              <a:t>Vital part of toolset for </a:t>
-            </a:r>
-            <a:r>
-              <a:rPr lang="en-US" sz="3200">
-                <a:solidFill>
-                  <a:srgbClr val="000099"/>
-                </a:solidFill>
-                <a:latin typeface="Arial"/>
-              </a:rPr>
-              <a:t>Data Science</a:t>
+              <a:t>As easy as 1-2-3. </a:t>
             </a:r>
             <a:endParaRPr/>
           </a:p>
@@ -4538,7 +4394,25 @@
                 </a:solidFill>
                 <a:latin typeface="Arial"/>
               </a:rPr>
-              <a:t>Provides interactive environment for the user to type in Python commands and see the result instantly. </a:t>
+              <a:t>Visit :</a:t>
+            </a:r>
+            <a:r>
+              <a:rPr lang="en-US" sz="3200">
+                <a:solidFill>
+                  <a:srgbClr val="6666ff"/>
+                </a:solidFill>
+                <a:latin typeface="Arial"/>
+              </a:rPr>
+              <a:t> </a:t>
+            </a:r>
+            <a:r>
+              <a:rPr lang="en-US" sz="3200">
+                <a:solidFill>
+                  <a:srgbClr val="000066"/>
+                </a:solidFill>
+                <a:latin typeface="Arial"/>
+              </a:rPr>
+              <a:t>http://continuum.io/downloads</a:t>
             </a:r>
             <a:endParaRPr/>
           </a:p>
@@ -4558,7 +4432,7 @@
                 </a:solidFill>
                 <a:latin typeface="Arial"/>
               </a:rPr>
-              <a:t>Essential for the exploratory and discovery phase of the Data Science life cycle.</a:t>
+              <a:t>Follow the instructions which are very straightforward.</a:t>
             </a:r>
             <a:endParaRPr/>
           </a:p>
@@ -4578,7 +4452,7 @@
                 </a:solidFill>
                 <a:latin typeface="Arial"/>
               </a:rPr>
-              <a:t>The notebook version  is even more useful. It is browser-based and embedded rich text, code, mathematics and figures. It provides a platform to support reproducible research, since all inputs and outputs may be stored in a one-to-one way in notebook documents. </a:t>
+              <a:t>Installs seamlessly on Unix/Linux, Mac OS/X and Windows platforms.</a:t>
             </a:r>
             <a:endParaRPr/>
           </a:p>
@@ -4589,10 +4463,10 @@
   <p:timing>
     <p:tnLst>
       <p:par>
-        <p:cTn id="29" dur="indefinite" restart="never" nodeType="tmRoot">
+        <p:cTn id="27" dur="indefinite" restart="never" nodeType="tmRoot">
           <p:childTnLst>
             <p:seq>
-              <p:cTn id="30" nodeType="mainSeq"/>
+              <p:cTn id="28" nodeType="mainSeq"/>
               <p:prevCondLst>
                 <p:cond delay="0" evt="onPrev">
                   <p:tgtEl>
@@ -4656,60 +4530,161 @@
           </a:prstGeom>
         </p:spPr>
         <p:txBody>
-          <a:bodyPr lIns="0" rIns="0" tIns="44280" bIns="0" anchor="ctr"/>
+          <a:bodyPr lIns="0" rIns="0" tIns="11160" bIns="0" anchor="ctr"/>
           <a:p>
             <a:pPr algn="ctr">
               <a:lnSpc>
-                <a:spcPct val="92000"/>
+                <a:spcPct val="98000"/>
               </a:lnSpc>
             </a:pPr>
             <a:r>
               <a:rPr lang="en-US" sz="4400">
                 <a:solidFill>
+                  <a:srgbClr val="000000"/>
+                </a:solidFill>
+                <a:latin typeface="Droid Serif"/>
+              </a:rPr>
+              <a:t>Interactive Python (</a:t>
+            </a:r>
+            <a:r>
+              <a:rPr lang="en-US" sz="4400">
+                <a:solidFill>
                   <a:srgbClr val="996600"/>
                 </a:solidFill>
-                <a:latin typeface="FreeSerif"/>
+                <a:latin typeface="Droid Serif"/>
               </a:rPr>
               <a:t>IPython</a:t>
             </a:r>
+            <a:r>
+              <a:rPr lang="en-US" sz="4400">
+                <a:solidFill>
+                  <a:srgbClr val="000000"/>
+                </a:solidFill>
+                <a:latin typeface="Droid Serif"/>
+              </a:rPr>
+              <a:t>)</a:t>
+            </a:r>
             <a:endParaRPr/>
           </a:p>
         </p:txBody>
       </p:sp>
-      <p:pic>
-        <p:nvPicPr>
-          <p:cNvPr id="75" name="" descr=""/>
-          <p:cNvPicPr/>
-          <p:nvPr/>
-        </p:nvPicPr>
-        <p:blipFill>
-          <a:blip r:embed="rId1"/>
-          <a:stretch>
-            <a:fillRect/>
-          </a:stretch>
-        </p:blipFill>
-        <p:spPr>
-          <a:xfrm>
-            <a:off x="1139760" y="1768320"/>
-            <a:ext cx="7797960" cy="4384800"/>
-          </a:xfrm>
-          <a:prstGeom prst="rect">
-            <a:avLst/>
-          </a:prstGeom>
-          <a:ln>
-            <a:noFill/>
-          </a:ln>
-        </p:spPr>
-      </p:pic>
+      <p:sp>
+        <p:nvSpPr>
+          <p:cNvPr id="75" name="TextShape 2"/>
+          <p:cNvSpPr txBox="1"/>
+          <p:nvPr/>
+        </p:nvSpPr>
+        <p:spPr>
+          <a:xfrm>
+            <a:off x="502920" y="1768320"/>
+            <a:ext cx="9070920" cy="4384800"/>
+          </a:xfrm>
+          <a:prstGeom prst="rect">
+            <a:avLst/>
+          </a:prstGeom>
+        </p:spPr>
+        <p:txBody>
+          <a:bodyPr lIns="0" rIns="0" tIns="24120" bIns="0"/>
+          <a:p>
+            <a:pPr>
+              <a:lnSpc>
+                <a:spcPct val="94000"/>
+              </a:lnSpc>
+              <a:buSzPct val="45000"/>
+              <a:buFont typeface="Wingdings" charset="2"/>
+              <a:buChar char=""/>
+            </a:pPr>
+            <a:r>
+              <a:rPr lang="en-US" sz="3200">
+                <a:solidFill>
+                  <a:srgbClr val="000000"/>
+                </a:solidFill>
+                <a:latin typeface="Arial"/>
+              </a:rPr>
+              <a:t>Vital part of toolset for </a:t>
+            </a:r>
+            <a:r>
+              <a:rPr lang="en-US" sz="3200">
+                <a:solidFill>
+                  <a:srgbClr val="000099"/>
+                </a:solidFill>
+                <a:latin typeface="Arial"/>
+              </a:rPr>
+              <a:t>Data Science</a:t>
+            </a:r>
+            <a:endParaRPr/>
+          </a:p>
+          <a:p>
+            <a:pPr>
+              <a:lnSpc>
+                <a:spcPct val="94000"/>
+              </a:lnSpc>
+              <a:buSzPct val="45000"/>
+              <a:buFont typeface="Wingdings" charset="2"/>
+              <a:buChar char=""/>
+            </a:pPr>
+            <a:r>
+              <a:rPr lang="en-US" sz="3200">
+                <a:solidFill>
+                  <a:srgbClr val="000000"/>
+                </a:solidFill>
+                <a:latin typeface="Arial"/>
+              </a:rPr>
+              <a:t>Provides interactive environment for the user to type in Python commands and see the result instantly. </a:t>
+            </a:r>
+            <a:endParaRPr/>
+          </a:p>
+          <a:p>
+            <a:pPr>
+              <a:lnSpc>
+                <a:spcPct val="94000"/>
+              </a:lnSpc>
+              <a:buSzPct val="45000"/>
+              <a:buFont typeface="Wingdings" charset="2"/>
+              <a:buChar char=""/>
+            </a:pPr>
+            <a:r>
+              <a:rPr lang="en-US" sz="3200">
+                <a:solidFill>
+                  <a:srgbClr val="000000"/>
+                </a:solidFill>
+                <a:latin typeface="Arial"/>
+              </a:rPr>
+              <a:t>Essential for the exploratory and discovery phase of the Data Science life cycle.</a:t>
+            </a:r>
+            <a:endParaRPr/>
+          </a:p>
+          <a:p>
+            <a:pPr>
+              <a:lnSpc>
+                <a:spcPct val="94000"/>
+              </a:lnSpc>
+              <a:buSzPct val="45000"/>
+              <a:buFont typeface="Wingdings" charset="2"/>
+              <a:buChar char=""/>
+            </a:pPr>
+            <a:r>
+              <a:rPr lang="en-US" sz="3200">
+                <a:solidFill>
+                  <a:srgbClr val="000000"/>
+                </a:solidFill>
+                <a:latin typeface="Arial"/>
+              </a:rPr>
+              <a:t>The notebook version  is even more useful. It is browser-based and embedded rich text, code, mathematics and figures. It provides a platform to support reproducible research, since all inputs and outputs may be stored in a one-to-one way in notebook documents. </a:t>
+            </a:r>
+            <a:endParaRPr/>
+          </a:p>
+        </p:txBody>
+      </p:sp>
     </p:spTree>
   </p:cSld>
   <p:timing>
     <p:tnLst>
       <p:par>
-        <p:cTn id="31" dur="indefinite" restart="never" nodeType="tmRoot">
+        <p:cTn id="29" dur="indefinite" restart="never" nodeType="tmRoot">
           <p:childTnLst>
             <p:seq>
-              <p:cTn id="32" nodeType="mainSeq"/>
+              <p:cTn id="30" nodeType="mainSeq"/>
               <p:prevCondLst>
                 <p:cond delay="0" evt="onPrev">
                   <p:tgtEl>
@@ -4757,9 +4732,45 @@
           <a:chExt cx="0" cy="0"/>
         </a:xfrm>
       </p:grpSpPr>
+      <p:sp>
+        <p:nvSpPr>
+          <p:cNvPr id="76" name="TextShape 1"/>
+          <p:cNvSpPr txBox="1"/>
+          <p:nvPr/>
+        </p:nvSpPr>
+        <p:spPr>
+          <a:xfrm>
+            <a:off x="502920" y="301680"/>
+            <a:ext cx="9070920" cy="1262160"/>
+          </a:xfrm>
+          <a:prstGeom prst="rect">
+            <a:avLst/>
+          </a:prstGeom>
+        </p:spPr>
+        <p:txBody>
+          <a:bodyPr lIns="0" rIns="0" tIns="44280" bIns="0" anchor="ctr"/>
+          <a:p>
+            <a:pPr algn="ctr">
+              <a:lnSpc>
+                <a:spcPct val="92000"/>
+              </a:lnSpc>
+            </a:pPr>
+            <a:r>
+              <a:rPr lang="en-US" sz="4400">
+                <a:solidFill>
+                  <a:srgbClr val="996600"/>
+                </a:solidFill>
+                <a:latin typeface="FreeSerif"/>
+              </a:rPr>
+              <a:t>IPython</a:t>
+            </a:r>
+            <a:endParaRPr/>
+          </a:p>
+        </p:txBody>
+      </p:sp>
       <p:pic>
         <p:nvPicPr>
-          <p:cNvPr id="76" name="" descr=""/>
+          <p:cNvPr id="77" name="" descr=""/>
           <p:cNvPicPr/>
           <p:nvPr/>
         </p:nvPicPr>
@@ -4771,8 +4782,8 @@
         </p:blipFill>
         <p:spPr>
           <a:xfrm>
-            <a:off x="3176640" y="301680"/>
-            <a:ext cx="3725640" cy="1262160"/>
+            <a:off x="1139760" y="1768320"/>
+            <a:ext cx="7797960" cy="4384800"/>
           </a:xfrm>
           <a:prstGeom prst="rect">
             <a:avLst/>
@@ -4782,132 +4793,15 @@
           </a:ln>
         </p:spPr>
       </p:pic>
-      <p:sp>
-        <p:nvSpPr>
-          <p:cNvPr id="77" name="TextShape 1"/>
-          <p:cNvSpPr txBox="1"/>
-          <p:nvPr/>
-        </p:nvSpPr>
-        <p:spPr>
-          <a:xfrm>
-            <a:off x="502920" y="1768320"/>
-            <a:ext cx="9070920" cy="4384800"/>
-          </a:xfrm>
-          <a:prstGeom prst="rect">
-            <a:avLst/>
-          </a:prstGeom>
-        </p:spPr>
-        <p:txBody>
-          <a:bodyPr lIns="0" rIns="0" tIns="24120" bIns="0"/>
-          <a:p>
-            <a:pPr>
-              <a:lnSpc>
-                <a:spcPct val="94000"/>
-              </a:lnSpc>
-              <a:buSzPct val="45000"/>
-              <a:buFont typeface="Wingdings" charset="2"/>
-              <a:buChar char=""/>
-            </a:pPr>
-            <a:r>
-              <a:rPr lang="en-US" sz="3200">
-                <a:solidFill>
-                  <a:srgbClr val="000000"/>
-                </a:solidFill>
-                <a:latin typeface="Arial"/>
-              </a:rPr>
-              <a:t>Offers the type </a:t>
-            </a:r>
-            <a:r>
-              <a:rPr i="1" lang="en-US" sz="3200">
-                <a:solidFill>
-                  <a:srgbClr val="000000"/>
-                </a:solidFill>
-                <a:latin typeface="Arial"/>
-              </a:rPr>
-              <a:t>numpy.ndarray</a:t>
-            </a:r>
-            <a:r>
-              <a:rPr lang="en-US" sz="3200">
-                <a:solidFill>
-                  <a:srgbClr val="000000"/>
-                </a:solidFill>
-                <a:latin typeface="Arial"/>
-              </a:rPr>
-              <a:t> , a homogenous multidimensional array</a:t>
-            </a:r>
-            <a:endParaRPr/>
-          </a:p>
-          <a:p>
-            <a:pPr>
-              <a:lnSpc>
-                <a:spcPct val="94000"/>
-              </a:lnSpc>
-              <a:buSzPct val="45000"/>
-              <a:buFont typeface="Wingdings" charset="2"/>
-              <a:buChar char=""/>
-            </a:pPr>
-            <a:r>
-              <a:rPr lang="en-US" sz="3200">
-                <a:solidFill>
-                  <a:srgbClr val="000000"/>
-                </a:solidFill>
-                <a:latin typeface="Arial"/>
-              </a:rPr>
-              <a:t>Access to numerous mathematical functions – linear algebra, statistics,and so on</a:t>
-            </a:r>
-            <a:endParaRPr/>
-          </a:p>
-          <a:p>
-            <a:pPr>
-              <a:lnSpc>
-                <a:spcPct val="94000"/>
-              </a:lnSpc>
-              <a:buSzPct val="45000"/>
-              <a:buFont typeface="Wingdings" charset="2"/>
-              <a:buChar char=""/>
-            </a:pPr>
-            <a:r>
-              <a:rPr lang="en-US" sz="3200">
-                <a:solidFill>
-                  <a:srgbClr val="000000"/>
-                </a:solidFill>
-                <a:latin typeface="Arial"/>
-              </a:rPr>
-              <a:t>Ability to integrate C, C++, and Fortran code</a:t>
-            </a:r>
-            <a:endParaRPr/>
-          </a:p>
-          <a:p>
-            <a:pPr>
-              <a:lnSpc>
-                <a:spcPct val="94000"/>
-              </a:lnSpc>
-              <a:buSzPct val="45000"/>
-              <a:buFont typeface="Wingdings" charset="2"/>
-              <a:buChar char=""/>
-            </a:pPr>
-            <a:r>
-              <a:rPr lang="en-US" sz="3200">
-                <a:solidFill>
-                  <a:srgbClr val="000000"/>
-                </a:solidFill>
-                <a:latin typeface="Arial"/>
-              </a:rPr>
-              <a:t>Foundation module for SciPy, Pandas</a:t>
-            </a:r>
-            <a:endParaRPr/>
-          </a:p>
-        </p:txBody>
-      </p:sp>
     </p:spTree>
   </p:cSld>
   <p:timing>
     <p:tnLst>
       <p:par>
-        <p:cTn id="33" dur="indefinite" restart="never" nodeType="tmRoot">
+        <p:cTn id="31" dur="indefinite" restart="never" nodeType="tmRoot">
           <p:childTnLst>
             <p:seq>
-              <p:cTn id="34" nodeType="mainSeq"/>
+              <p:cTn id="32" nodeType="mainSeq"/>
               <p:prevCondLst>
                 <p:cond delay="0" evt="onPrev">
                   <p:tgtEl>
@@ -4969,8 +4863,8 @@
         </p:blipFill>
         <p:spPr>
           <a:xfrm>
-            <a:off x="3227400" y="301680"/>
-            <a:ext cx="3622680" cy="1262160"/>
+            <a:off x="3176640" y="301680"/>
+            <a:ext cx="3725640" cy="1262160"/>
           </a:xfrm>
           <a:prstGeom prst="rect">
             <a:avLst/>
@@ -5013,7 +4907,25 @@
                 </a:solidFill>
                 <a:latin typeface="Arial"/>
               </a:rPr>
-              <a:t>Offers functionality for numeric and scientific computing – statistics, optimization, signal processing.</a:t>
+              <a:t>Offers the type </a:t>
+            </a:r>
+            <a:r>
+              <a:rPr i="1" lang="en-US" sz="3200">
+                <a:solidFill>
+                  <a:srgbClr val="000000"/>
+                </a:solidFill>
+                <a:latin typeface="Arial"/>
+              </a:rPr>
+              <a:t>numpy.ndarray</a:t>
+            </a:r>
+            <a:r>
+              <a:rPr lang="en-US" sz="3200">
+                <a:solidFill>
+                  <a:srgbClr val="000000"/>
+                </a:solidFill>
+                <a:latin typeface="Arial"/>
+              </a:rPr>
+              <a:t> , a homogenous multidimensional array</a:t>
             </a:r>
             <a:endParaRPr/>
           </a:p>
@@ -5033,7 +4945,7 @@
                 </a:solidFill>
                 <a:latin typeface="Arial"/>
               </a:rPr>
-              <a:t>Built on top of NumPy</a:t>
+              <a:t>Access to numerous mathematical functions – linear algebra, statistics,and so on</a:t>
             </a:r>
             <a:endParaRPr/>
           </a:p>
@@ -5053,25 +4965,7 @@
                 </a:solidFill>
                 <a:latin typeface="Arial"/>
               </a:rPr>
-              <a:t>Foundation for add-on packages referred to as scikits. The most well-known is </a:t>
-            </a:r>
-            <a:r>
-              <a:rPr lang="en-US" sz="3200">
-                <a:solidFill>
-                  <a:srgbClr val="ff9900"/>
-                </a:solidFill>
-                <a:latin typeface="Arial"/>
-              </a:rPr>
-              <a:t>scikit-learn</a:t>
-            </a:r>
-            <a:r>
-              <a:rPr lang="en-US" sz="3200">
-                <a:solidFill>
-                  <a:srgbClr val="000000"/>
-                </a:solidFill>
-                <a:latin typeface="Arial"/>
-              </a:rPr>
-              <a:t>, used for machine learning and data mining.</a:t>
+              <a:t>Ability to integrate C, C++, and Fortran code</a:t>
             </a:r>
             <a:endParaRPr/>
           </a:p>
@@ -5091,26 +4985,7 @@
                 </a:solidFill>
                 <a:latin typeface="Arial"/>
               </a:rPr>
-              <a:t>To learn about other scikits, see: </a:t>
-            </a:r>
-            <a:r>
-              <a:rPr lang="en-US" sz="3200">
-                <a:solidFill>
-                  <a:srgbClr val="000000"/>
-                </a:solidFill>
-                <a:latin typeface="Arial"/>
-              </a:rPr>
-              <a:t>
-</a:t>
-            </a:r>
-            <a:r>
-              <a:rPr lang="en-US" sz="2600">
-                <a:solidFill>
-                  <a:srgbClr val="ccccff"/>
-                </a:solidFill>
-                <a:latin typeface="Arial"/>
-              </a:rPr>
-              <a:t>http://scikits.appspot.com/sckits</a:t>
+              <a:t>Foundation module for SciPy, Pandas</a:t>
             </a:r>
             <a:endParaRPr/>
           </a:p>
@@ -5121,10 +4996,10 @@
   <p:timing>
     <p:tnLst>
       <p:par>
-        <p:cTn id="35" dur="indefinite" restart="never" nodeType="tmRoot">
+        <p:cTn id="33" dur="indefinite" restart="never" nodeType="tmRoot">
           <p:childTnLst>
             <p:seq>
-              <p:cTn id="36" nodeType="mainSeq"/>
+              <p:cTn id="34" nodeType="mainSeq"/>
               <p:prevCondLst>
                 <p:cond delay="0" evt="onPrev">
                   <p:tgtEl>
@@ -5186,8 +5061,8 @@
         </p:blipFill>
         <p:spPr>
           <a:xfrm>
-            <a:off x="1596960" y="301680"/>
-            <a:ext cx="6886800" cy="1262160"/>
+            <a:off x="3227400" y="301680"/>
+            <a:ext cx="3622680" cy="1262160"/>
           </a:xfrm>
           <a:prstGeom prst="rect">
             <a:avLst/>
@@ -5219,14 +5094,6 @@
               <a:lnSpc>
                 <a:spcPct val="94000"/>
               </a:lnSpc>
-            </a:pPr>
-            <a:endParaRPr/>
-          </a:p>
-          <a:p>
-            <a:pPr>
-              <a:lnSpc>
-                <a:spcPct val="94000"/>
-              </a:lnSpc>
               <a:buSzPct val="45000"/>
               <a:buFont typeface="Wingdings" charset="2"/>
               <a:buChar char=""/>
@@ -5238,7 +5105,7 @@
                 </a:solidFill>
                 <a:latin typeface="Arial"/>
               </a:rPr>
-              <a:t>Provides rich visualization and graphing functionality</a:t>
+              <a:t>Offers functionality for numeric and scientific computing – statistics, optimization, signal processing.</a:t>
             </a:r>
             <a:endParaRPr/>
           </a:p>
@@ -5258,7 +5125,7 @@
                 </a:solidFill>
                 <a:latin typeface="Arial"/>
               </a:rPr>
-              <a:t>Can display graphics inline within IPython or in a separate external window </a:t>
+              <a:t>Built on top of NumPy</a:t>
             </a:r>
             <a:endParaRPr/>
           </a:p>
@@ -5278,16 +5145,65 @@
                 </a:solidFill>
                 <a:latin typeface="Arial"/>
               </a:rPr>
-              <a:t>Built on plotting functionality available in Matlab</a:t>
-            </a:r>
-            <a:endParaRPr/>
-          </a:p>
-          <a:p>
-            <a:pPr>
-              <a:lnSpc>
-                <a:spcPct val="94000"/>
-              </a:lnSpc>
-            </a:pPr>
+              <a:t>Foundation for add-on packages referred to as scikits. The most well-known is </a:t>
+            </a:r>
+            <a:r>
+              <a:rPr lang="en-US" sz="3200">
+                <a:solidFill>
+                  <a:srgbClr val="ff9900"/>
+                </a:solidFill>
+                <a:latin typeface="Arial"/>
+              </a:rPr>
+              <a:t>scikit-learn</a:t>
+            </a:r>
+            <a:r>
+              <a:rPr lang="en-US" sz="3200">
+                <a:solidFill>
+                  <a:srgbClr val="000000"/>
+                </a:solidFill>
+                <a:latin typeface="Arial"/>
+              </a:rPr>
+              <a:t>, used for machine learning and data mining.</a:t>
+            </a:r>
+            <a:endParaRPr/>
+          </a:p>
+          <a:p>
+            <a:pPr>
+              <a:lnSpc>
+                <a:spcPct val="94000"/>
+              </a:lnSpc>
+              <a:buSzPct val="45000"/>
+              <a:buFont typeface="Wingdings" charset="2"/>
+              <a:buChar char=""/>
+            </a:pPr>
+            <a:r>
+              <a:rPr lang="en-US" sz="3200">
+                <a:solidFill>
+                  <a:srgbClr val="000000"/>
+                </a:solidFill>
+                <a:latin typeface="Arial"/>
+              </a:rPr>
+              <a:t>To learn about other scikits, see: </a:t>
+            </a:r>
+            <a:r>
+              <a:rPr lang="en-US" sz="3200">
+                <a:solidFill>
+                  <a:srgbClr val="000000"/>
+                </a:solidFill>
+                <a:latin typeface="Arial"/>
+              </a:rPr>
+              <a:t>
+</a:t>
+            </a:r>
+            <a:r>
+              <a:rPr lang="en-US" sz="2600">
+                <a:solidFill>
+                  <a:srgbClr val="000066"/>
+                </a:solidFill>
+                <a:latin typeface="Arial"/>
+              </a:rPr>
+              <a:t>http://scikits.appspot.com/sckits</a:t>
+            </a:r>
             <a:endParaRPr/>
           </a:p>
         </p:txBody>
@@ -5297,10 +5213,10 @@
   <p:timing>
     <p:tnLst>
       <p:par>
-        <p:cTn id="37" dur="indefinite" restart="never" nodeType="tmRoot">
+        <p:cTn id="35" dur="indefinite" restart="never" nodeType="tmRoot">
           <p:childTnLst>
             <p:seq>
-              <p:cTn id="38" nodeType="mainSeq"/>
+              <p:cTn id="36" nodeType="mainSeq"/>
               <p:prevCondLst>
                 <p:cond delay="0" evt="onPrev">
                   <p:tgtEl>
@@ -5765,115 +5681,110 @@
           </a:ln>
         </p:spPr>
       </p:pic>
-      <p:pic>
-        <p:nvPicPr>
-          <p:cNvPr id="83" name="" descr=""/>
-          <p:cNvPicPr/>
-          <p:nvPr/>
-        </p:nvPicPr>
-        <p:blipFill>
-          <a:blip r:embed="rId2"/>
-          <a:stretch>
-            <a:fillRect/>
-          </a:stretch>
-        </p:blipFill>
-        <p:spPr>
-          <a:xfrm>
-            <a:off x="365040" y="5124600"/>
-            <a:ext cx="3808440" cy="1003320"/>
-          </a:xfrm>
-          <a:prstGeom prst="rect">
-            <a:avLst/>
-          </a:prstGeom>
-          <a:ln>
-            <a:noFill/>
-          </a:ln>
-        </p:spPr>
-      </p:pic>
-      <p:pic>
-        <p:nvPicPr>
-          <p:cNvPr id="84" name="" descr=""/>
-          <p:cNvPicPr/>
-          <p:nvPr/>
-        </p:nvPicPr>
-        <p:blipFill>
-          <a:blip r:embed="rId3"/>
-          <a:stretch>
-            <a:fillRect/>
-          </a:stretch>
-        </p:blipFill>
-        <p:spPr>
-          <a:xfrm>
-            <a:off x="189000" y="1920960"/>
-            <a:ext cx="3833640" cy="2882880"/>
-          </a:xfrm>
-          <a:prstGeom prst="rect">
-            <a:avLst/>
-          </a:prstGeom>
-          <a:ln>
-            <a:noFill/>
-          </a:ln>
-        </p:spPr>
-      </p:pic>
-      <p:pic>
-        <p:nvPicPr>
-          <p:cNvPr id="85" name="" descr=""/>
-          <p:cNvPicPr/>
-          <p:nvPr/>
-        </p:nvPicPr>
-        <p:blipFill>
-          <a:blip r:embed="rId4"/>
-          <a:stretch>
-            <a:fillRect/>
-          </a:stretch>
-        </p:blipFill>
-        <p:spPr>
-          <a:xfrm>
-            <a:off x="5303880" y="1828800"/>
-            <a:ext cx="3833640" cy="2894040"/>
-          </a:xfrm>
-          <a:prstGeom prst="rect">
-            <a:avLst/>
-          </a:prstGeom>
-          <a:ln>
-            <a:noFill/>
-          </a:ln>
-        </p:spPr>
-      </p:pic>
-      <p:pic>
-        <p:nvPicPr>
-          <p:cNvPr id="86" name="" descr=""/>
-          <p:cNvPicPr/>
-          <p:nvPr/>
-        </p:nvPicPr>
-        <p:blipFill>
-          <a:blip r:embed="rId5"/>
-          <a:stretch>
-            <a:fillRect/>
-          </a:stretch>
-        </p:blipFill>
-        <p:spPr>
-          <a:xfrm>
-            <a:off x="5284800" y="5159520"/>
-            <a:ext cx="3859200" cy="419040"/>
-          </a:xfrm>
-          <a:prstGeom prst="rect">
-            <a:avLst/>
-          </a:prstGeom>
-          <a:ln>
-            <a:noFill/>
-          </a:ln>
-        </p:spPr>
-      </p:pic>
+      <p:sp>
+        <p:nvSpPr>
+          <p:cNvPr id="83" name="TextShape 1"/>
+          <p:cNvSpPr txBox="1"/>
+          <p:nvPr/>
+        </p:nvSpPr>
+        <p:spPr>
+          <a:xfrm>
+            <a:off x="502920" y="1768320"/>
+            <a:ext cx="9070920" cy="4384800"/>
+          </a:xfrm>
+          <a:prstGeom prst="rect">
+            <a:avLst/>
+          </a:prstGeom>
+        </p:spPr>
+        <p:txBody>
+          <a:bodyPr lIns="0" rIns="0" tIns="24120" bIns="0"/>
+          <a:p>
+            <a:pPr>
+              <a:lnSpc>
+                <a:spcPct val="94000"/>
+              </a:lnSpc>
+            </a:pPr>
+            <a:endParaRPr/>
+          </a:p>
+          <a:p>
+            <a:pPr>
+              <a:lnSpc>
+                <a:spcPct val="94000"/>
+              </a:lnSpc>
+              <a:buSzPct val="45000"/>
+              <a:buFont typeface="Wingdings" charset="2"/>
+              <a:buChar char=""/>
+            </a:pPr>
+            <a:r>
+              <a:rPr lang="en-US" sz="3200">
+                <a:solidFill>
+                  <a:srgbClr val="000000"/>
+                </a:solidFill>
+                <a:latin typeface="Arial"/>
+              </a:rPr>
+              <a:t>Provides rich visualization and graphing functionality</a:t>
+            </a:r>
+            <a:endParaRPr/>
+          </a:p>
+          <a:p>
+            <a:pPr>
+              <a:lnSpc>
+                <a:spcPct val="94000"/>
+              </a:lnSpc>
+              <a:buSzPct val="45000"/>
+              <a:buFont typeface="Wingdings" charset="2"/>
+              <a:buChar char=""/>
+            </a:pPr>
+            <a:r>
+              <a:rPr lang="en-US" sz="3200">
+                <a:solidFill>
+                  <a:srgbClr val="000000"/>
+                </a:solidFill>
+                <a:latin typeface="Arial"/>
+              </a:rPr>
+              <a:t>Can display graphics inline within IPython or in a separate external window </a:t>
+            </a:r>
+            <a:endParaRPr/>
+          </a:p>
+          <a:p>
+            <a:pPr>
+              <a:lnSpc>
+                <a:spcPct val="94000"/>
+              </a:lnSpc>
+              <a:buSzPct val="45000"/>
+              <a:buFont typeface="Wingdings" charset="2"/>
+              <a:buChar char=""/>
+            </a:pPr>
+            <a:r>
+              <a:rPr lang="en-US" sz="3200">
+                <a:solidFill>
+                  <a:srgbClr val="000000"/>
+                </a:solidFill>
+                <a:latin typeface="Arial"/>
+              </a:rPr>
+              <a:t>Built on plotting functionality available in Matlab</a:t>
+            </a:r>
+            <a:endParaRPr/>
+          </a:p>
+          <a:p>
+            <a:pPr>
+              <a:lnSpc>
+                <a:spcPct val="94000"/>
+              </a:lnSpc>
+            </a:pPr>
+            <a:endParaRPr/>
+          </a:p>
+        </p:txBody>
+      </p:sp>
     </p:spTree>
   </p:cSld>
   <p:timing>
     <p:tnLst>
       <p:par>
-        <p:cTn id="39" dur="indefinite" restart="never" nodeType="tmRoot">
+        <p:cTn id="37" dur="indefinite" restart="never" nodeType="tmRoot">
           <p:childTnLst>
             <p:seq>
-              <p:cTn id="40" nodeType="mainSeq"/>
+              <p:cTn id="38" nodeType="mainSeq"/>
               <p:prevCondLst>
                 <p:cond delay="0" evt="onPrev">
                   <p:tgtEl>
@@ -5921,198 +5832,140 @@
           <a:chExt cx="0" cy="0"/>
         </a:xfrm>
       </p:grpSpPr>
-      <p:sp>
-        <p:nvSpPr>
-          <p:cNvPr id="87" name="TextShape 1"/>
-          <p:cNvSpPr txBox="1"/>
-          <p:nvPr/>
-        </p:nvSpPr>
-        <p:spPr>
-          <a:xfrm>
-            <a:off x="502920" y="301680"/>
-            <a:ext cx="9070920" cy="1262160"/>
-          </a:xfrm>
-          <a:prstGeom prst="rect">
-            <a:avLst/>
-          </a:prstGeom>
-        </p:spPr>
-        <p:txBody>
-          <a:bodyPr lIns="0" rIns="0" tIns="33120" bIns="0" anchor="ctr"/>
-          <a:p>
-            <a:pPr algn="ctr">
-              <a:lnSpc>
-                <a:spcPct val="94000"/>
-              </a:lnSpc>
-            </a:pPr>
-            <a:r>
-              <a:rPr lang="en-US" sz="4400">
-                <a:solidFill>
-                  <a:srgbClr val="000000"/>
-                </a:solidFill>
-                <a:latin typeface="Arial"/>
-              </a:rPr>
-              <a:t>NumPy + SciPy + matplotlib + IPython</a:t>
-            </a:r>
-            <a:endParaRPr/>
-          </a:p>
-        </p:txBody>
-      </p:sp>
-      <p:sp>
-        <p:nvSpPr>
-          <p:cNvPr id="88" name="TextShape 2"/>
-          <p:cNvSpPr txBox="1"/>
-          <p:nvPr/>
-        </p:nvSpPr>
-        <p:spPr>
-          <a:xfrm>
-            <a:off x="502920" y="1767960"/>
-            <a:ext cx="9070920" cy="4815000"/>
-          </a:xfrm>
-          <a:prstGeom prst="rect">
-            <a:avLst/>
-          </a:prstGeom>
-        </p:spPr>
-        <p:txBody>
-          <a:bodyPr lIns="0" rIns="0" tIns="24120" bIns="0"/>
-          <a:p>
-            <a:pPr>
-              <a:lnSpc>
-                <a:spcPct val="94000"/>
-              </a:lnSpc>
-            </a:pPr>
-            <a:endParaRPr/>
-          </a:p>
-          <a:p>
-            <a:pPr>
-              <a:lnSpc>
-                <a:spcPct val="94000"/>
-              </a:lnSpc>
-              <a:buSzPct val="45000"/>
-              <a:buFont typeface="Wingdings" charset="2"/>
-              <a:buChar char=""/>
-            </a:pPr>
-            <a:r>
-              <a:rPr lang="en-US" sz="3200">
-                <a:solidFill>
-                  <a:srgbClr val="000000"/>
-                </a:solidFill>
-                <a:latin typeface="Arial"/>
-              </a:rPr>
-              <a:t>Provide an environment similar to the Matlab toolbox for numeric and scientific computing</a:t>
-            </a:r>
-            <a:endParaRPr/>
-          </a:p>
-          <a:p>
-            <a:pPr>
-              <a:lnSpc>
-                <a:spcPct val="94000"/>
-              </a:lnSpc>
-              <a:buSzPct val="45000"/>
-              <a:buFont typeface="Wingdings" charset="2"/>
-              <a:buChar char=""/>
-            </a:pPr>
-            <a:r>
-              <a:rPr lang="en-US" sz="3200">
-                <a:solidFill>
-                  <a:srgbClr val="000000"/>
-                </a:solidFill>
-                <a:latin typeface="Arial"/>
-              </a:rPr>
-              <a:t>Invoking IPython and importing these modules :</a:t>
-            </a:r>
-            <a:r>
-              <a:rPr lang="en-US" sz="3200">
-                <a:solidFill>
-                  <a:srgbClr val="000000"/>
-                </a:solidFill>
-                <a:latin typeface="Arial"/>
-              </a:rPr>
-              <a:t>
-</a:t>
-            </a:r>
-            <a:r>
-              <a:rPr lang="en-US" sz="3200">
-                <a:solidFill>
-                  <a:srgbClr val="000000"/>
-                </a:solidFill>
-                <a:latin typeface="Arial"/>
-              </a:rPr>
-              <a:t>
-</a:t>
-            </a:r>
-            <a:r>
-              <a:rPr lang="en-US" sz="2800">
-                <a:solidFill>
-                  <a:srgbClr val="003300"/>
-                </a:solidFill>
-                <a:latin typeface="Courier 10 Pitch"/>
-              </a:rPr>
-              <a:t>ipython notebook - #Invoke Ipython</a:t>
-            </a:r>
-            <a:endParaRPr/>
-          </a:p>
-          <a:p>
-            <a:pPr>
-              <a:lnSpc>
-                <a:spcPct val="97000"/>
-              </a:lnSpc>
-            </a:pPr>
-            <a:r>
-              <a:rPr lang="en-US" sz="2800">
-                <a:solidFill>
-                  <a:srgbClr val="003300"/>
-                </a:solidFill>
-                <a:latin typeface="Courier 10 Pitch"/>
-              </a:rPr>
-              <a:t>[1]: import numpy as np</a:t>
-            </a:r>
-            <a:endParaRPr/>
-          </a:p>
-          <a:p>
-            <a:pPr>
-              <a:lnSpc>
-                <a:spcPct val="97000"/>
-              </a:lnSpc>
-            </a:pPr>
-            <a:r>
-              <a:rPr lang="en-US" sz="2800">
-                <a:solidFill>
-                  <a:srgbClr val="003300"/>
-                </a:solidFill>
-                <a:latin typeface="Courier 10 Pitch"/>
-              </a:rPr>
-              <a:t>[2]: import scipy as sc</a:t>
-            </a:r>
-            <a:endParaRPr/>
-          </a:p>
-          <a:p>
-            <a:pPr>
-              <a:lnSpc>
-                <a:spcPct val="97000"/>
-              </a:lnSpc>
-            </a:pPr>
-            <a:r>
-              <a:rPr lang="en-US" sz="2800">
-                <a:solidFill>
-                  <a:srgbClr val="003300"/>
-                </a:solidFill>
-                <a:latin typeface="Courier 10 Pitch"/>
-              </a:rPr>
-              <a:t>[3]: import matplotlib.pyplot as plt</a:t>
-            </a:r>
-            <a:endParaRPr/>
-          </a:p>
-        </p:txBody>
-      </p:sp>
+      <p:pic>
+        <p:nvPicPr>
+          <p:cNvPr id="84" name="" descr=""/>
+          <p:cNvPicPr/>
+          <p:nvPr/>
+        </p:nvPicPr>
+        <p:blipFill>
+          <a:blip r:embed="rId1"/>
+          <a:stretch>
+            <a:fillRect/>
+          </a:stretch>
+        </p:blipFill>
+        <p:spPr>
+          <a:xfrm>
+            <a:off x="1596960" y="301680"/>
+            <a:ext cx="6886800" cy="1262160"/>
+          </a:xfrm>
+          <a:prstGeom prst="rect">
+            <a:avLst/>
+          </a:prstGeom>
+          <a:ln>
+            <a:noFill/>
+          </a:ln>
+        </p:spPr>
+      </p:pic>
+      <p:pic>
+        <p:nvPicPr>
+          <p:cNvPr id="85" name="" descr=""/>
+          <p:cNvPicPr/>
+          <p:nvPr/>
+        </p:nvPicPr>
+        <p:blipFill>
+          <a:blip r:embed="rId2"/>
+          <a:stretch>
+            <a:fillRect/>
+          </a:stretch>
+        </p:blipFill>
+        <p:spPr>
+          <a:xfrm>
+            <a:off x="365040" y="5124600"/>
+            <a:ext cx="3808440" cy="1003320"/>
+          </a:xfrm>
+          <a:prstGeom prst="rect">
+            <a:avLst/>
+          </a:prstGeom>
+          <a:ln>
+            <a:noFill/>
+          </a:ln>
+        </p:spPr>
+      </p:pic>
+      <p:pic>
+        <p:nvPicPr>
+          <p:cNvPr id="86" name="" descr=""/>
+          <p:cNvPicPr/>
+          <p:nvPr/>
+        </p:nvPicPr>
+        <p:blipFill>
+          <a:blip r:embed="rId3"/>
+          <a:stretch>
+            <a:fillRect/>
+          </a:stretch>
+        </p:blipFill>
+        <p:spPr>
+          <a:xfrm>
+            <a:off x="189000" y="1920960"/>
+            <a:ext cx="3833640" cy="2882880"/>
+          </a:xfrm>
+          <a:prstGeom prst="rect">
+            <a:avLst/>
+          </a:prstGeom>
+          <a:ln>
+            <a:noFill/>
+          </a:ln>
+        </p:spPr>
+      </p:pic>
+      <p:pic>
+        <p:nvPicPr>
+          <p:cNvPr id="87" name="" descr=""/>
+          <p:cNvPicPr/>
+          <p:nvPr/>
+        </p:nvPicPr>
+        <p:blipFill>
+          <a:blip r:embed="rId4"/>
+          <a:stretch>
+            <a:fillRect/>
+          </a:stretch>
+        </p:blipFill>
+        <p:spPr>
+          <a:xfrm>
+            <a:off x="5303880" y="1828800"/>
+            <a:ext cx="3833640" cy="2894040"/>
+          </a:xfrm>
+          <a:prstGeom prst="rect">
+            <a:avLst/>
+          </a:prstGeom>
+          <a:ln>
+            <a:noFill/>
+          </a:ln>
+        </p:spPr>
+      </p:pic>
+      <p:pic>
+        <p:nvPicPr>
+          <p:cNvPr id="88" name="" descr=""/>
+          <p:cNvPicPr/>
+          <p:nvPr/>
+        </p:nvPicPr>
+        <p:blipFill>
+          <a:blip r:embed="rId5"/>
+          <a:stretch>
+            <a:fillRect/>
+          </a:stretch>
+        </p:blipFill>
+        <p:spPr>
+          <a:xfrm>
+            <a:off x="5284800" y="5159520"/>
+            <a:ext cx="3859200" cy="419040"/>
+          </a:xfrm>
+          <a:prstGeom prst="rect">
+            <a:avLst/>
+          </a:prstGeom>
+          <a:ln>
+            <a:noFill/>
+          </a:ln>
+        </p:spPr>
+      </p:pic>
     </p:spTree>
   </p:cSld>
   <p:timing>
     <p:tnLst>
       <p:par>
-        <p:cTn id="41" dur="indefinite" restart="never" nodeType="tmRoot">
+        <p:cTn id="39" dur="indefinite" restart="never" nodeType="tmRoot">
           <p:childTnLst>
             <p:seq>
-              <p:cTn id="42" nodeType="mainSeq"/>
+              <p:cTn id="40" nodeType="mainSeq"/>
               <p:prevCondLst>
                 <p:cond delay="0" evt="onPrev">
                   <p:tgtEl>
@@ -6160,41 +6013,52 @@
           <a:chExt cx="0" cy="0"/>
         </a:xfrm>
       </p:grpSpPr>
-      <p:pic>
-        <p:nvPicPr>
-          <p:cNvPr id="89" name="" descr=""/>
-          <p:cNvPicPr/>
-          <p:nvPr/>
-        </p:nvPicPr>
-        <p:blipFill>
-          <a:blip r:embed="rId1"/>
-          <a:stretch>
-            <a:fillRect/>
-          </a:stretch>
-        </p:blipFill>
-        <p:spPr>
-          <a:xfrm>
-            <a:off x="1933560" y="301680"/>
-            <a:ext cx="6210360" cy="1262160"/>
-          </a:xfrm>
-          <a:prstGeom prst="rect">
-            <a:avLst/>
-          </a:prstGeom>
-          <a:ln>
-            <a:noFill/>
-          </a:ln>
-        </p:spPr>
-      </p:pic>
-      <p:sp>
-        <p:nvSpPr>
-          <p:cNvPr id="90" name="TextShape 1"/>
+      <p:sp>
+        <p:nvSpPr>
+          <p:cNvPr id="89" name="TextShape 1"/>
           <p:cNvSpPr txBox="1"/>
           <p:nvPr/>
         </p:nvSpPr>
         <p:spPr>
           <a:xfrm>
-            <a:off x="502920" y="1768320"/>
-            <a:ext cx="9070920" cy="4384800"/>
+            <a:off x="502920" y="301680"/>
+            <a:ext cx="9070920" cy="1262160"/>
+          </a:xfrm>
+          <a:prstGeom prst="rect">
+            <a:avLst/>
+          </a:prstGeom>
+        </p:spPr>
+        <p:txBody>
+          <a:bodyPr lIns="0" rIns="0" tIns="33120" bIns="0" anchor="ctr"/>
+          <a:p>
+            <a:pPr algn="ctr">
+              <a:lnSpc>
+                <a:spcPct val="94000"/>
+              </a:lnSpc>
+            </a:pPr>
+            <a:r>
+              <a:rPr lang="en-US" sz="4400">
+                <a:solidFill>
+                  <a:srgbClr val="000000"/>
+                </a:solidFill>
+                <a:latin typeface="Arial"/>
+              </a:rPr>
+              <a:t>NumPy + SciPy + matplotlib + IPython</a:t>
+            </a:r>
+            <a:endParaRPr/>
+          </a:p>
+        </p:txBody>
+      </p:sp>
+      <p:sp>
+        <p:nvSpPr>
+          <p:cNvPr id="90" name="TextShape 2"/>
+          <p:cNvSpPr txBox="1"/>
+          <p:nvPr/>
+        </p:nvSpPr>
+        <p:spPr>
+          <a:xfrm>
+            <a:off x="502920" y="1767960"/>
+            <a:ext cx="9070920" cy="4815000"/>
           </a:xfrm>
           <a:prstGeom prst="rect">
             <a:avLst/>
@@ -6226,7 +6090,7 @@
                 </a:solidFill>
                 <a:latin typeface="Arial"/>
               </a:rPr>
-              <a:t>High-performance open source library for data analysis in Python</a:t>
+              <a:t>Provide an environment similar to the Matlab toolbox for numeric and scientific computing</a:t>
             </a:r>
             <a:endParaRPr/>
           </a:p>
@@ -6246,127 +6110,87 @@
                 </a:solidFill>
                 <a:latin typeface="Arial"/>
               </a:rPr>
-              <a:t>Key Features:</a:t>
-            </a:r>
-            <a:endParaRPr/>
-          </a:p>
-          <a:p>
-            <a:pPr lvl="1">
-              <a:lnSpc>
-                <a:spcPct val="94000"/>
-              </a:lnSpc>
-              <a:buSzPct val="75000"/>
-              <a:buFont typeface="Symbol" charset="2"/>
-              <a:buChar char=""/>
-            </a:pPr>
+              <a:t>Invoking IPython and importing these modules :</a:t>
+            </a:r>
+            <a:r>
+              <a:rPr lang="en-US" sz="3200">
+                <a:solidFill>
+                  <a:srgbClr val="000000"/>
+                </a:solidFill>
+                <a:latin typeface="Arial"/>
+              </a:rPr>
+              <a:t>
+</a:t>
+            </a:r>
+            <a:r>
+              <a:rPr lang="en-US" sz="3200">
+                <a:solidFill>
+                  <a:srgbClr val="000000"/>
+                </a:solidFill>
+                <a:latin typeface="Arial"/>
+              </a:rPr>
+              <a:t>
+</a:t>
+            </a:r>
             <a:r>
               <a:rPr lang="en-US" sz="2800">
                 <a:solidFill>
-                  <a:srgbClr val="000000"/>
-                </a:solidFill>
-                <a:latin typeface="Arial"/>
-              </a:rPr>
-              <a:t>Process data in different formats</a:t>
-            </a:r>
-            <a:endParaRPr/>
-          </a:p>
-          <a:p>
-            <a:pPr lvl="1">
-              <a:lnSpc>
-                <a:spcPct val="94000"/>
-              </a:lnSpc>
-              <a:buSzPct val="75000"/>
-              <a:buFont typeface="Symbol" charset="2"/>
-              <a:buChar char=""/>
+                  <a:srgbClr val="003300"/>
+                </a:solidFill>
+                <a:latin typeface="Courier 10 Pitch"/>
+              </a:rPr>
+              <a:t>ipython notebook - #Invoke Ipython</a:t>
+            </a:r>
+            <a:endParaRPr/>
+          </a:p>
+          <a:p>
+            <a:pPr>
+              <a:lnSpc>
+                <a:spcPct val="97000"/>
+              </a:lnSpc>
             </a:pPr>
             <a:r>
               <a:rPr lang="en-US" sz="2800">
                 <a:solidFill>
-                  <a:srgbClr val="000000"/>
-                </a:solidFill>
-                <a:latin typeface="Arial"/>
-              </a:rPr>
-              <a:t>Can load data from varied sources – CSV, SQL.</a:t>
-            </a:r>
-            <a:endParaRPr/>
-          </a:p>
-          <a:p>
-            <a:pPr lvl="1">
-              <a:lnSpc>
-                <a:spcPct val="94000"/>
-              </a:lnSpc>
-              <a:buSzPct val="75000"/>
-              <a:buFont typeface="Symbol" charset="2"/>
-              <a:buChar char=""/>
+                  <a:srgbClr val="003300"/>
+                </a:solidFill>
+                <a:latin typeface="Courier 10 Pitch"/>
+              </a:rPr>
+              <a:t>[1]: import numpy as np</a:t>
+            </a:r>
+            <a:endParaRPr/>
+          </a:p>
+          <a:p>
+            <a:pPr>
+              <a:lnSpc>
+                <a:spcPct val="97000"/>
+              </a:lnSpc>
             </a:pPr>
             <a:r>
               <a:rPr lang="en-US" sz="2800">
                 <a:solidFill>
-                  <a:srgbClr val="000000"/>
-                </a:solidFill>
-                <a:latin typeface="Arial"/>
-              </a:rPr>
-              <a:t>Can perform many operations on data sets – slicing, sub-setting, filtering, merging, grouping etc.</a:t>
-            </a:r>
-            <a:endParaRPr/>
-          </a:p>
-          <a:p>
-            <a:pPr lvl="1">
-              <a:lnSpc>
-                <a:spcPct val="94000"/>
-              </a:lnSpc>
-              <a:buSzPct val="75000"/>
-              <a:buFont typeface="Symbol" charset="2"/>
-              <a:buChar char=""/>
+                  <a:srgbClr val="003300"/>
+                </a:solidFill>
+                <a:latin typeface="Courier 10 Pitch"/>
+              </a:rPr>
+              <a:t>[2]: import scipy as sc</a:t>
+            </a:r>
+            <a:endParaRPr/>
+          </a:p>
+          <a:p>
+            <a:pPr>
+              <a:lnSpc>
+                <a:spcPct val="97000"/>
+              </a:lnSpc>
             </a:pPr>
             <a:r>
               <a:rPr lang="en-US" sz="2800">
                 <a:solidFill>
-                  <a:srgbClr val="000000"/>
-                </a:solidFill>
-                <a:latin typeface="Arial"/>
-              </a:rPr>
-              <a:t>Can handle missing data.</a:t>
-            </a:r>
-            <a:endParaRPr/>
-          </a:p>
-          <a:p>
-            <a:pPr lvl="1">
-              <a:lnSpc>
-                <a:spcPct val="94000"/>
-              </a:lnSpc>
-              <a:buSzPct val="75000"/>
-              <a:buFont typeface="Symbol" charset="2"/>
-              <a:buChar char=""/>
-            </a:pPr>
-            <a:r>
-              <a:rPr lang="en-US" sz="2800">
-                <a:solidFill>
-                  <a:srgbClr val="000000"/>
-                </a:solidFill>
-                <a:latin typeface="Arial"/>
-              </a:rPr>
-              <a:t>Integrates well with other Python data libraries</a:t>
-            </a:r>
-            <a:endParaRPr/>
-          </a:p>
-          <a:p>
-            <a:pPr lvl="1">
-              <a:lnSpc>
-                <a:spcPct val="94000"/>
-              </a:lnSpc>
-              <a:buSzPct val="75000"/>
-              <a:buFont typeface="Symbol" charset="2"/>
-              <a:buChar char=""/>
-            </a:pPr>
-            <a:r>
-              <a:rPr lang="en-US" sz="2800">
-                <a:solidFill>
-                  <a:srgbClr val="000000"/>
-                </a:solidFill>
-                <a:latin typeface="Arial"/>
-              </a:rPr>
-              <a:t>Delivers fast performance</a:t>
+                  <a:srgbClr val="003300"/>
+                </a:solidFill>
+                <a:latin typeface="Courier 10 Pitch"/>
+              </a:rPr>
+              <a:t>[3]: import matplotlib.pyplot as plt</a:t>
             </a:r>
             <a:endParaRPr/>
           </a:p>
@@ -6377,10 +6201,10 @@
   <p:timing>
     <p:tnLst>
       <p:par>
-        <p:cTn id="43" dur="indefinite" restart="never" nodeType="tmRoot">
+        <p:cTn id="41" dur="indefinite" restart="never" nodeType="tmRoot">
           <p:childTnLst>
             <p:seq>
-              <p:cTn id="44" nodeType="mainSeq"/>
+              <p:cTn id="42" nodeType="mainSeq"/>
               <p:prevCondLst>
                 <p:cond delay="0" evt="onPrev">
                   <p:tgtEl>
@@ -6494,7 +6318,27 @@
                 </a:solidFill>
                 <a:latin typeface="Arial"/>
               </a:rPr>
-              <a:t>Provides 2 key data structures:</a:t>
+              <a:t>High-performance open source library for data analysis in Python</a:t>
+            </a:r>
+            <a:endParaRPr/>
+          </a:p>
+          <a:p>
+            <a:pPr>
+              <a:lnSpc>
+                <a:spcPct val="94000"/>
+              </a:lnSpc>
+              <a:buSzPct val="45000"/>
+              <a:buFont typeface="Wingdings" charset="2"/>
+              <a:buChar char=""/>
+            </a:pPr>
+            <a:r>
+              <a:rPr lang="en-US" sz="3200">
+                <a:solidFill>
+                  <a:srgbClr val="000000"/>
+                </a:solidFill>
+                <a:latin typeface="Arial"/>
+              </a:rPr>
+              <a:t>Key Features:</a:t>
             </a:r>
             <a:endParaRPr/>
           </a:p>
@@ -6510,20 +6354,11 @@
             <a:r>
               <a:rPr lang="en-US" sz="2800">
                 <a:solidFill>
-                  <a:srgbClr val="cc0000"/>
-                </a:solidFill>
-                <a:latin typeface="Arial"/>
-              </a:rPr>
-              <a:t>Series</a:t>
-            </a:r>
-            <a:r>
-              <a:rPr lang="en-US" sz="2800">
-                <a:solidFill>
-                  <a:srgbClr val="000000"/>
-                </a:solidFill>
-                <a:latin typeface="Arial"/>
-              </a:rPr>
-              <a:t> - Really a 1D NumPy array under the hood. It consists of a NumPy array coupled with an array of labels.</a:t>
+                  <a:srgbClr val="000000"/>
+                </a:solidFill>
+                <a:latin typeface="Arial"/>
+              </a:rPr>
+              <a:t>Process data in different formats</a:t>
             </a:r>
             <a:endParaRPr/>
           </a:p>
@@ -6539,12 +6374,23 @@
             <a:r>
               <a:rPr lang="en-US" sz="2800">
                 <a:solidFill>
-                  <a:srgbClr val="cc0000"/>
-                </a:solidFill>
-                <a:latin typeface="Arial"/>
-              </a:rPr>
-              <a:t>DataFrame</a:t>
-            </a:r>
+                  <a:srgbClr val="000000"/>
+                </a:solidFill>
+                <a:latin typeface="Arial"/>
+              </a:rPr>
+              <a:t>Can load data from varied sources – CSV, SQL.</a:t>
+            </a:r>
+            <a:endParaRPr/>
+          </a:p>
+          <a:p>
+            <a:pPr lvl="1">
+              <a:lnSpc>
+                <a:spcPct val="94000"/>
+              </a:lnSpc>
+              <a:buSzPct val="75000"/>
+              <a:buFont typeface="Symbol" charset="2"/>
+              <a:buChar char=""/>
+            </a:pPr>
             <a:r>
               <a:rPr lang="en-US" sz="2800">
                 <a:solidFill>
@@ -6552,7 +6398,67 @@
                 </a:solidFill>
                 <a:latin typeface="Arial"/>
               </a:rPr>
-              <a:t> - 2-dimensional labeled array. Its column types can be heterogeneous. Conceptually analogous to a table or spreadsheet of data. </a:t>
+              <a:t>Can perform many operations on data sets – slicing, sub-setting, filtering, merging, grouping etc.</a:t>
+            </a:r>
+            <a:endParaRPr/>
+          </a:p>
+          <a:p>
+            <a:pPr lvl="1">
+              <a:lnSpc>
+                <a:spcPct val="94000"/>
+              </a:lnSpc>
+              <a:buSzPct val="75000"/>
+              <a:buFont typeface="Symbol" charset="2"/>
+              <a:buChar char=""/>
+            </a:pPr>
+            <a:r>
+              <a:rPr lang="en-US" sz="2800">
+                <a:solidFill>
+                  <a:srgbClr val="000000"/>
+                </a:solidFill>
+                <a:latin typeface="Arial"/>
+              </a:rPr>
+              <a:t>Can handle missing data.</a:t>
+            </a:r>
+            <a:endParaRPr/>
+          </a:p>
+          <a:p>
+            <a:pPr lvl="1">
+              <a:lnSpc>
+                <a:spcPct val="94000"/>
+              </a:lnSpc>
+              <a:buSzPct val="75000"/>
+              <a:buFont typeface="Symbol" charset="2"/>
+              <a:buChar char=""/>
+            </a:pPr>
+            <a:r>
+              <a:rPr lang="en-US" sz="2800">
+                <a:solidFill>
+                  <a:srgbClr val="000000"/>
+                </a:solidFill>
+                <a:latin typeface="Arial"/>
+              </a:rPr>
+              <a:t>Integrates well with other Python data libraries</a:t>
+            </a:r>
+            <a:endParaRPr/>
+          </a:p>
+          <a:p>
+            <a:pPr lvl="1">
+              <a:lnSpc>
+                <a:spcPct val="94000"/>
+              </a:lnSpc>
+              <a:buSzPct val="75000"/>
+              <a:buFont typeface="Symbol" charset="2"/>
+              <a:buChar char=""/>
+            </a:pPr>
+            <a:r>
+              <a:rPr lang="en-US" sz="2800">
+                <a:solidFill>
+                  <a:srgbClr val="000000"/>
+                </a:solidFill>
+                <a:latin typeface="Arial"/>
+              </a:rPr>
+              <a:t>Delivers fast performance</a:t>
             </a:r>
             <a:endParaRPr/>
           </a:p>
@@ -6563,10 +6469,10 @@
   <p:timing>
     <p:tnLst>
       <p:par>
-        <p:cTn id="45" dur="indefinite" restart="never" nodeType="tmRoot">
+        <p:cTn id="43" dur="indefinite" restart="never" nodeType="tmRoot">
           <p:childTnLst>
             <p:seq>
-              <p:cTn id="46" nodeType="mainSeq"/>
+              <p:cTn id="44" nodeType="mainSeq"/>
               <p:prevCondLst>
                 <p:cond delay="0" evt="onPrev">
                   <p:tgtEl>
@@ -6614,281 +6520,9 @@
           <a:chExt cx="0" cy="0"/>
         </a:xfrm>
       </p:grpSpPr>
-      <p:sp>
-        <p:nvSpPr>
-          <p:cNvPr id="93" name="TextShape 1"/>
-          <p:cNvSpPr txBox="1"/>
-          <p:nvPr/>
-        </p:nvSpPr>
-        <p:spPr>
-          <a:xfrm>
-            <a:off x="502920" y="301680"/>
-            <a:ext cx="9070920" cy="1262520"/>
-          </a:xfrm>
-          <a:prstGeom prst="rect">
-            <a:avLst/>
-          </a:prstGeom>
-        </p:spPr>
-        <p:txBody>
-          <a:bodyPr lIns="0" rIns="0" tIns="0" bIns="0" anchor="ctr"/>
-          <a:p>
-            <a:pPr algn="ctr"/>
-            <a:endParaRPr/>
-          </a:p>
-        </p:txBody>
-      </p:sp>
-      <p:sp>
-        <p:nvSpPr>
-          <p:cNvPr id="94" name="TextShape 2"/>
-          <p:cNvSpPr txBox="1"/>
-          <p:nvPr/>
-        </p:nvSpPr>
-        <p:spPr>
-          <a:xfrm>
-            <a:off x="502920" y="1768320"/>
-            <a:ext cx="9070920" cy="5089680"/>
-          </a:xfrm>
-          <a:prstGeom prst="rect">
-            <a:avLst/>
-          </a:prstGeom>
-        </p:spPr>
-        <p:txBody>
-          <a:bodyPr lIns="0" rIns="0" tIns="24120" bIns="0"/>
-          <a:p>
-            <a:pPr>
-              <a:lnSpc>
-                <a:spcPct val="94000"/>
-              </a:lnSpc>
-              <a:buSzPct val="45000"/>
-              <a:buFont typeface="Wingdings" charset="2"/>
-              <a:buChar char=""/>
-            </a:pPr>
-            <a:r>
-              <a:rPr lang="en-US" sz="3200">
-                <a:solidFill>
-                  <a:srgbClr val="000000"/>
-                </a:solidFill>
-                <a:latin typeface="Arial"/>
-              </a:rPr>
-              <a:t>Import module</a:t>
-            </a:r>
-            <a:endParaRPr/>
-          </a:p>
-          <a:p>
-            <a:pPr>
-              <a:lnSpc>
-                <a:spcPct val="94000"/>
-              </a:lnSpc>
-            </a:pPr>
-            <a:r>
-              <a:rPr lang="en-US" sz="2200">
-                <a:solidFill>
-                  <a:srgbClr val="330066"/>
-                </a:solidFill>
-                <a:latin typeface="Arial"/>
-              </a:rPr>
-              <a:t>import pandas as pd</a:t>
-            </a:r>
-            <a:endParaRPr/>
-          </a:p>
-          <a:p>
-            <a:pPr>
-              <a:lnSpc>
-                <a:spcPct val="94000"/>
-              </a:lnSpc>
-              <a:buSzPct val="45000"/>
-              <a:buFont typeface="Wingdings" charset="2"/>
-              <a:buChar char=""/>
-            </a:pPr>
-            <a:r>
-              <a:rPr lang="en-US" sz="3200">
-                <a:solidFill>
-                  <a:srgbClr val="000000"/>
-                </a:solidFill>
-                <a:latin typeface="Arial"/>
-              </a:rPr>
-              <a:t>Read csv file into DataFrame</a:t>
-            </a:r>
-            <a:endParaRPr/>
-          </a:p>
-          <a:p>
-            <a:pPr>
-              <a:lnSpc>
-                <a:spcPct val="97000"/>
-              </a:lnSpc>
-            </a:pPr>
-            <a:r>
-              <a:rPr lang="en-US" sz="2200">
-                <a:solidFill>
-                  <a:srgbClr val="330066"/>
-                </a:solidFill>
-                <a:latin typeface="Courier 10 Pitch"/>
-              </a:rPr>
-              <a:t>weather_df = pd.read_csv('./weather.csv')</a:t>
-            </a:r>
-            <a:endParaRPr/>
-          </a:p>
-          <a:p>
-            <a:pPr>
-              <a:lnSpc>
-                <a:spcPct val="94000"/>
-              </a:lnSpc>
-              <a:buSzPct val="45000"/>
-              <a:buFont typeface="Wingdings" charset="2"/>
-              <a:buChar char=""/>
-            </a:pPr>
-            <a:r>
-              <a:rPr lang="en-US" sz="3200">
-                <a:solidFill>
-                  <a:srgbClr val="000000"/>
-                </a:solidFill>
-                <a:latin typeface="Arial"/>
-              </a:rPr>
-              <a:t>Create Series and DataFrame</a:t>
-            </a:r>
-            <a:endParaRPr/>
-          </a:p>
-          <a:p>
-            <a:pPr>
-              <a:lnSpc>
-                <a:spcPct val="97000"/>
-              </a:lnSpc>
-            </a:pPr>
-            <a:r>
-              <a:rPr lang="en-US" sz="2200">
-                <a:solidFill>
-                  <a:srgbClr val="330066"/>
-                </a:solidFill>
-                <a:latin typeface="Courier 10 Pitch"/>
-              </a:rPr>
-              <a:t>prices_day1 = pd.Series({'AMZN' : 200.0, 'AAPL': 100.0, 'FB' : 96.7})</a:t>
-            </a:r>
-            <a:endParaRPr/>
-          </a:p>
-          <a:p>
-            <a:pPr>
-              <a:lnSpc>
-                <a:spcPct val="97000"/>
-              </a:lnSpc>
-            </a:pPr>
-            <a:r>
-              <a:rPr lang="en-US" sz="2200">
-                <a:solidFill>
-                  <a:srgbClr val="330066"/>
-                </a:solidFill>
-                <a:latin typeface="Courier 10 Pitch"/>
-              </a:rPr>
-              <a:t>prices_day2 = pd.Series({'AMZN' : 197.8, 'AAPL': 99.2, 'FB' : 99.75})</a:t>
-            </a:r>
-            <a:endParaRPr/>
-          </a:p>
-          <a:p>
-            <a:pPr>
-              <a:lnSpc>
-                <a:spcPct val="97000"/>
-              </a:lnSpc>
-            </a:pPr>
-            <a:r>
-              <a:rPr lang="en-US" sz="2200">
-                <a:solidFill>
-                  <a:srgbClr val="330066"/>
-                </a:solidFill>
-                <a:latin typeface="Courier 10 Pitch"/>
-              </a:rPr>
-              <a:t>all_prices = pd.DataFrame([prices_day1,prices_day2])</a:t>
-            </a:r>
-            <a:endParaRPr/>
-          </a:p>
-          <a:p>
-            <a:pPr>
-              <a:lnSpc>
-                <a:spcPct val="97000"/>
-              </a:lnSpc>
-            </a:pPr>
-            <a:r>
-              <a:rPr lang="en-US" sz="2200">
-                <a:solidFill>
-                  <a:srgbClr val="330066"/>
-                </a:solidFill>
-                <a:latin typeface="Courier 10 Pitch"/>
-              </a:rPr>
-              <a:t>print all_prices</a:t>
-            </a:r>
-            <a:endParaRPr/>
-          </a:p>
-          <a:p>
-            <a:pPr>
-              <a:lnSpc>
-                <a:spcPct val="97000"/>
-              </a:lnSpc>
-            </a:pPr>
-            <a:r>
-              <a:rPr lang="en-US" sz="2200">
-                <a:solidFill>
-                  <a:srgbClr val="330066"/>
-                </a:solidFill>
-                <a:latin typeface="Courier 10 Pitch"/>
-              </a:rPr>
-              <a:t>    </a:t>
-            </a:r>
-            <a:r>
-              <a:rPr lang="en-US" sz="2200">
-                <a:solidFill>
-                  <a:srgbClr val="330066"/>
-                </a:solidFill>
-                <a:latin typeface="Courier 10 Pitch"/>
-              </a:rPr>
-              <a:t>AAPL   AMZN     FB</a:t>
-            </a:r>
-            <a:endParaRPr/>
-          </a:p>
-          <a:p>
-            <a:pPr>
-              <a:lnSpc>
-                <a:spcPct val="97000"/>
-              </a:lnSpc>
-            </a:pPr>
-            <a:r>
-              <a:rPr lang="en-US" sz="2200">
-                <a:solidFill>
-                  <a:srgbClr val="330066"/>
-                </a:solidFill>
-                <a:latin typeface="Courier 10 Pitch"/>
-              </a:rPr>
-              <a:t>0  100.0  200.0  96.70</a:t>
-            </a:r>
-            <a:endParaRPr/>
-          </a:p>
-          <a:p>
-            <a:pPr>
-              <a:lnSpc>
-                <a:spcPct val="97000"/>
-              </a:lnSpc>
-            </a:pPr>
-            <a:r>
-              <a:rPr lang="en-US" sz="2200">
-                <a:solidFill>
-                  <a:srgbClr val="330066"/>
-                </a:solidFill>
-                <a:latin typeface="Courier 10 Pitch"/>
-              </a:rPr>
-              <a:t>1   99.2  197.8  99.75</a:t>
-            </a:r>
-            <a:endParaRPr/>
-          </a:p>
-          <a:p>
-            <a:pPr>
-              <a:lnSpc>
-                <a:spcPct val="97000"/>
-              </a:lnSpc>
-            </a:pPr>
-            <a:endParaRPr/>
-          </a:p>
-        </p:txBody>
-      </p:sp>
       <p:pic>
         <p:nvPicPr>
-          <p:cNvPr id="95" name="" descr=""/>
+          <p:cNvPr id="93" name="" descr=""/>
           <p:cNvPicPr/>
           <p:nvPr/>
         </p:nvPicPr>
@@ -6900,8 +6534,8 @@
         </p:blipFill>
         <p:spPr>
           <a:xfrm>
-            <a:off x="2149560" y="301680"/>
-            <a:ext cx="5622840" cy="1143000"/>
+            <a:off x="1933560" y="301680"/>
+            <a:ext cx="6210360" cy="1262160"/>
           </a:xfrm>
           <a:prstGeom prst="rect">
             <a:avLst/>
@@ -6911,15 +6545,120 @@
           </a:ln>
         </p:spPr>
       </p:pic>
+      <p:sp>
+        <p:nvSpPr>
+          <p:cNvPr id="94" name="TextShape 1"/>
+          <p:cNvSpPr txBox="1"/>
+          <p:nvPr/>
+        </p:nvSpPr>
+        <p:spPr>
+          <a:xfrm>
+            <a:off x="502920" y="1768320"/>
+            <a:ext cx="9070920" cy="4384800"/>
+          </a:xfrm>
+          <a:prstGeom prst="rect">
+            <a:avLst/>
+          </a:prstGeom>
+        </p:spPr>
+        <p:txBody>
+          <a:bodyPr lIns="0" rIns="0" tIns="24120" bIns="0"/>
+          <a:p>
+            <a:pPr>
+              <a:lnSpc>
+                <a:spcPct val="94000"/>
+              </a:lnSpc>
+            </a:pPr>
+            <a:endParaRPr/>
+          </a:p>
+          <a:p>
+            <a:pPr>
+              <a:lnSpc>
+                <a:spcPct val="94000"/>
+              </a:lnSpc>
+              <a:buSzPct val="45000"/>
+              <a:buFont typeface="Wingdings" charset="2"/>
+              <a:buChar char=""/>
+            </a:pPr>
+            <a:r>
+              <a:rPr lang="en-US" sz="3200">
+                <a:solidFill>
+                  <a:srgbClr val="000000"/>
+                </a:solidFill>
+                <a:latin typeface="Arial"/>
+              </a:rPr>
+              <a:t>Provides 2 key data structures:</a:t>
+            </a:r>
+            <a:endParaRPr/>
+          </a:p>
+          <a:p>
+            <a:pPr lvl="1">
+              <a:lnSpc>
+                <a:spcPct val="94000"/>
+              </a:lnSpc>
+              <a:buSzPct val="75000"/>
+              <a:buFont typeface="Symbol" charset="2"/>
+              <a:buChar char=""/>
+            </a:pPr>
+            <a:r>
+              <a:rPr lang="en-US" sz="2800">
+                <a:solidFill>
+                  <a:srgbClr val="cc0000"/>
+                </a:solidFill>
+                <a:latin typeface="Arial"/>
+              </a:rPr>
+              <a:t>Series</a:t>
+            </a:r>
+            <a:r>
+              <a:rPr lang="en-US" sz="2800">
+                <a:solidFill>
+                  <a:srgbClr val="000000"/>
+                </a:solidFill>
+                <a:latin typeface="Arial"/>
+              </a:rPr>
+              <a:t> - Really a 1D NumPy array under the hood. It consists of a NumPy array coupled with an array of labels.</a:t>
+            </a:r>
+            <a:endParaRPr/>
+          </a:p>
+          <a:p>
+            <a:pPr lvl="1">
+              <a:lnSpc>
+                <a:spcPct val="94000"/>
+              </a:lnSpc>
+              <a:buSzPct val="75000"/>
+              <a:buFont typeface="Symbol" charset="2"/>
+              <a:buChar char=""/>
+            </a:pPr>
+            <a:r>
+              <a:rPr lang="en-US" sz="2800">
+                <a:solidFill>
+                  <a:srgbClr val="cc0000"/>
+                </a:solidFill>
+                <a:latin typeface="Arial"/>
+              </a:rPr>
+              <a:t>DataFrame</a:t>
+            </a:r>
+            <a:r>
+              <a:rPr lang="en-US" sz="2800">
+                <a:solidFill>
+                  <a:srgbClr val="000000"/>
+                </a:solidFill>
+                <a:latin typeface="Arial"/>
+              </a:rPr>
+              <a:t> - 2-dimensional labeled array. Its column types can be heterogeneous. Conceptually analogous to a table or spreadsheet of data. </a:t>
+            </a:r>
+            <a:endParaRPr/>
+          </a:p>
+        </p:txBody>
+      </p:sp>
     </p:spTree>
   </p:cSld>
   <p:timing>
     <p:tnLst>
       <p:par>
-        <p:cTn id="47" dur="indefinite" restart="never" nodeType="tmRoot">
+        <p:cTn id="45" dur="indefinite" restart="never" nodeType="tmRoot">
           <p:childTnLst>
             <p:seq>
-              <p:cTn id="48" nodeType="mainSeq"/>
+              <p:cTn id="46" nodeType="mainSeq"/>
               <p:prevCondLst>
                 <p:cond delay="0" evt="onPrev">
                   <p:tgtEl>
@@ -6969,50 +6708,37 @@
       </p:grpSpPr>
       <p:sp>
         <p:nvSpPr>
-          <p:cNvPr id="96" name="TextShape 1"/>
+          <p:cNvPr id="95" name="TextShape 1"/>
           <p:cNvSpPr txBox="1"/>
           <p:nvPr/>
         </p:nvSpPr>
         <p:spPr>
           <a:xfrm>
             <a:off x="502920" y="301680"/>
-            <a:ext cx="9070920" cy="1262160"/>
+            <a:ext cx="9070920" cy="1262520"/>
           </a:xfrm>
           <a:prstGeom prst="rect">
             <a:avLst/>
           </a:prstGeom>
         </p:spPr>
         <p:txBody>
-          <a:bodyPr lIns="0" rIns="0" tIns="11160" bIns="0" anchor="ctr"/>
-          <a:p>
-            <a:pPr algn="ctr">
-              <a:lnSpc>
-                <a:spcPct val="98000"/>
-              </a:lnSpc>
-            </a:pPr>
-            <a:r>
-              <a:rPr lang="en-US" sz="4400">
-                <a:solidFill>
-                  <a:srgbClr val="ffcc00"/>
-                </a:solidFill>
-                <a:latin typeface="Droid Serif"/>
-              </a:rPr>
-              <a:t>Machine Learning</a:t>
-            </a:r>
+          <a:bodyPr lIns="0" rIns="0" tIns="0" bIns="0" anchor="ctr"/>
+          <a:p>
+            <a:pPr algn="ctr"/>
             <a:endParaRPr/>
           </a:p>
         </p:txBody>
       </p:sp>
       <p:sp>
         <p:nvSpPr>
-          <p:cNvPr id="97" name="TextShape 2"/>
+          <p:cNvPr id="96" name="TextShape 2"/>
           <p:cNvSpPr txBox="1"/>
           <p:nvPr/>
         </p:nvSpPr>
         <p:spPr>
           <a:xfrm>
             <a:off x="502920" y="1768320"/>
-            <a:ext cx="9070920" cy="4384800"/>
+            <a:ext cx="9070920" cy="5089680"/>
           </a:xfrm>
           <a:prstGeom prst="rect">
             <a:avLst/>
@@ -7020,14 +6746,6 @@
         </p:spPr>
         <p:txBody>
           <a:bodyPr lIns="0" rIns="0" tIns="24120" bIns="0"/>
-          <a:p>
-            <a:pPr>
-              <a:lnSpc>
-                <a:spcPct val="94000"/>
-              </a:lnSpc>
-            </a:pPr>
-            <a:endParaRPr/>
-          </a:p>
           <a:p>
             <a:pPr>
               <a:lnSpc>
@@ -7044,7 +6762,24 @@
                 </a:solidFill>
                 <a:latin typeface="Arial"/>
               </a:rPr>
-              <a:t>Yet another buzzword associated with Data Science.</a:t>
+              <a:t>Import module</a:t>
+            </a:r>
+            <a:endParaRPr/>
+          </a:p>
+          <a:p>
+            <a:pPr>
+              <a:lnSpc>
+                <a:spcPct val="94000"/>
+              </a:lnSpc>
+            </a:pPr>
+            <a:r>
+              <a:rPr lang="en-US" sz="2200">
+                <a:solidFill>
+                  <a:srgbClr val="330066"/>
+                </a:solidFill>
+                <a:latin typeface="Arial"/>
+              </a:rPr>
+              <a:t>import pandas as pd</a:t>
             </a:r>
             <a:endParaRPr/>
           </a:p>
@@ -7064,7 +6799,24 @@
                 </a:solidFill>
                 <a:latin typeface="Arial"/>
               </a:rPr>
-              <a:t>Other synonyms are statistical learning, data mining. </a:t>
+              <a:t>Read csv file into DataFrame</a:t>
+            </a:r>
+            <a:endParaRPr/>
+          </a:p>
+          <a:p>
+            <a:pPr>
+              <a:lnSpc>
+                <a:spcPct val="97000"/>
+              </a:lnSpc>
+            </a:pPr>
+            <a:r>
+              <a:rPr lang="en-US" sz="2200">
+                <a:solidFill>
+                  <a:srgbClr val="330066"/>
+                </a:solidFill>
+                <a:latin typeface="Courier 10 Pitch"/>
+              </a:rPr>
+              <a:t>weather_df = pd.read_csv('./weather.csv')</a:t>
             </a:r>
             <a:endParaRPr/>
           </a:p>
@@ -7084,21 +6836,182 @@
                 </a:solidFill>
                 <a:latin typeface="Arial"/>
               </a:rPr>
-              <a:t>Simply put : Machine Learning means programming computers to 'learn from data'</a:t>
-            </a:r>
+              <a:t>Create Series and DataFrame</a:t>
+            </a:r>
+            <a:endParaRPr/>
+          </a:p>
+          <a:p>
+            <a:pPr>
+              <a:lnSpc>
+                <a:spcPct val="97000"/>
+              </a:lnSpc>
+            </a:pPr>
+            <a:r>
+              <a:rPr lang="en-US" sz="2200">
+                <a:solidFill>
+                  <a:srgbClr val="330066"/>
+                </a:solidFill>
+                <a:latin typeface="Courier 10 Pitch"/>
+              </a:rPr>
+              <a:t>prices_day1 = pd.Series({'AMZN' : 200.0, 'AAPL': 100.0, 'FB' : 96.7})</a:t>
+            </a:r>
+            <a:endParaRPr/>
+          </a:p>
+          <a:p>
+            <a:pPr>
+              <a:lnSpc>
+                <a:spcPct val="97000"/>
+              </a:lnSpc>
+            </a:pPr>
+            <a:r>
+              <a:rPr lang="en-US" sz="2200">
+                <a:solidFill>
+                  <a:srgbClr val="330066"/>
+                </a:solidFill>
+                <a:latin typeface="Courier 10 Pitch"/>
+              </a:rPr>
+              <a:t>prices_day2 = pd.Series({'AMZN' : 197.8, 'AAPL': 99.2, 'FB' : 99.75})</a:t>
+            </a:r>
+            <a:endParaRPr/>
+          </a:p>
+          <a:p>
+            <a:pPr>
+              <a:lnSpc>
+                <a:spcPct val="97000"/>
+              </a:lnSpc>
+            </a:pPr>
+            <a:r>
+              <a:rPr lang="en-US" sz="2200">
+                <a:solidFill>
+                  <a:srgbClr val="330066"/>
+                </a:solidFill>
+                <a:latin typeface="Courier 10 Pitch"/>
+              </a:rPr>
+              <a:t>all_prices = pd.DataFrame([prices_day1,prices_day2])</a:t>
+            </a:r>
+            <a:endParaRPr/>
+          </a:p>
+          <a:p>
+            <a:pPr>
+              <a:lnSpc>
+                <a:spcPct val="97000"/>
+              </a:lnSpc>
+            </a:pPr>
+            <a:r>
+              <a:rPr lang="en-US" sz="2200">
+                <a:solidFill>
+                  <a:srgbClr val="330066"/>
+                </a:solidFill>
+                <a:latin typeface="Courier 10 Pitch"/>
+              </a:rPr>
+              <a:t>print all_prices</a:t>
+            </a:r>
+            <a:endParaRPr/>
+          </a:p>
+          <a:p>
+            <a:pPr>
+              <a:lnSpc>
+                <a:spcPct val="97000"/>
+              </a:lnSpc>
+            </a:pPr>
+            <a:r>
+              <a:rPr lang="en-US" sz="2200">
+                <a:solidFill>
+                  <a:srgbClr val="330066"/>
+                </a:solidFill>
+                <a:latin typeface="Courier 10 Pitch"/>
+              </a:rPr>
+              <a:t>    </a:t>
+            </a:r>
+            <a:r>
+              <a:rPr lang="en-US" sz="2200">
+                <a:solidFill>
+                  <a:srgbClr val="330066"/>
+                </a:solidFill>
+                <a:latin typeface="Courier 10 Pitch"/>
+              </a:rPr>
+              <a:t>AAPL   AMZN     FB</a:t>
+            </a:r>
+            <a:endParaRPr/>
+          </a:p>
+          <a:p>
+            <a:pPr>
+              <a:lnSpc>
+                <a:spcPct val="97000"/>
+              </a:lnSpc>
+            </a:pPr>
+            <a:r>
+              <a:rPr lang="en-US" sz="2200">
+                <a:solidFill>
+                  <a:srgbClr val="330066"/>
+                </a:solidFill>
+                <a:latin typeface="Courier 10 Pitch"/>
+              </a:rPr>
+              <a:t>0  100.0  200.0  96.70</a:t>
+            </a:r>
+            <a:endParaRPr/>
+          </a:p>
+          <a:p>
+            <a:pPr>
+              <a:lnSpc>
+                <a:spcPct val="97000"/>
+              </a:lnSpc>
+            </a:pPr>
+            <a:r>
+              <a:rPr lang="en-US" sz="2200">
+                <a:solidFill>
+                  <a:srgbClr val="330066"/>
+                </a:solidFill>
+                <a:latin typeface="Courier 10 Pitch"/>
+              </a:rPr>
+              <a:t>1   99.2  197.8  99.75</a:t>
+            </a:r>
+            <a:endParaRPr/>
+          </a:p>
+          <a:p>
+            <a:pPr>
+              <a:lnSpc>
+                <a:spcPct val="97000"/>
+              </a:lnSpc>
+            </a:pPr>
             <a:endParaRPr/>
           </a:p>
         </p:txBody>
       </p:sp>
+      <p:pic>
+        <p:nvPicPr>
+          <p:cNvPr id="97" name="" descr=""/>
+          <p:cNvPicPr/>
+          <p:nvPr/>
+        </p:nvPicPr>
+        <p:blipFill>
+          <a:blip r:embed="rId1"/>
+          <a:stretch>
+            <a:fillRect/>
+          </a:stretch>
+        </p:blipFill>
+        <p:spPr>
+          <a:xfrm>
+            <a:off x="2149560" y="301680"/>
+            <a:ext cx="5622840" cy="1143000"/>
+          </a:xfrm>
+          <a:prstGeom prst="rect">
+            <a:avLst/>
+          </a:prstGeom>
+          <a:ln>
+            <a:noFill/>
+          </a:ln>
+        </p:spPr>
+      </p:pic>
     </p:spTree>
   </p:cSld>
   <p:timing>
     <p:tnLst>
       <p:par>
-        <p:cTn id="49" dur="indefinite" restart="never" nodeType="tmRoot">
+        <p:cTn id="47" dur="indefinite" restart="never" nodeType="tmRoot">
           <p:childTnLst>
             <p:seq>
-              <p:cTn id="50" nodeType="mainSeq"/>
+              <p:cTn id="48" nodeType="mainSeq"/>
               <p:prevCondLst>
                 <p:cond delay="0" evt="onPrev">
                   <p:tgtEl>
@@ -7172,15 +7085,6 @@
             <a:r>
               <a:rPr lang="en-US" sz="4400">
                 <a:solidFill>
-                  <a:srgbClr val="000000"/>
-                </a:solidFill>
-                <a:latin typeface="Droid Serif"/>
-              </a:rPr>
-              <a:t>Types of </a:t>
-            </a:r>
-            <a:r>
-              <a:rPr lang="en-US" sz="4400">
-                <a:solidFill>
                   <a:srgbClr val="ffcc00"/>
                 </a:solidFill>
                 <a:latin typeface="Droid Serif"/>
@@ -7208,6 +7112,14 @@
         </p:spPr>
         <p:txBody>
           <a:bodyPr lIns="0" rIns="0" tIns="24120" bIns="0"/>
+          <a:p>
+            <a:pPr>
+              <a:lnSpc>
+                <a:spcPct val="94000"/>
+              </a:lnSpc>
+            </a:pPr>
+            <a:endParaRPr/>
+          </a:p>
           <a:p>
             <a:pPr>
               <a:lnSpc>
@@ -7220,20 +7132,11 @@
             <a:r>
               <a:rPr lang="en-US" sz="3200">
                 <a:solidFill>
-                  <a:srgbClr val="ffcc00"/>
-                </a:solidFill>
-                <a:latin typeface="Arial"/>
-              </a:rPr>
-              <a:t>Machine Learning</a:t>
-            </a:r>
-            <a:r>
-              <a:rPr lang="en-US" sz="3200">
-                <a:solidFill>
-                  <a:srgbClr val="000000"/>
-                </a:solidFill>
-                <a:latin typeface="Arial"/>
-              </a:rPr>
-              <a:t> programs are written to solve learning problems. </a:t>
+                  <a:srgbClr val="000000"/>
+                </a:solidFill>
+                <a:latin typeface="Arial"/>
+              </a:rPr>
+              <a:t>Yet another buzzword associated with Data Science.</a:t>
             </a:r>
             <a:endParaRPr/>
           </a:p>
@@ -7253,43 +7156,7 @@
                 </a:solidFill>
                 <a:latin typeface="Arial"/>
               </a:rPr>
-              <a:t>Learning problems take a dataset of </a:t>
-            </a:r>
-            <a:r>
-              <a:rPr i="1" lang="en-US" sz="3200">
-                <a:solidFill>
-                  <a:srgbClr val="000000"/>
-                </a:solidFill>
-                <a:latin typeface="Arial"/>
-              </a:rPr>
-              <a:t>m</a:t>
-            </a:r>
-            <a:r>
-              <a:rPr lang="en-US" sz="3200">
-                <a:solidFill>
-                  <a:srgbClr val="000000"/>
-                </a:solidFill>
-                <a:latin typeface="Arial"/>
-              </a:rPr>
-              <a:t> samples  with </a:t>
-            </a:r>
-            <a:r>
-              <a:rPr i="1" lang="en-US" sz="3200">
-                <a:solidFill>
-                  <a:srgbClr val="000000"/>
-                </a:solidFill>
-                <a:latin typeface="Arial"/>
-              </a:rPr>
-              <a:t>n </a:t>
-            </a:r>
-            <a:r>
-              <a:rPr lang="en-US" sz="3200">
-                <a:solidFill>
-                  <a:srgbClr val="000000"/>
-                </a:solidFill>
-                <a:latin typeface="Arial"/>
-              </a:rPr>
-              <a:t>features and produce an output which in most cases is a prediction.</a:t>
+              <a:t>Other synonyms are statistical learning, data mining. </a:t>
             </a:r>
             <a:endParaRPr/>
           </a:p>
@@ -7309,65 +7176,8 @@
                 </a:solidFill>
                 <a:latin typeface="Arial"/>
               </a:rPr>
-              <a:t>2 types of learning problems:</a:t>
-            </a:r>
-            <a:endParaRPr/>
-          </a:p>
-          <a:p>
-            <a:pPr lvl="1">
-              <a:lnSpc>
-                <a:spcPct val="94000"/>
-              </a:lnSpc>
-              <a:buSzPct val="75000"/>
-              <a:buFont typeface="Symbol" charset="2"/>
-              <a:buChar char=""/>
-            </a:pPr>
-            <a:r>
-              <a:rPr lang="en-US" sz="2800">
-                <a:solidFill>
-                  <a:srgbClr val="990099"/>
-                </a:solidFill>
-                <a:latin typeface="Arial"/>
-              </a:rPr>
-              <a:t>Supervised Learning</a:t>
-            </a:r>
-            <a:r>
-              <a:rPr lang="en-US" sz="2800">
-                <a:solidFill>
-                  <a:srgbClr val="000000"/>
-                </a:solidFill>
-                <a:latin typeface="Arial"/>
-              </a:rPr>
-              <a:t> </a:t>
-            </a:r>
-            <a:endParaRPr/>
-          </a:p>
-          <a:p>
-            <a:pPr lvl="1">
-              <a:lnSpc>
-                <a:spcPct val="94000"/>
-              </a:lnSpc>
-              <a:buSzPct val="75000"/>
-              <a:buFont typeface="Symbol" charset="2"/>
-              <a:buChar char=""/>
-            </a:pPr>
-            <a:r>
-              <a:rPr lang="en-US" sz="2800">
-                <a:solidFill>
-                  <a:srgbClr val="6600ff"/>
-                </a:solidFill>
-                <a:latin typeface="Arial"/>
-              </a:rPr>
-              <a:t>Unsupervised Learning  </a:t>
-            </a:r>
-            <a:endParaRPr/>
-          </a:p>
-          <a:p>
-            <a:pPr>
-              <a:lnSpc>
-                <a:spcPct val="94000"/>
-              </a:lnSpc>
-            </a:pPr>
+              <a:t>Simply put : Machine Learning means programming computers to 'learn from data'</a:t>
+            </a:r>
             <a:endParaRPr/>
           </a:p>
         </p:txBody>
@@ -7377,10 +7187,10 @@
   <p:timing>
     <p:tnLst>
       <p:par>
-        <p:cTn id="51" dur="indefinite" restart="never" nodeType="tmRoot">
+        <p:cTn id="49" dur="indefinite" restart="never" nodeType="tmRoot">
           <p:childTnLst>
             <p:seq>
-              <p:cTn id="52" nodeType="mainSeq"/>
+              <p:cTn id="50" nodeType="mainSeq"/>
               <p:prevCondLst>
                 <p:cond delay="0" evt="onPrev">
                   <p:tgtEl>
@@ -7446,7 +7256,7 @@
         <p:txBody>
           <a:bodyPr lIns="0" rIns="0" tIns="11160" bIns="0" anchor="ctr"/>
           <a:p>
-            <a:pPr lvl="1" algn="ctr">
+            <a:pPr algn="ctr">
               <a:lnSpc>
                 <a:spcPct val="98000"/>
               </a:lnSpc>
@@ -7454,11 +7264,20 @@
             <a:r>
               <a:rPr lang="en-US" sz="4400">
                 <a:solidFill>
-                  <a:srgbClr val="990099"/>
+                  <a:srgbClr val="000000"/>
                 </a:solidFill>
                 <a:latin typeface="Droid Serif"/>
               </a:rPr>
-              <a:t>Supervised Learning</a:t>
+              <a:t>Types of </a:t>
+            </a:r>
+            <a:r>
+              <a:rPr lang="en-US" sz="4400">
+                <a:solidFill>
+                  <a:srgbClr val="ffcc00"/>
+                </a:solidFill>
+                <a:latin typeface="Droid Serif"/>
+              </a:rPr>
+              <a:t>Machine Learning</a:t>
             </a:r>
             <a:endParaRPr/>
           </a:p>
@@ -7493,11 +7312,20 @@
             <a:r>
               <a:rPr lang="en-US" sz="3200">
                 <a:solidFill>
-                  <a:srgbClr val="000000"/>
-                </a:solidFill>
-                <a:latin typeface="Arial"/>
-              </a:rPr>
-              <a:t>The input to the learning problem is a dataset consisting of labeled data. By labeled data we mean we have inputs and corresponding outputs whose values are known.</a:t>
+                  <a:srgbClr val="ffcc00"/>
+                </a:solidFill>
+                <a:latin typeface="Arial"/>
+              </a:rPr>
+              <a:t>Machine Learning</a:t>
+            </a:r>
+            <a:r>
+              <a:rPr lang="en-US" sz="3200">
+                <a:solidFill>
+                  <a:srgbClr val="000000"/>
+                </a:solidFill>
+                <a:latin typeface="Arial"/>
+              </a:rPr>
+              <a:t> programs are written to solve learning problems. </a:t>
             </a:r>
             <a:endParaRPr/>
           </a:p>
@@ -7517,7 +7345,43 @@
                 </a:solidFill>
                 <a:latin typeface="Arial"/>
               </a:rPr>
-              <a:t>Example: learning data for a spam identifier. This data would consist of examples of spam and non-spam messages or text with output indicating whether the text is spam or not. The program would use this data to “learn” how to identify spam.</a:t>
+              <a:t>Learning problems take a dataset of </a:t>
+            </a:r>
+            <a:r>
+              <a:rPr i="1" lang="en-US" sz="3200">
+                <a:solidFill>
+                  <a:srgbClr val="000000"/>
+                </a:solidFill>
+                <a:latin typeface="Arial"/>
+              </a:rPr>
+              <a:t>m</a:t>
+            </a:r>
+            <a:r>
+              <a:rPr lang="en-US" sz="3200">
+                <a:solidFill>
+                  <a:srgbClr val="000000"/>
+                </a:solidFill>
+                <a:latin typeface="Arial"/>
+              </a:rPr>
+              <a:t> samples  with </a:t>
+            </a:r>
+            <a:r>
+              <a:rPr i="1" lang="en-US" sz="3200">
+                <a:solidFill>
+                  <a:srgbClr val="000000"/>
+                </a:solidFill>
+                <a:latin typeface="Arial"/>
+              </a:rPr>
+              <a:t>n </a:t>
+            </a:r>
+            <a:r>
+              <a:rPr lang="en-US" sz="3200">
+                <a:solidFill>
+                  <a:srgbClr val="000000"/>
+                </a:solidFill>
+                <a:latin typeface="Arial"/>
+              </a:rPr>
+              <a:t>features and produce an output which in most cases is a prediction.</a:t>
             </a:r>
             <a:endParaRPr/>
           </a:p>
@@ -7537,7 +7401,7 @@
                 </a:solidFill>
                 <a:latin typeface="Arial"/>
               </a:rPr>
-              <a:t>Supervised learning problems include the following:</a:t>
+              <a:t>2 types of learning problems:</a:t>
             </a:r>
             <a:endParaRPr/>
           </a:p>
@@ -7553,20 +7417,20 @@
             <a:r>
               <a:rPr lang="en-US" sz="2800">
                 <a:solidFill>
+                  <a:srgbClr val="990099"/>
+                </a:solidFill>
+                <a:latin typeface="Arial"/>
+              </a:rPr>
+              <a:t>Supervised Learning</a:t>
+            </a:r>
+            <a:r>
+              <a:rPr lang="en-US" sz="2800">
+                <a:solidFill>
                   <a:srgbClr val="000000"/>
                 </a:solidFill>
                 <a:latin typeface="Arial"/>
               </a:rPr>
               <a:t> </a:t>
-            </a:r>
-            <a:r>
-              <a:rPr lang="en-US" sz="2800">
-                <a:solidFill>
-                  <a:srgbClr val="000000"/>
-                </a:solidFill>
-                <a:latin typeface="Arial"/>
-              </a:rPr>
-              <a:t>Classification: The learned attribute is categorical (nominal) or discrete</a:t>
             </a:r>
             <a:endParaRPr/>
           </a:p>
@@ -7582,21 +7446,20 @@
             <a:r>
               <a:rPr lang="en-US" sz="2800">
                 <a:solidFill>
-                  <a:srgbClr val="000000"/>
-                </a:solidFill>
-                <a:latin typeface="Arial"/>
-              </a:rPr>
-              <a:t>  </a:t>
-            </a:r>
-            <a:r>
-              <a:rPr lang="en-US" sz="2800">
-                <a:solidFill>
-                  <a:srgbClr val="000000"/>
-                </a:solidFill>
-                <a:latin typeface="Arial"/>
-              </a:rPr>
-              <a:t>Regression: The learned attribute is numeric/continuous</a:t>
-            </a:r>
+                  <a:srgbClr val="6600ff"/>
+                </a:solidFill>
+                <a:latin typeface="Arial"/>
+              </a:rPr>
+              <a:t>Unsupervised Learning  </a:t>
+            </a:r>
+            <a:endParaRPr/>
+          </a:p>
+          <a:p>
+            <a:pPr>
+              <a:lnSpc>
+                <a:spcPct val="94000"/>
+              </a:lnSpc>
+            </a:pPr>
             <a:endParaRPr/>
           </a:p>
         </p:txBody>
@@ -7606,10 +7469,10 @@
   <p:timing>
     <p:tnLst>
       <p:par>
-        <p:cTn id="53" dur="indefinite" restart="never" nodeType="tmRoot">
+        <p:cTn id="51" dur="indefinite" restart="never" nodeType="tmRoot">
           <p:childTnLst>
             <p:seq>
-              <p:cTn id="54" nodeType="mainSeq"/>
+              <p:cTn id="52" nodeType="mainSeq"/>
               <p:prevCondLst>
                 <p:cond delay="0" evt="onPrev">
                   <p:tgtEl>
@@ -7683,20 +7546,11 @@
             <a:r>
               <a:rPr lang="en-US" sz="4400">
                 <a:solidFill>
-                  <a:srgbClr val="6600ff"/>
+                  <a:srgbClr val="990099"/>
                 </a:solidFill>
                 <a:latin typeface="Droid Serif"/>
               </a:rPr>
-              <a:t>Unsupervised Learning </a:t>
-            </a:r>
-            <a:r>
-              <a:rPr lang="en-US" sz="4400">
-                <a:solidFill>
-                  <a:srgbClr val="6600ff"/>
-                </a:solidFill>
-                <a:latin typeface="Arial"/>
-              </a:rPr>
-              <a:t> </a:t>
+              <a:t>Supervised Learning</a:t>
             </a:r>
             <a:endParaRPr/>
           </a:p>
@@ -7735,7 +7589,7 @@
                 </a:solidFill>
                 <a:latin typeface="Arial"/>
               </a:rPr>
-              <a:t>The learning program is fed inputs but no corresponding outputs. This input data is unlabeled. The program's goal is to learn or decipher the hidden label. </a:t>
+              <a:t>The input to the learning problem is a dataset consisting of labeled data. By labeled data we mean we have inputs and corresponding outputs whose values are known.</a:t>
             </a:r>
             <a:endParaRPr/>
           </a:p>
@@ -7755,7 +7609,27 @@
                 </a:solidFill>
                 <a:latin typeface="Arial"/>
               </a:rPr>
-              <a:t>Such problems include the following:</a:t>
+              <a:t>Example: learning data for a spam identifier. This data would consist of examples of spam and non-spam messages or text with output indicating whether the text is spam or not. The program would use this data to “learn” how to identify spam.</a:t>
+            </a:r>
+            <a:endParaRPr/>
+          </a:p>
+          <a:p>
+            <a:pPr>
+              <a:lnSpc>
+                <a:spcPct val="94000"/>
+              </a:lnSpc>
+              <a:buSzPct val="45000"/>
+              <a:buFont typeface="Wingdings" charset="2"/>
+              <a:buChar char=""/>
+            </a:pPr>
+            <a:r>
+              <a:rPr lang="en-US" sz="3200">
+                <a:solidFill>
+                  <a:srgbClr val="000000"/>
+                </a:solidFill>
+                <a:latin typeface="Arial"/>
+              </a:rPr>
+              <a:t>Supervised learning problems include the following:</a:t>
             </a:r>
             <a:endParaRPr/>
           </a:p>
@@ -7775,7 +7649,16 @@
                 </a:solidFill>
                 <a:latin typeface="Arial"/>
               </a:rPr>
-              <a:t>Clustering : grouping similar items in dataset</a:t>
+              <a:t> </a:t>
+            </a:r>
+            <a:r>
+              <a:rPr lang="en-US" sz="2800">
+                <a:solidFill>
+                  <a:srgbClr val="000000"/>
+                </a:solidFill>
+                <a:latin typeface="Arial"/>
+              </a:rPr>
+              <a:t>Classification: The learned attribute is categorical (nominal) or discrete</a:t>
             </a:r>
             <a:endParaRPr/>
           </a:p>
@@ -7795,7 +7678,16 @@
                 </a:solidFill>
                 <a:latin typeface="Arial"/>
               </a:rPr>
-              <a:t>Dimensionality reduction : reducing the number of variables or dimensions under consideration in order to easier visualize or explain the data.</a:t>
+              <a:t>  </a:t>
+            </a:r>
+            <a:r>
+              <a:rPr lang="en-US" sz="2800">
+                <a:solidFill>
+                  <a:srgbClr val="000000"/>
+                </a:solidFill>
+                <a:latin typeface="Arial"/>
+              </a:rPr>
+              <a:t>Regression: The learned attribute is numeric/continuous</a:t>
             </a:r>
             <a:endParaRPr/>
           </a:p>
@@ -7806,10 +7698,10 @@
   <p:timing>
     <p:tnLst>
       <p:par>
-        <p:cTn id="55" dur="indefinite" restart="never" nodeType="tmRoot">
+        <p:cTn id="53" dur="indefinite" restart="never" nodeType="tmRoot">
           <p:childTnLst>
             <p:seq>
-              <p:cTn id="56" nodeType="mainSeq"/>
+              <p:cTn id="54" nodeType="mainSeq"/>
               <p:prevCondLst>
                 <p:cond delay="0" evt="onPrev">
                   <p:tgtEl>
@@ -7865,8 +7757,8 @@
         </p:nvSpPr>
         <p:spPr>
           <a:xfrm>
-            <a:off x="502920" y="279000"/>
-            <a:ext cx="9070920" cy="1305000"/>
+            <a:off x="502920" y="301680"/>
+            <a:ext cx="9070920" cy="1262160"/>
           </a:xfrm>
           <a:prstGeom prst="rect">
             <a:avLst/>
@@ -7875,7 +7767,7 @@
         <p:txBody>
           <a:bodyPr lIns="0" rIns="0" tIns="11160" bIns="0" anchor="ctr"/>
           <a:p>
-            <a:pPr algn="ctr">
+            <a:pPr lvl="1" algn="ctr">
               <a:lnSpc>
                 <a:spcPct val="98000"/>
               </a:lnSpc>
@@ -7883,39 +7775,20 @@
             <a:r>
               <a:rPr lang="en-US" sz="4400">
                 <a:solidFill>
-                  <a:srgbClr val="000000"/>
+                  <a:srgbClr val="6600ff"/>
                 </a:solidFill>
                 <a:latin typeface="Droid Serif"/>
               </a:rPr>
-              <a:t>Applications</a:t>
+              <a:t>Unsupervised Learning </a:t>
             </a:r>
             <a:r>
               <a:rPr lang="en-US" sz="4400">
                 <a:solidFill>
-                  <a:srgbClr val="000000"/>
-                </a:solidFill>
-                <a:latin typeface="Droid Serif"/>
-              </a:rPr>
-              <a:t>
-</a:t>
-            </a:r>
-            <a:r>
-              <a:rPr lang="en-US" sz="4400">
-                <a:solidFill>
-                  <a:srgbClr val="000000"/>
-                </a:solidFill>
-                <a:latin typeface="Droid Serif"/>
-              </a:rPr>
-              <a:t> of </a:t>
-            </a:r>
-            <a:r>
-              <a:rPr lang="en-US" sz="4400">
-                <a:solidFill>
-                  <a:srgbClr val="ffcc00"/>
-                </a:solidFill>
-                <a:latin typeface="Droid Serif"/>
-              </a:rPr>
-              <a:t>Machine Learning</a:t>
+                  <a:srgbClr val="6600ff"/>
+                </a:solidFill>
+                <a:latin typeface="Arial"/>
+              </a:rPr>
+              <a:t> </a:t>
             </a:r>
             <a:endParaRPr/>
           </a:p>
@@ -7954,7 +7827,7 @@
                 </a:solidFill>
                 <a:latin typeface="Arial"/>
               </a:rPr>
-              <a:t>Content classification e.g. web page classification</a:t>
+              <a:t>The learning program is fed inputs but no corresponding outputs. This input data is unlabeled. The program's goal is to learn or decipher the hidden label. </a:t>
             </a:r>
             <a:endParaRPr/>
           </a:p>
@@ -7974,107 +7847,47 @@
                 </a:solidFill>
                 <a:latin typeface="Arial"/>
               </a:rPr>
-              <a:t>Spell correction and word completion</a:t>
-            </a:r>
-            <a:endParaRPr/>
-          </a:p>
-          <a:p>
-            <a:pPr>
-              <a:lnSpc>
-                <a:spcPct val="94000"/>
-              </a:lnSpc>
-              <a:buSzPct val="45000"/>
-              <a:buFont typeface="Wingdings" charset="2"/>
-              <a:buChar char=""/>
-            </a:pPr>
-            <a:r>
-              <a:rPr lang="en-US" sz="3200">
-                <a:solidFill>
-                  <a:srgbClr val="000000"/>
-                </a:solidFill>
-                <a:latin typeface="Arial"/>
-              </a:rPr>
-              <a:t>Search ranking</a:t>
-            </a:r>
-            <a:endParaRPr/>
-          </a:p>
-          <a:p>
-            <a:pPr>
-              <a:lnSpc>
-                <a:spcPct val="94000"/>
-              </a:lnSpc>
-              <a:buSzPct val="45000"/>
-              <a:buFont typeface="Wingdings" charset="2"/>
-              <a:buChar char=""/>
-            </a:pPr>
-            <a:r>
-              <a:rPr lang="en-US" sz="3200">
-                <a:solidFill>
-                  <a:srgbClr val="000000"/>
-                </a:solidFill>
-                <a:latin typeface="Arial"/>
-              </a:rPr>
-              <a:t>Email spam detection</a:t>
-            </a:r>
-            <a:endParaRPr/>
-          </a:p>
-          <a:p>
-            <a:pPr>
-              <a:lnSpc>
-                <a:spcPct val="94000"/>
-              </a:lnSpc>
-              <a:buSzPct val="45000"/>
-              <a:buFont typeface="Wingdings" charset="2"/>
-              <a:buChar char=""/>
-            </a:pPr>
-            <a:r>
-              <a:rPr lang="en-US" sz="3200">
-                <a:solidFill>
-                  <a:srgbClr val="000000"/>
-                </a:solidFill>
-                <a:latin typeface="Arial"/>
-              </a:rPr>
-              <a:t>Handwriting recognition</a:t>
-            </a:r>
-            <a:endParaRPr/>
-          </a:p>
-          <a:p>
-            <a:pPr>
-              <a:lnSpc>
-                <a:spcPct val="94000"/>
-              </a:lnSpc>
-              <a:buSzPct val="45000"/>
-              <a:buFont typeface="Wingdings" charset="2"/>
-              <a:buChar char=""/>
-            </a:pPr>
-            <a:r>
-              <a:rPr lang="en-US" sz="3200">
-                <a:solidFill>
-                  <a:srgbClr val="000000"/>
-                </a:solidFill>
-                <a:latin typeface="Arial"/>
-              </a:rPr>
-              <a:t>Predicting Emergency room waiting times</a:t>
-            </a:r>
-            <a:endParaRPr/>
-          </a:p>
-          <a:p>
-            <a:pPr>
-              <a:lnSpc>
-                <a:spcPct val="94000"/>
-              </a:lnSpc>
-              <a:buSzPct val="45000"/>
-              <a:buFont typeface="Wingdings" charset="2"/>
-              <a:buChar char=""/>
-            </a:pPr>
-            <a:r>
-              <a:rPr lang="en-US" sz="3200">
-                <a:solidFill>
-                  <a:srgbClr val="000000"/>
-                </a:solidFill>
-                <a:latin typeface="Arial"/>
-              </a:rPr>
-              <a:t>Recommendation engines</a:t>
+              <a:t>Such problems include the following:</a:t>
+            </a:r>
+            <a:endParaRPr/>
+          </a:p>
+          <a:p>
+            <a:pPr lvl="1">
+              <a:lnSpc>
+                <a:spcPct val="94000"/>
+              </a:lnSpc>
+              <a:buSzPct val="75000"/>
+              <a:buFont typeface="Symbol" charset="2"/>
+              <a:buChar char=""/>
+            </a:pPr>
+            <a:r>
+              <a:rPr lang="en-US" sz="2800">
+                <a:solidFill>
+                  <a:srgbClr val="000000"/>
+                </a:solidFill>
+                <a:latin typeface="Arial"/>
+              </a:rPr>
+              <a:t>Clustering : grouping similar items in dataset</a:t>
+            </a:r>
+            <a:endParaRPr/>
+          </a:p>
+          <a:p>
+            <a:pPr lvl="1">
+              <a:lnSpc>
+                <a:spcPct val="94000"/>
+              </a:lnSpc>
+              <a:buSzPct val="75000"/>
+              <a:buFont typeface="Symbol" charset="2"/>
+              <a:buChar char=""/>
+            </a:pPr>
+            <a:r>
+              <a:rPr lang="en-US" sz="2800">
+                <a:solidFill>
+                  <a:srgbClr val="000000"/>
+                </a:solidFill>
+                <a:latin typeface="Arial"/>
+              </a:rPr>
+              <a:t>Dimensionality reduction : reducing the number of variables or dimensions under consideration in order to easier visualize or explain the data.</a:t>
             </a:r>
             <a:endParaRPr/>
           </a:p>
@@ -8085,10 +7898,10 @@
   <p:timing>
     <p:tnLst>
       <p:par>
-        <p:cTn id="57" dur="indefinite" restart="never" nodeType="tmRoot">
+        <p:cTn id="55" dur="indefinite" restart="never" nodeType="tmRoot">
           <p:childTnLst>
             <p:seq>
-              <p:cTn id="58" nodeType="mainSeq"/>
+              <p:cTn id="56" nodeType="mainSeq"/>
               <p:prevCondLst>
                 <p:cond delay="0" evt="onPrev">
                   <p:tgtEl>
@@ -8404,34 +8217,73 @@
           <a:chExt cx="0" cy="0"/>
         </a:xfrm>
       </p:grpSpPr>
-      <p:pic>
-        <p:nvPicPr>
-          <p:cNvPr id="106" name="" descr=""/>
-          <p:cNvPicPr/>
-          <p:nvPr/>
-        </p:nvPicPr>
-        <p:blipFill>
-          <a:blip r:embed="rId1"/>
-          <a:stretch>
-            <a:fillRect/>
-          </a:stretch>
-        </p:blipFill>
-        <p:spPr>
-          <a:xfrm>
-            <a:off x="3270240" y="301680"/>
-            <a:ext cx="3537000" cy="1262160"/>
-          </a:xfrm>
-          <a:prstGeom prst="rect">
-            <a:avLst/>
-          </a:prstGeom>
-          <a:ln>
-            <a:noFill/>
-          </a:ln>
-        </p:spPr>
-      </p:pic>
-      <p:sp>
-        <p:nvSpPr>
-          <p:cNvPr id="107" name="TextShape 1"/>
+      <p:sp>
+        <p:nvSpPr>
+          <p:cNvPr id="106" name="TextShape 1"/>
+          <p:cNvSpPr txBox="1"/>
+          <p:nvPr/>
+        </p:nvSpPr>
+        <p:spPr>
+          <a:xfrm>
+            <a:off x="502920" y="279000"/>
+            <a:ext cx="9070920" cy="1305000"/>
+          </a:xfrm>
+          <a:prstGeom prst="rect">
+            <a:avLst/>
+          </a:prstGeom>
+        </p:spPr>
+        <p:txBody>
+          <a:bodyPr lIns="0" rIns="0" tIns="11160" bIns="0" anchor="ctr"/>
+          <a:p>
+            <a:pPr algn="ctr">
+              <a:lnSpc>
+                <a:spcPct val="98000"/>
+              </a:lnSpc>
+            </a:pPr>
+            <a:r>
+              <a:rPr lang="en-US" sz="4400">
+                <a:solidFill>
+                  <a:srgbClr val="000000"/>
+                </a:solidFill>
+                <a:latin typeface="Droid Serif"/>
+              </a:rPr>
+              <a:t>Applications</a:t>
+            </a:r>
+            <a:r>
+              <a:rPr lang="en-US" sz="4400">
+                <a:solidFill>
+                  <a:srgbClr val="000000"/>
+                </a:solidFill>
+                <a:latin typeface="Droid Serif"/>
+              </a:rPr>
+              <a:t>
+</a:t>
+            </a:r>
+            <a:r>
+              <a:rPr lang="en-US" sz="4400">
+                <a:solidFill>
+                  <a:srgbClr val="000000"/>
+                </a:solidFill>
+                <a:latin typeface="Droid Serif"/>
+              </a:rPr>
+              <a:t> of </a:t>
+            </a:r>
+            <a:r>
+              <a:rPr lang="en-US" sz="4400">
+                <a:solidFill>
+                  <a:srgbClr val="ffcc00"/>
+                </a:solidFill>
+                <a:latin typeface="Droid Serif"/>
+              </a:rPr>
+              <a:t>Machine Learning</a:t>
+            </a:r>
+            <a:endParaRPr/>
+          </a:p>
+        </p:txBody>
+      </p:sp>
+      <p:sp>
+        <p:nvSpPr>
+          <p:cNvPr id="107" name="TextShape 2"/>
           <p:cNvSpPr txBox="1"/>
           <p:nvPr/>
         </p:nvSpPr>
@@ -8446,14 +8298,6 @@
         </p:spPr>
         <p:txBody>
           <a:bodyPr lIns="0" rIns="0" tIns="24120" bIns="0"/>
-          <a:p>
-            <a:pPr>
-              <a:lnSpc>
-                <a:spcPct val="94000"/>
-              </a:lnSpc>
-            </a:pPr>
-            <a:endParaRPr/>
-          </a:p>
           <a:p>
             <a:pPr>
               <a:lnSpc>
@@ -8470,7 +8314,7 @@
                 </a:solidFill>
                 <a:latin typeface="Arial"/>
               </a:rPr>
-              <a:t>The scikit-learn library provides machine learning functionality. </a:t>
+              <a:t>Content classification e.g. web page classification</a:t>
             </a:r>
             <a:endParaRPr/>
           </a:p>
@@ -8490,7 +8334,7 @@
                 </a:solidFill>
                 <a:latin typeface="Arial"/>
               </a:rPr>
-              <a:t>It has provides an extensive set of algorithms that can be used to create adaptive programs that learn from data inputs.</a:t>
+              <a:t>Spell correction and word completion</a:t>
             </a:r>
             <a:endParaRPr/>
           </a:p>
@@ -8510,7 +8354,87 @@
                 </a:solidFill>
                 <a:latin typeface="Arial"/>
               </a:rPr>
-              <a:t>It is is one of the scikit packages built on top of SciPy.</a:t>
+              <a:t>Search ranking</a:t>
+            </a:r>
+            <a:endParaRPr/>
+          </a:p>
+          <a:p>
+            <a:pPr>
+              <a:lnSpc>
+                <a:spcPct val="94000"/>
+              </a:lnSpc>
+              <a:buSzPct val="45000"/>
+              <a:buFont typeface="Wingdings" charset="2"/>
+              <a:buChar char=""/>
+            </a:pPr>
+            <a:r>
+              <a:rPr lang="en-US" sz="3200">
+                <a:solidFill>
+                  <a:srgbClr val="000000"/>
+                </a:solidFill>
+                <a:latin typeface="Arial"/>
+              </a:rPr>
+              <a:t>Email spam detection</a:t>
+            </a:r>
+            <a:endParaRPr/>
+          </a:p>
+          <a:p>
+            <a:pPr>
+              <a:lnSpc>
+                <a:spcPct val="94000"/>
+              </a:lnSpc>
+              <a:buSzPct val="45000"/>
+              <a:buFont typeface="Wingdings" charset="2"/>
+              <a:buChar char=""/>
+            </a:pPr>
+            <a:r>
+              <a:rPr lang="en-US" sz="3200">
+                <a:solidFill>
+                  <a:srgbClr val="000000"/>
+                </a:solidFill>
+                <a:latin typeface="Arial"/>
+              </a:rPr>
+              <a:t>Handwriting recognition</a:t>
+            </a:r>
+            <a:endParaRPr/>
+          </a:p>
+          <a:p>
+            <a:pPr>
+              <a:lnSpc>
+                <a:spcPct val="94000"/>
+              </a:lnSpc>
+              <a:buSzPct val="45000"/>
+              <a:buFont typeface="Wingdings" charset="2"/>
+              <a:buChar char=""/>
+            </a:pPr>
+            <a:r>
+              <a:rPr lang="en-US" sz="3200">
+                <a:solidFill>
+                  <a:srgbClr val="000000"/>
+                </a:solidFill>
+                <a:latin typeface="Arial"/>
+              </a:rPr>
+              <a:t>Predicting Emergency room waiting times</a:t>
+            </a:r>
+            <a:endParaRPr/>
+          </a:p>
+          <a:p>
+            <a:pPr>
+              <a:lnSpc>
+                <a:spcPct val="94000"/>
+              </a:lnSpc>
+              <a:buSzPct val="45000"/>
+              <a:buFont typeface="Wingdings" charset="2"/>
+              <a:buChar char=""/>
+            </a:pPr>
+            <a:r>
+              <a:rPr lang="en-US" sz="3200">
+                <a:solidFill>
+                  <a:srgbClr val="000000"/>
+                </a:solidFill>
+                <a:latin typeface="Arial"/>
+              </a:rPr>
+              <a:t>Recommendation engines</a:t>
             </a:r>
             <a:endParaRPr/>
           </a:p>
@@ -8521,10 +8445,10 @@
   <p:timing>
     <p:tnLst>
       <p:par>
-        <p:cTn id="59" dur="indefinite" restart="never" nodeType="tmRoot">
+        <p:cTn id="57" dur="indefinite" restart="never" nodeType="tmRoot">
           <p:childTnLst>
             <p:seq>
-              <p:cTn id="60" nodeType="mainSeq"/>
+              <p:cTn id="58" nodeType="mainSeq"/>
               <p:prevCondLst>
                 <p:cond delay="0" evt="onPrev">
                   <p:tgtEl>
@@ -8572,95 +8496,34 @@
           <a:chExt cx="0" cy="0"/>
         </a:xfrm>
       </p:grpSpPr>
-      <p:sp>
-        <p:nvSpPr>
-          <p:cNvPr id="108" name="TextShape 1"/>
-          <p:cNvSpPr txBox="1"/>
-          <p:nvPr/>
-        </p:nvSpPr>
-        <p:spPr>
-          <a:xfrm>
-            <a:off x="502920" y="-1371600"/>
-            <a:ext cx="9070920" cy="4610160"/>
-          </a:xfrm>
-          <a:prstGeom prst="rect">
-            <a:avLst/>
-          </a:prstGeom>
-        </p:spPr>
-        <p:txBody>
-          <a:bodyPr lIns="0" rIns="0" tIns="40680" bIns="0" anchor="ctr"/>
-          <a:p>
-            <a:pPr algn="ctr">
-              <a:lnSpc>
-                <a:spcPct val="94000"/>
-              </a:lnSpc>
-            </a:pPr>
-            <a:r>
-              <a:rPr lang="en-US" sz="5400">
-                <a:solidFill>
-                  <a:srgbClr val="000000"/>
-                </a:solidFill>
-                <a:latin typeface="Arial"/>
-              </a:rPr>
-              <a:t>
-</a:t>
-            </a:r>
-            <a:r>
-              <a:rPr lang="en-US" sz="5400">
-                <a:solidFill>
-                  <a:srgbClr val="000000"/>
-                </a:solidFill>
-                <a:latin typeface="Arial"/>
-              </a:rPr>
-              <a:t>
-</a:t>
-            </a:r>
-            <a:r>
-              <a:rPr lang="en-US" sz="5400">
-                <a:solidFill>
-                  <a:srgbClr val="000000"/>
-                </a:solidFill>
-                <a:latin typeface="Arial"/>
-              </a:rPr>
-              <a:t>
-</a:t>
-            </a:r>
-            <a:r>
-              <a:rPr lang="en-US" sz="5400">
-                <a:solidFill>
-                  <a:srgbClr val="000000"/>
-                </a:solidFill>
-                <a:latin typeface="Arial"/>
-              </a:rPr>
-              <a:t>
-</a:t>
-            </a:r>
-            <a:r>
-              <a:rPr lang="en-US" sz="5400">
-                <a:solidFill>
-                  <a:srgbClr val="000000"/>
-                </a:solidFill>
-                <a:latin typeface="Arial"/>
-              </a:rPr>
-              <a:t>
-</a:t>
-            </a:r>
-            <a:r>
-              <a:rPr lang="en-US" sz="5400">
-                <a:solidFill>
-                  <a:srgbClr val="000000"/>
-                </a:solidFill>
-                <a:latin typeface="Arial"/>
-              </a:rPr>
-              <a:t>Part 3 – Illustrative Example </a:t>
-            </a:r>
-            <a:endParaRPr/>
-          </a:p>
-        </p:txBody>
-      </p:sp>
-      <p:sp>
-        <p:nvSpPr>
-          <p:cNvPr id="109" name="TextShape 2"/>
+      <p:pic>
+        <p:nvPicPr>
+          <p:cNvPr id="108" name="" descr=""/>
+          <p:cNvPicPr/>
+          <p:nvPr/>
+        </p:nvPicPr>
+        <p:blipFill>
+          <a:blip r:embed="rId1"/>
+          <a:stretch>
+            <a:fillRect/>
+          </a:stretch>
+        </p:blipFill>
+        <p:spPr>
+          <a:xfrm>
+            <a:off x="3270240" y="301680"/>
+            <a:ext cx="3537000" cy="1262160"/>
+          </a:xfrm>
+          <a:prstGeom prst="rect">
+            <a:avLst/>
+          </a:prstGeom>
+          <a:ln>
+            <a:noFill/>
+          </a:ln>
+        </p:spPr>
+      </p:pic>
+      <p:sp>
+        <p:nvSpPr>
+          <p:cNvPr id="109" name="TextShape 1"/>
           <p:cNvSpPr txBox="1"/>
           <p:nvPr/>
         </p:nvSpPr>
@@ -8688,7 +8551,59 @@
               <a:lnSpc>
                 <a:spcPct val="94000"/>
               </a:lnSpc>
-            </a:pPr>
+              <a:buSzPct val="45000"/>
+              <a:buFont typeface="Wingdings" charset="2"/>
+              <a:buChar char=""/>
+            </a:pPr>
+            <a:r>
+              <a:rPr lang="en-US" sz="3200">
+                <a:solidFill>
+                  <a:srgbClr val="000000"/>
+                </a:solidFill>
+                <a:latin typeface="Arial"/>
+              </a:rPr>
+              <a:t>The scikit-learn library provides machine learning functionality. </a:t>
+            </a:r>
+            <a:endParaRPr/>
+          </a:p>
+          <a:p>
+            <a:pPr>
+              <a:lnSpc>
+                <a:spcPct val="94000"/>
+              </a:lnSpc>
+              <a:buSzPct val="45000"/>
+              <a:buFont typeface="Wingdings" charset="2"/>
+              <a:buChar char=""/>
+            </a:pPr>
+            <a:r>
+              <a:rPr lang="en-US" sz="3200">
+                <a:solidFill>
+                  <a:srgbClr val="000000"/>
+                </a:solidFill>
+                <a:latin typeface="Arial"/>
+              </a:rPr>
+              <a:t>It has provides an extensive set of algorithms that can be used to create adaptive programs that learn from data inputs.</a:t>
+            </a:r>
+            <a:endParaRPr/>
+          </a:p>
+          <a:p>
+            <a:pPr>
+              <a:lnSpc>
+                <a:spcPct val="94000"/>
+              </a:lnSpc>
+              <a:buSzPct val="45000"/>
+              <a:buFont typeface="Wingdings" charset="2"/>
+              <a:buChar char=""/>
+            </a:pPr>
+            <a:r>
+              <a:rPr lang="en-US" sz="3200">
+                <a:solidFill>
+                  <a:srgbClr val="000000"/>
+                </a:solidFill>
+                <a:latin typeface="Arial"/>
+              </a:rPr>
+              <a:t>It is is one of the scikit packages built on top of SciPy.</a:t>
+            </a:r>
             <a:endParaRPr/>
           </a:p>
         </p:txBody>
@@ -8698,10 +8613,10 @@
   <p:timing>
     <p:tnLst>
       <p:par>
-        <p:cTn id="61" dur="indefinite" restart="never" nodeType="tmRoot">
+        <p:cTn id="59" dur="indefinite" restart="never" nodeType="tmRoot">
           <p:childTnLst>
             <p:seq>
-              <p:cTn id="62" nodeType="mainSeq"/>
+              <p:cTn id="60" nodeType="mainSeq"/>
               <p:prevCondLst>
                 <p:cond delay="0" evt="onPrev">
                   <p:tgtEl>
@@ -8757,15 +8672,15 @@
         </p:nvSpPr>
         <p:spPr>
           <a:xfrm>
-            <a:off x="502920" y="301680"/>
-            <a:ext cx="9070920" cy="1262160"/>
+            <a:off x="502920" y="-1371600"/>
+            <a:ext cx="9070920" cy="4610160"/>
           </a:xfrm>
           <a:prstGeom prst="rect">
             <a:avLst/>
           </a:prstGeom>
         </p:spPr>
         <p:txBody>
-          <a:bodyPr lIns="0" rIns="0" tIns="33120" bIns="0" anchor="ctr"/>
+          <a:bodyPr lIns="0" rIns="0" tIns="40680" bIns="0" anchor="ctr"/>
           <a:p>
             <a:pPr algn="ctr">
               <a:lnSpc>
@@ -8773,13 +8688,63 @@
               </a:lnSpc>
             </a:pPr>
             <a:r>
-              <a:rPr lang="en-US" sz="4400">
-                <a:solidFill>
-                  <a:srgbClr val="000000"/>
-                </a:solidFill>
-                <a:latin typeface="Arial"/>
-              </a:rPr>
-              <a:t>Sales - Advertising channel attribution</a:t>
+              <a:rPr lang="en-US" sz="5400">
+                <a:solidFill>
+                  <a:srgbClr val="000000"/>
+                </a:solidFill>
+                <a:latin typeface="Arial"/>
+              </a:rPr>
+              <a:t>
+</a:t>
+            </a:r>
+            <a:r>
+              <a:rPr lang="en-US" sz="5400">
+                <a:solidFill>
+                  <a:srgbClr val="000000"/>
+                </a:solidFill>
+                <a:latin typeface="Arial"/>
+              </a:rPr>
+              <a:t>
+</a:t>
+            </a:r>
+            <a:r>
+              <a:rPr lang="en-US" sz="5400">
+                <a:solidFill>
+                  <a:srgbClr val="000000"/>
+                </a:solidFill>
+                <a:latin typeface="Arial"/>
+              </a:rPr>
+              <a:t>
+</a:t>
+            </a:r>
+            <a:r>
+              <a:rPr lang="en-US" sz="5400">
+                <a:solidFill>
+                  <a:srgbClr val="000000"/>
+                </a:solidFill>
+                <a:latin typeface="Arial"/>
+              </a:rPr>
+              <a:t>
+</a:t>
+            </a:r>
+            <a:r>
+              <a:rPr lang="en-US" sz="5400">
+                <a:solidFill>
+                  <a:srgbClr val="000000"/>
+                </a:solidFill>
+                <a:latin typeface="Arial"/>
+              </a:rPr>
+              <a:t>
+</a:t>
+            </a:r>
+            <a:r>
+              <a:rPr lang="en-US" sz="5400">
+                <a:solidFill>
+                  <a:srgbClr val="000000"/>
+                </a:solidFill>
+                <a:latin typeface="Arial"/>
+              </a:rPr>
+              <a:t>Part 3 – Illustrative Example </a:t>
             </a:r>
             <a:endParaRPr/>
           </a:p>
@@ -8807,79 +8772,15 @@
               <a:lnSpc>
                 <a:spcPct val="94000"/>
               </a:lnSpc>
-              <a:buSzPct val="45000"/>
-              <a:buFont typeface="Wingdings" charset="2"/>
-              <a:buChar char=""/>
-            </a:pPr>
-            <a:r>
-              <a:rPr lang="en-US" sz="3200">
-                <a:solidFill>
-                  <a:srgbClr val="000000"/>
-                </a:solidFill>
-                <a:latin typeface="Arial"/>
-              </a:rPr>
-              <a:t>Suppose you're the analyst on the marketing team for an organization that has decided to go on a large marketing campaign to boost the sales of a new product.</a:t>
-            </a:r>
-            <a:endParaRPr/>
-          </a:p>
-          <a:p>
-            <a:pPr>
-              <a:lnSpc>
-                <a:spcPct val="94000"/>
-              </a:lnSpc>
-              <a:buSzPct val="45000"/>
-              <a:buFont typeface="Wingdings" charset="2"/>
-              <a:buChar char=""/>
-            </a:pPr>
-            <a:r>
-              <a:rPr lang="en-US" sz="3200">
-                <a:solidFill>
-                  <a:srgbClr val="000000"/>
-                </a:solidFill>
-                <a:latin typeface="Arial"/>
-              </a:rPr>
-              <a:t>The marketing campaign decides to use 3 different channels for advertising: TV, radio and newspaper each with separate budgets.</a:t>
-            </a:r>
-            <a:endParaRPr/>
-          </a:p>
-          <a:p>
-            <a:pPr>
-              <a:lnSpc>
-                <a:spcPct val="94000"/>
-              </a:lnSpc>
-              <a:buSzPct val="45000"/>
-              <a:buFont typeface="Wingdings" charset="2"/>
-              <a:buChar char=""/>
-            </a:pPr>
-            <a:r>
-              <a:rPr lang="en-US" sz="3200">
-                <a:solidFill>
-                  <a:srgbClr val="000000"/>
-                </a:solidFill>
-                <a:latin typeface="Arial"/>
-              </a:rPr>
-              <a:t>You're presented with advertising and sales data of the product for the marketing campaign across 200 markets.</a:t>
-            </a:r>
-            <a:endParaRPr/>
-          </a:p>
-          <a:p>
-            <a:pPr>
-              <a:lnSpc>
-                <a:spcPct val="94000"/>
-              </a:lnSpc>
-              <a:buSzPct val="45000"/>
-              <a:buFont typeface="Wingdings" charset="2"/>
-              <a:buChar char=""/>
-            </a:pPr>
-            <a:r>
-              <a:rPr lang="en-US" sz="3200">
-                <a:solidFill>
-                  <a:srgbClr val="000000"/>
-                </a:solidFill>
-                <a:latin typeface="Arial"/>
-              </a:rPr>
-              <a:t>Your Task: Develop a model that can be used to predict sales based on the budgets of the 3 advertising channels.</a:t>
-            </a:r>
+            </a:pPr>
+            <a:endParaRPr/>
+          </a:p>
+          <a:p>
+            <a:pPr>
+              <a:lnSpc>
+                <a:spcPct val="94000"/>
+              </a:lnSpc>
+            </a:pPr>
             <a:endParaRPr/>
           </a:p>
         </p:txBody>
@@ -8889,10 +8790,10 @@
   <p:timing>
     <p:tnLst>
       <p:par>
-        <p:cTn id="63" dur="indefinite" restart="never" nodeType="tmRoot">
+        <p:cTn id="61" dur="indefinite" restart="never" nodeType="tmRoot">
           <p:childTnLst>
             <p:seq>
-              <p:cTn id="64" nodeType="mainSeq"/>
+              <p:cTn id="62" nodeType="mainSeq"/>
               <p:prevCondLst>
                 <p:cond delay="0" evt="onPrev">
                   <p:tgtEl>
@@ -8970,7 +8871,7 @@
                 </a:solidFill>
                 <a:latin typeface="Arial"/>
               </a:rPr>
-              <a:t>Modeling the problem - I</a:t>
+              <a:t>Sales - Advertising channel attribution</a:t>
             </a:r>
             <a:endParaRPr/>
           </a:p>
@@ -9009,7 +8910,7 @@
                 </a:solidFill>
                 <a:latin typeface="Arial"/>
               </a:rPr>
-              <a:t>What we need here is a predictive model.</a:t>
+              <a:t>Suppose you're the analyst on the marketing team for an organization that has decided to go on a large marketing campaign to boost the sales of a new product.</a:t>
             </a:r>
             <a:endParaRPr/>
           </a:p>
@@ -9029,7 +8930,7 @@
                 </a:solidFill>
                 <a:latin typeface="Arial"/>
               </a:rPr>
-              <a:t>A predictive model is a mathematical algorithm that predicts a target variable from a number of factor/input variables.</a:t>
+              <a:t>The marketing campaign decides to use 3 different channels for advertising: TV, radio and newspaper each with separate budgets.</a:t>
             </a:r>
             <a:endParaRPr/>
           </a:p>
@@ -9049,47 +8950,27 @@
                 </a:solidFill>
                 <a:latin typeface="Arial"/>
               </a:rPr>
-              <a:t>In this case, we pass in what are </a:t>
-            </a:r>
-            <a:endParaRPr/>
-          </a:p>
-          <a:p>
-            <a:pPr lvl="1">
-              <a:lnSpc>
-                <a:spcPct val="94000"/>
-              </a:lnSpc>
-              <a:buSzPct val="75000"/>
-              <a:buFont typeface="Symbol" charset="2"/>
-              <a:buChar char=""/>
-            </a:pPr>
-            <a:r>
-              <a:rPr lang="en-US" sz="2800">
-                <a:solidFill>
-                  <a:srgbClr val="000000"/>
-                </a:solidFill>
-                <a:latin typeface="Arial"/>
-              </a:rPr>
-              <a:t>Input variables: the 3 advertising budgets - TV, radio, newspapers. We try to predict the : </a:t>
-            </a:r>
-            <a:endParaRPr/>
-          </a:p>
-          <a:p>
-            <a:pPr lvl="1">
-              <a:lnSpc>
-                <a:spcPct val="94000"/>
-              </a:lnSpc>
-              <a:buSzPct val="75000"/>
-              <a:buFont typeface="Symbol" charset="2"/>
-              <a:buChar char=""/>
-            </a:pPr>
-            <a:r>
-              <a:rPr lang="en-US" sz="2800">
-                <a:solidFill>
-                  <a:srgbClr val="000000"/>
-                </a:solidFill>
-                <a:latin typeface="Arial"/>
-              </a:rPr>
-              <a:t>Target/Output Variables: Sales of the product</a:t>
+              <a:t>You're presented with advertising and sales data of the product for the marketing campaign across 200 markets.</a:t>
+            </a:r>
+            <a:endParaRPr/>
+          </a:p>
+          <a:p>
+            <a:pPr>
+              <a:lnSpc>
+                <a:spcPct val="94000"/>
+              </a:lnSpc>
+              <a:buSzPct val="45000"/>
+              <a:buFont typeface="Wingdings" charset="2"/>
+              <a:buChar char=""/>
+            </a:pPr>
+            <a:r>
+              <a:rPr lang="en-US" sz="3200">
+                <a:solidFill>
+                  <a:srgbClr val="000000"/>
+                </a:solidFill>
+                <a:latin typeface="Arial"/>
+              </a:rPr>
+              <a:t>Your Task: Develop a model that can be used to predict sales based on the budgets of the 3 advertising channels.</a:t>
             </a:r>
             <a:endParaRPr/>
           </a:p>
@@ -9100,10 +8981,10 @@
   <p:timing>
     <p:tnLst>
       <p:par>
-        <p:cTn id="65" dur="indefinite" restart="never" nodeType="tmRoot">
+        <p:cTn id="63" dur="indefinite" restart="never" nodeType="tmRoot">
           <p:childTnLst>
             <p:seq>
-              <p:cTn id="66" nodeType="mainSeq"/>
+              <p:cTn id="64" nodeType="mainSeq"/>
               <p:prevCondLst>
                 <p:cond delay="0" evt="onPrev">
                   <p:tgtEl>
@@ -9181,7 +9062,7 @@
                 </a:solidFill>
                 <a:latin typeface="Arial"/>
               </a:rPr>
-              <a:t>Modeling the problem - II</a:t>
+              <a:t>Modeling the problem - I</a:t>
             </a:r>
             <a:endParaRPr/>
           </a:p>
@@ -9220,7 +9101,7 @@
                 </a:solidFill>
                 <a:latin typeface="Arial"/>
               </a:rPr>
-              <a:t>This predictive model can also be cast as a machine Learning problem and when that is done we refer to our input variables as features and our output variable as the response.</a:t>
+              <a:t>What we need here is a predictive model.</a:t>
             </a:r>
             <a:endParaRPr/>
           </a:p>
@@ -9240,16 +9121,68 @@
                 </a:solidFill>
                 <a:latin typeface="Arial"/>
               </a:rPr>
-              <a:t>In Machine Learning there are many models to choose from. In this case we will model the problem using Linear Regression</a:t>
-            </a:r>
-            <a:endParaRPr/>
-          </a:p>
-          <a:p>
-            <a:pPr>
-              <a:lnSpc>
-                <a:spcPct val="94000"/>
-              </a:lnSpc>
-            </a:pPr>
+              <a:t>A predictive model is a mathematical algorithm that predicts a target variable from a number of factor/input variables.</a:t>
+            </a:r>
+            <a:endParaRPr/>
+          </a:p>
+          <a:p>
+            <a:pPr>
+              <a:lnSpc>
+                <a:spcPct val="94000"/>
+              </a:lnSpc>
+              <a:buSzPct val="45000"/>
+              <a:buFont typeface="Wingdings" charset="2"/>
+              <a:buChar char=""/>
+            </a:pPr>
+            <a:r>
+              <a:rPr lang="en-US" sz="3200">
+                <a:solidFill>
+                  <a:srgbClr val="000000"/>
+                </a:solidFill>
+                <a:latin typeface="Arial"/>
+              </a:rPr>
+              <a:t>In this case, we pass in what are </a:t>
+            </a:r>
+            <a:endParaRPr/>
+          </a:p>
+          <a:p>
+            <a:pPr lvl="1">
+              <a:lnSpc>
+                <a:spcPct val="94000"/>
+              </a:lnSpc>
+              <a:buSzPct val="75000"/>
+              <a:buFont typeface="Symbol" charset="2"/>
+              <a:buChar char=""/>
+            </a:pPr>
+            <a:r>
+              <a:rPr lang="en-US" sz="2800">
+                <a:solidFill>
+                  <a:srgbClr val="000000"/>
+                </a:solidFill>
+                <a:latin typeface="Arial"/>
+              </a:rPr>
+              <a:t>Input variables: the 3 advertising budgets - TV, radio, newspapers. We try to predict the : </a:t>
+            </a:r>
+            <a:endParaRPr/>
+          </a:p>
+          <a:p>
+            <a:pPr lvl="1">
+              <a:lnSpc>
+                <a:spcPct val="94000"/>
+              </a:lnSpc>
+              <a:buSzPct val="75000"/>
+              <a:buFont typeface="Symbol" charset="2"/>
+              <a:buChar char=""/>
+            </a:pPr>
+            <a:r>
+              <a:rPr lang="en-US" sz="2800">
+                <a:solidFill>
+                  <a:srgbClr val="000000"/>
+                </a:solidFill>
+                <a:latin typeface="Arial"/>
+              </a:rPr>
+              <a:t>Target/Output Variables: Sales of the product</a:t>
+            </a:r>
             <a:endParaRPr/>
           </a:p>
         </p:txBody>
@@ -9259,10 +9192,10 @@
   <p:timing>
     <p:tnLst>
       <p:par>
-        <p:cTn id="67" dur="indefinite" restart="never" nodeType="tmRoot">
+        <p:cTn id="65" dur="indefinite" restart="never" nodeType="tmRoot">
           <p:childTnLst>
             <p:seq>
-              <p:cTn id="68" nodeType="mainSeq"/>
+              <p:cTn id="66" nodeType="mainSeq"/>
               <p:prevCondLst>
                 <p:cond delay="0" evt="onPrev">
                   <p:tgtEl>
@@ -9340,7 +9273,7 @@
                 </a:solidFill>
                 <a:latin typeface="Arial"/>
               </a:rPr>
-              <a:t>Linear Regression</a:t>
+              <a:t>Modeling the problem - II</a:t>
             </a:r>
             <a:endParaRPr/>
           </a:p>
@@ -9379,16 +9312,7 @@
                 </a:solidFill>
                 <a:latin typeface="Arial"/>
               </a:rPr>
-              <a:t> </a:t>
-            </a:r>
-            <a:r>
-              <a:rPr lang="en-US" sz="3200">
-                <a:solidFill>
-                  <a:srgbClr val="000000"/>
-                </a:solidFill>
-                <a:latin typeface="Arial"/>
-              </a:rPr>
-              <a:t>Well known model used in statistics</a:t>
+              <a:t>This predictive model can also be cast as a machine Learning problem and when that is done we refer to our input variables as features and our output variable as the response.</a:t>
             </a:r>
             <a:endParaRPr/>
           </a:p>
@@ -9408,319 +9332,16 @@
                 </a:solidFill>
                 <a:latin typeface="Arial"/>
               </a:rPr>
-              <a:t> </a:t>
-            </a:r>
-            <a:r>
-              <a:rPr lang="en-US" sz="3200">
-                <a:solidFill>
-                  <a:srgbClr val="000000"/>
-                </a:solidFill>
-                <a:latin typeface="Arial"/>
-              </a:rPr>
-              <a:t>Model our response variable by means of a linear equation</a:t>
-            </a:r>
-            <a:endParaRPr/>
-          </a:p>
-          <a:p>
-            <a:pPr>
-              <a:lnSpc>
-                <a:spcPct val="94000"/>
-              </a:lnSpc>
-              <a:buSzPct val="45000"/>
-              <a:buFont typeface="Wingdings" charset="2"/>
-              <a:buChar char=""/>
-            </a:pPr>
-            <a:r>
-              <a:rPr lang="en-US" sz="3200">
-                <a:solidFill>
-                  <a:srgbClr val="000000"/>
-                </a:solidFill>
-                <a:latin typeface="Arial"/>
-              </a:rPr>
-              <a:t> </a:t>
-            </a:r>
-            <a:r>
-              <a:rPr lang="en-US" sz="3200">
-                <a:solidFill>
-                  <a:srgbClr val="000000"/>
-                </a:solidFill>
-                <a:latin typeface="Arial"/>
-              </a:rPr>
-              <a:t>Basic linear regression model looks like the following:</a:t>
-            </a:r>
-            <a:r>
-              <a:rPr lang="en-US" sz="3200">
-                <a:solidFill>
-                  <a:srgbClr val="000000"/>
-                </a:solidFill>
-                <a:latin typeface="Arial"/>
-              </a:rPr>
-              <a:t>
-</a:t>
-            </a:r>
-            <a:r>
-              <a:rPr lang="en-US" sz="3200">
-                <a:solidFill>
-                  <a:srgbClr val="000000"/>
-                </a:solidFill>
-                <a:latin typeface="Arial"/>
-              </a:rPr>
-              <a:t> </a:t>
-            </a:r>
-            <a:r>
-              <a:rPr lang="en-US" sz="3200">
-                <a:solidFill>
-                  <a:srgbClr val="000000"/>
-                </a:solidFill>
-                <a:latin typeface="Courier 10 Pitch"/>
-              </a:rPr>
-              <a:t>y = b</a:t>
-            </a:r>
-            <a:r>
-              <a:rPr lang="en-US" sz="3200" baseline="-33000">
-                <a:solidFill>
-                  <a:srgbClr val="000000"/>
-                </a:solidFill>
-                <a:latin typeface="Courier 10 Pitch"/>
-              </a:rPr>
-              <a:t>0</a:t>
-            </a:r>
-            <a:r>
-              <a:rPr lang="en-US" sz="3200">
-                <a:solidFill>
-                  <a:srgbClr val="000000"/>
-                </a:solidFill>
-                <a:latin typeface="Courier 10 Pitch"/>
-              </a:rPr>
-              <a:t> + b</a:t>
-            </a:r>
-            <a:r>
-              <a:rPr lang="en-US" sz="3200" baseline="-33000">
-                <a:solidFill>
-                  <a:srgbClr val="000000"/>
-                </a:solidFill>
-                <a:latin typeface="Courier 10 Pitch"/>
-              </a:rPr>
-              <a:t>1</a:t>
-            </a:r>
-            <a:r>
-              <a:rPr lang="en-US" sz="3200">
-                <a:solidFill>
-                  <a:srgbClr val="000000"/>
-                </a:solidFill>
-                <a:latin typeface="Courier 10 Pitch"/>
-              </a:rPr>
-              <a:t>*X</a:t>
-            </a:r>
-            <a:r>
-              <a:rPr lang="en-US" sz="3200" baseline="-33000">
-                <a:solidFill>
-                  <a:srgbClr val="000000"/>
-                </a:solidFill>
-                <a:latin typeface="Courier 10 Pitch"/>
-              </a:rPr>
-              <a:t>1</a:t>
-            </a:r>
-            <a:r>
-              <a:rPr lang="en-US" sz="3200">
-                <a:solidFill>
-                  <a:srgbClr val="000000"/>
-                </a:solidFill>
-                <a:latin typeface="Courier 10 Pitch"/>
-              </a:rPr>
-              <a:t> + b</a:t>
-            </a:r>
-            <a:r>
-              <a:rPr lang="en-US" sz="3200" baseline="-33000">
-                <a:solidFill>
-                  <a:srgbClr val="000000"/>
-                </a:solidFill>
-                <a:latin typeface="Courier 10 Pitch"/>
-              </a:rPr>
-              <a:t>2</a:t>
-            </a:r>
-            <a:r>
-              <a:rPr lang="en-US" sz="3200">
-                <a:solidFill>
-                  <a:srgbClr val="000000"/>
-                </a:solidFill>
-                <a:latin typeface="Courier 10 Pitch"/>
-              </a:rPr>
-              <a:t>*X</a:t>
-            </a:r>
-            <a:r>
-              <a:rPr lang="en-US" sz="3200" baseline="-33000">
-                <a:solidFill>
-                  <a:srgbClr val="000000"/>
-                </a:solidFill>
-                <a:latin typeface="Courier 10 Pitch"/>
-              </a:rPr>
-              <a:t>2</a:t>
-            </a:r>
-            <a:r>
-              <a:rPr lang="en-US" sz="3200">
-                <a:solidFill>
-                  <a:srgbClr val="000000"/>
-                </a:solidFill>
-                <a:latin typeface="Courier 10 Pitch"/>
-              </a:rPr>
-              <a:t> + b</a:t>
-            </a:r>
-            <a:r>
-              <a:rPr lang="en-US" sz="3200" baseline="-33000">
-                <a:solidFill>
-                  <a:srgbClr val="000000"/>
-                </a:solidFill>
-                <a:latin typeface="Courier 10 Pitch"/>
-              </a:rPr>
-              <a:t>3</a:t>
-            </a:r>
-            <a:r>
-              <a:rPr lang="en-US" sz="3200">
-                <a:solidFill>
-                  <a:srgbClr val="000000"/>
-                </a:solidFill>
-                <a:latin typeface="Courier 10 Pitch"/>
-              </a:rPr>
-              <a:t>*X</a:t>
-            </a:r>
-            <a:r>
-              <a:rPr lang="en-US" sz="3200" baseline="-33000">
-                <a:solidFill>
-                  <a:srgbClr val="000000"/>
-                </a:solidFill>
-                <a:latin typeface="Courier 10 Pitch"/>
-              </a:rPr>
-              <a:t>3</a:t>
-            </a:r>
-            <a:r>
-              <a:rPr lang="en-US" sz="3200">
-                <a:solidFill>
-                  <a:srgbClr val="000000"/>
-                </a:solidFill>
-                <a:latin typeface="Courier 10 Pitch"/>
-              </a:rPr>
-              <a:t> + ... + b</a:t>
-            </a:r>
-            <a:r>
-              <a:rPr lang="en-US" sz="3200" baseline="-33000">
-                <a:solidFill>
-                  <a:srgbClr val="000000"/>
-                </a:solidFill>
-                <a:latin typeface="Courier 10 Pitch"/>
-              </a:rPr>
-              <a:t>n</a:t>
-            </a:r>
-            <a:r>
-              <a:rPr lang="en-US" sz="3200">
-                <a:solidFill>
-                  <a:srgbClr val="000000"/>
-                </a:solidFill>
-                <a:latin typeface="Courier 10 Pitch"/>
-              </a:rPr>
-              <a:t>*X</a:t>
-            </a:r>
-            <a:r>
-              <a:rPr lang="en-US" sz="3200" baseline="-33000">
-                <a:solidFill>
-                  <a:srgbClr val="000000"/>
-                </a:solidFill>
-                <a:latin typeface="Courier 10 Pitch"/>
-              </a:rPr>
-              <a:t>n</a:t>
-            </a:r>
-            <a:r>
-              <a:rPr lang="en-US" sz="3200" baseline="-33000">
-                <a:solidFill>
-                  <a:srgbClr val="000000"/>
-                </a:solidFill>
-                <a:latin typeface="Courier 10 Pitch"/>
-              </a:rPr>
-              <a:t>
-</a:t>
-            </a:r>
-            <a:r>
-              <a:rPr lang="en-US" sz="3200">
-                <a:solidFill>
-                  <a:srgbClr val="000000"/>
-                </a:solidFill>
-                <a:latin typeface="Arial"/>
-              </a:rPr>
-              <a:t>where y  is the response, X</a:t>
-            </a:r>
-            <a:r>
-              <a:rPr lang="en-US" sz="3200" baseline="-33000">
-                <a:solidFill>
-                  <a:srgbClr val="000000"/>
-                </a:solidFill>
-                <a:latin typeface="Arial"/>
-              </a:rPr>
-              <a:t>i</a:t>
-            </a:r>
-            <a:r>
-              <a:rPr lang="en-US" sz="3200">
-                <a:solidFill>
-                  <a:srgbClr val="000000"/>
-                </a:solidFill>
-                <a:latin typeface="Arial"/>
-              </a:rPr>
-              <a:t> are the input variables.</a:t>
-            </a:r>
-            <a:r>
-              <a:rPr lang="en-US" sz="3200">
-                <a:solidFill>
-                  <a:srgbClr val="000000"/>
-                </a:solidFill>
-                <a:latin typeface="Arial"/>
-              </a:rPr>
-              <a:t>
-</a:t>
-            </a:r>
-            <a:r>
-              <a:rPr lang="en-US" sz="3200">
-                <a:solidFill>
-                  <a:srgbClr val="000000"/>
-                </a:solidFill>
-                <a:latin typeface="Arial"/>
-              </a:rPr>
-              <a:t>The b</a:t>
-            </a:r>
-            <a:r>
-              <a:rPr lang="en-US" sz="3200" baseline="-33000">
-                <a:solidFill>
-                  <a:srgbClr val="000000"/>
-                </a:solidFill>
-                <a:latin typeface="Arial"/>
-              </a:rPr>
-              <a:t>0</a:t>
-            </a:r>
-            <a:r>
-              <a:rPr lang="en-US" sz="3200">
-                <a:solidFill>
-                  <a:srgbClr val="000000"/>
-                </a:solidFill>
-                <a:latin typeface="Arial"/>
-              </a:rPr>
-              <a:t>...b</a:t>
-            </a:r>
-            <a:r>
-              <a:rPr lang="en-US" sz="3200" baseline="-33000">
-                <a:solidFill>
-                  <a:srgbClr val="000000"/>
-                </a:solidFill>
-                <a:latin typeface="Arial"/>
-              </a:rPr>
-              <a:t>n</a:t>
-            </a:r>
-            <a:r>
-              <a:rPr lang="en-US" sz="3200">
-                <a:solidFill>
-                  <a:srgbClr val="000000"/>
-                </a:solidFill>
-                <a:latin typeface="Arial"/>
-              </a:rPr>
-              <a:t> values are called the linear regression model coefficients.</a:t>
-            </a:r>
+              <a:t>In Machine Learning there are many models to choose from. In this case we will model the problem using Linear Regression</a:t>
+            </a:r>
+            <a:endParaRPr/>
+          </a:p>
+          <a:p>
+            <a:pPr>
+              <a:lnSpc>
+                <a:spcPct val="94000"/>
+              </a:lnSpc>
+            </a:pPr>
             <a:endParaRPr/>
           </a:p>
         </p:txBody>
@@ -9730,10 +9351,10 @@
   <p:timing>
     <p:tnLst>
       <p:par>
-        <p:cTn id="69" dur="indefinite" restart="never" nodeType="tmRoot">
+        <p:cTn id="67" dur="indefinite" restart="never" nodeType="tmRoot">
           <p:childTnLst>
             <p:seq>
-              <p:cTn id="70" nodeType="mainSeq"/>
+              <p:cTn id="68" nodeType="mainSeq"/>
               <p:prevCondLst>
                 <p:cond delay="0" evt="onPrev">
                   <p:tgtEl>
@@ -9850,7 +9471,16 @@
                 </a:solidFill>
                 <a:latin typeface="Arial"/>
               </a:rPr>
-              <a:t>Linear regression models are fitted using the method of least squares, and the “line of best” fit is calculated.</a:t>
+              <a:t> </a:t>
+            </a:r>
+            <a:r>
+              <a:rPr lang="en-US" sz="3200">
+                <a:solidFill>
+                  <a:srgbClr val="000000"/>
+                </a:solidFill>
+                <a:latin typeface="Arial"/>
+              </a:rPr>
+              <a:t>Well known model used in statistics</a:t>
             </a:r>
             <a:endParaRPr/>
           </a:p>
@@ -9870,7 +9500,318 @@
                 </a:solidFill>
                 <a:latin typeface="Arial"/>
               </a:rPr>
-              <a:t>The 'line of best fit' is the line that minimizes the sum of squared distances or mean-squared error of all points in the data to the line. Simply put – it is the best 'closest' line to all the points when the data is plotted.</a:t>
+              <a:t> </a:t>
+            </a:r>
+            <a:r>
+              <a:rPr lang="en-US" sz="3200">
+                <a:solidFill>
+                  <a:srgbClr val="000000"/>
+                </a:solidFill>
+                <a:latin typeface="Arial"/>
+              </a:rPr>
+              <a:t>Model our response variable by means of a linear equation</a:t>
+            </a:r>
+            <a:endParaRPr/>
+          </a:p>
+          <a:p>
+            <a:pPr>
+              <a:lnSpc>
+                <a:spcPct val="94000"/>
+              </a:lnSpc>
+              <a:buSzPct val="45000"/>
+              <a:buFont typeface="Wingdings" charset="2"/>
+              <a:buChar char=""/>
+            </a:pPr>
+            <a:r>
+              <a:rPr lang="en-US" sz="3200">
+                <a:solidFill>
+                  <a:srgbClr val="000000"/>
+                </a:solidFill>
+                <a:latin typeface="Arial"/>
+              </a:rPr>
+              <a:t> </a:t>
+            </a:r>
+            <a:r>
+              <a:rPr lang="en-US" sz="3200">
+                <a:solidFill>
+                  <a:srgbClr val="000000"/>
+                </a:solidFill>
+                <a:latin typeface="Arial"/>
+              </a:rPr>
+              <a:t>Basic linear regression model looks like the following:</a:t>
+            </a:r>
+            <a:r>
+              <a:rPr lang="en-US" sz="3200">
+                <a:solidFill>
+                  <a:srgbClr val="000000"/>
+                </a:solidFill>
+                <a:latin typeface="Arial"/>
+              </a:rPr>
+              <a:t>
+</a:t>
+            </a:r>
+            <a:r>
+              <a:rPr lang="en-US" sz="3200">
+                <a:solidFill>
+                  <a:srgbClr val="000000"/>
+                </a:solidFill>
+                <a:latin typeface="Arial"/>
+              </a:rPr>
+              <a:t> </a:t>
+            </a:r>
+            <a:r>
+              <a:rPr lang="en-US" sz="3200">
+                <a:solidFill>
+                  <a:srgbClr val="000000"/>
+                </a:solidFill>
+                <a:latin typeface="Courier 10 Pitch"/>
+              </a:rPr>
+              <a:t>y = b</a:t>
+            </a:r>
+            <a:r>
+              <a:rPr lang="en-US" sz="3200" baseline="-33000">
+                <a:solidFill>
+                  <a:srgbClr val="000000"/>
+                </a:solidFill>
+                <a:latin typeface="Courier 10 Pitch"/>
+              </a:rPr>
+              <a:t>0</a:t>
+            </a:r>
+            <a:r>
+              <a:rPr lang="en-US" sz="3200">
+                <a:solidFill>
+                  <a:srgbClr val="000000"/>
+                </a:solidFill>
+                <a:latin typeface="Courier 10 Pitch"/>
+              </a:rPr>
+              <a:t> + b</a:t>
+            </a:r>
+            <a:r>
+              <a:rPr lang="en-US" sz="3200" baseline="-33000">
+                <a:solidFill>
+                  <a:srgbClr val="000000"/>
+                </a:solidFill>
+                <a:latin typeface="Courier 10 Pitch"/>
+              </a:rPr>
+              <a:t>1</a:t>
+            </a:r>
+            <a:r>
+              <a:rPr lang="en-US" sz="3200">
+                <a:solidFill>
+                  <a:srgbClr val="000000"/>
+                </a:solidFill>
+                <a:latin typeface="Courier 10 Pitch"/>
+              </a:rPr>
+              <a:t>*X</a:t>
+            </a:r>
+            <a:r>
+              <a:rPr lang="en-US" sz="3200" baseline="-33000">
+                <a:solidFill>
+                  <a:srgbClr val="000000"/>
+                </a:solidFill>
+                <a:latin typeface="Courier 10 Pitch"/>
+              </a:rPr>
+              <a:t>1</a:t>
+            </a:r>
+            <a:r>
+              <a:rPr lang="en-US" sz="3200">
+                <a:solidFill>
+                  <a:srgbClr val="000000"/>
+                </a:solidFill>
+                <a:latin typeface="Courier 10 Pitch"/>
+              </a:rPr>
+              <a:t> + b</a:t>
+            </a:r>
+            <a:r>
+              <a:rPr lang="en-US" sz="3200" baseline="-33000">
+                <a:solidFill>
+                  <a:srgbClr val="000000"/>
+                </a:solidFill>
+                <a:latin typeface="Courier 10 Pitch"/>
+              </a:rPr>
+              <a:t>2</a:t>
+            </a:r>
+            <a:r>
+              <a:rPr lang="en-US" sz="3200">
+                <a:solidFill>
+                  <a:srgbClr val="000000"/>
+                </a:solidFill>
+                <a:latin typeface="Courier 10 Pitch"/>
+              </a:rPr>
+              <a:t>*X</a:t>
+            </a:r>
+            <a:r>
+              <a:rPr lang="en-US" sz="3200" baseline="-33000">
+                <a:solidFill>
+                  <a:srgbClr val="000000"/>
+                </a:solidFill>
+                <a:latin typeface="Courier 10 Pitch"/>
+              </a:rPr>
+              <a:t>2</a:t>
+            </a:r>
+            <a:r>
+              <a:rPr lang="en-US" sz="3200">
+                <a:solidFill>
+                  <a:srgbClr val="000000"/>
+                </a:solidFill>
+                <a:latin typeface="Courier 10 Pitch"/>
+              </a:rPr>
+              <a:t> + b</a:t>
+            </a:r>
+            <a:r>
+              <a:rPr lang="en-US" sz="3200" baseline="-33000">
+                <a:solidFill>
+                  <a:srgbClr val="000000"/>
+                </a:solidFill>
+                <a:latin typeface="Courier 10 Pitch"/>
+              </a:rPr>
+              <a:t>3</a:t>
+            </a:r>
+            <a:r>
+              <a:rPr lang="en-US" sz="3200">
+                <a:solidFill>
+                  <a:srgbClr val="000000"/>
+                </a:solidFill>
+                <a:latin typeface="Courier 10 Pitch"/>
+              </a:rPr>
+              <a:t>*X</a:t>
+            </a:r>
+            <a:r>
+              <a:rPr lang="en-US" sz="3200" baseline="-33000">
+                <a:solidFill>
+                  <a:srgbClr val="000000"/>
+                </a:solidFill>
+                <a:latin typeface="Courier 10 Pitch"/>
+              </a:rPr>
+              <a:t>3</a:t>
+            </a:r>
+            <a:r>
+              <a:rPr lang="en-US" sz="3200">
+                <a:solidFill>
+                  <a:srgbClr val="000000"/>
+                </a:solidFill>
+                <a:latin typeface="Courier 10 Pitch"/>
+              </a:rPr>
+              <a:t> + ... + b</a:t>
+            </a:r>
+            <a:r>
+              <a:rPr lang="en-US" sz="3200" baseline="-33000">
+                <a:solidFill>
+                  <a:srgbClr val="000000"/>
+                </a:solidFill>
+                <a:latin typeface="Courier 10 Pitch"/>
+              </a:rPr>
+              <a:t>n</a:t>
+            </a:r>
+            <a:r>
+              <a:rPr lang="en-US" sz="3200">
+                <a:solidFill>
+                  <a:srgbClr val="000000"/>
+                </a:solidFill>
+                <a:latin typeface="Courier 10 Pitch"/>
+              </a:rPr>
+              <a:t>*X</a:t>
+            </a:r>
+            <a:r>
+              <a:rPr lang="en-US" sz="3200" baseline="-33000">
+                <a:solidFill>
+                  <a:srgbClr val="000000"/>
+                </a:solidFill>
+                <a:latin typeface="Courier 10 Pitch"/>
+              </a:rPr>
+              <a:t>n</a:t>
+            </a:r>
+            <a:r>
+              <a:rPr lang="en-US" sz="3200" baseline="-33000">
+                <a:solidFill>
+                  <a:srgbClr val="000000"/>
+                </a:solidFill>
+                <a:latin typeface="Courier 10 Pitch"/>
+              </a:rPr>
+              <a:t>
+</a:t>
+            </a:r>
+            <a:r>
+              <a:rPr lang="en-US" sz="3200">
+                <a:solidFill>
+                  <a:srgbClr val="000000"/>
+                </a:solidFill>
+                <a:latin typeface="Arial"/>
+              </a:rPr>
+              <a:t>where y  is the response, X</a:t>
+            </a:r>
+            <a:r>
+              <a:rPr lang="en-US" sz="3200" baseline="-33000">
+                <a:solidFill>
+                  <a:srgbClr val="000000"/>
+                </a:solidFill>
+                <a:latin typeface="Arial"/>
+              </a:rPr>
+              <a:t>i</a:t>
+            </a:r>
+            <a:r>
+              <a:rPr lang="en-US" sz="3200">
+                <a:solidFill>
+                  <a:srgbClr val="000000"/>
+                </a:solidFill>
+                <a:latin typeface="Arial"/>
+              </a:rPr>
+              <a:t> are the input variables.</a:t>
+            </a:r>
+            <a:r>
+              <a:rPr lang="en-US" sz="3200">
+                <a:solidFill>
+                  <a:srgbClr val="000000"/>
+                </a:solidFill>
+                <a:latin typeface="Arial"/>
+              </a:rPr>
+              <a:t>
+</a:t>
+            </a:r>
+            <a:r>
+              <a:rPr lang="en-US" sz="3200">
+                <a:solidFill>
+                  <a:srgbClr val="000000"/>
+                </a:solidFill>
+                <a:latin typeface="Arial"/>
+              </a:rPr>
+              <a:t>The b</a:t>
+            </a:r>
+            <a:r>
+              <a:rPr lang="en-US" sz="3200" baseline="-33000">
+                <a:solidFill>
+                  <a:srgbClr val="000000"/>
+                </a:solidFill>
+                <a:latin typeface="Arial"/>
+              </a:rPr>
+              <a:t>0</a:t>
+            </a:r>
+            <a:r>
+              <a:rPr lang="en-US" sz="3200">
+                <a:solidFill>
+                  <a:srgbClr val="000000"/>
+                </a:solidFill>
+                <a:latin typeface="Arial"/>
+              </a:rPr>
+              <a:t>...b</a:t>
+            </a:r>
+            <a:r>
+              <a:rPr lang="en-US" sz="3200" baseline="-33000">
+                <a:solidFill>
+                  <a:srgbClr val="000000"/>
+                </a:solidFill>
+                <a:latin typeface="Arial"/>
+              </a:rPr>
+              <a:t>n</a:t>
+            </a:r>
+            <a:r>
+              <a:rPr lang="en-US" sz="3200">
+                <a:solidFill>
+                  <a:srgbClr val="000000"/>
+                </a:solidFill>
+                <a:latin typeface="Arial"/>
+              </a:rPr>
+              <a:t> values are called the linear regression model coefficients.</a:t>
             </a:r>
             <a:endParaRPr/>
           </a:p>
@@ -9881,10 +9822,10 @@
   <p:timing>
     <p:tnLst>
       <p:par>
-        <p:cTn id="71" dur="indefinite" restart="never" nodeType="tmRoot">
+        <p:cTn id="69" dur="indefinite" restart="never" nodeType="tmRoot">
           <p:childTnLst>
             <p:seq>
-              <p:cTn id="72" nodeType="mainSeq"/>
+              <p:cTn id="70" nodeType="mainSeq"/>
               <p:prevCondLst>
                 <p:cond delay="0" evt="onPrev">
                   <p:tgtEl>
@@ -9940,7 +9881,7 @@
         </p:nvSpPr>
         <p:spPr>
           <a:xfrm>
-            <a:off x="538920" y="301680"/>
+            <a:off x="502920" y="301680"/>
             <a:ext cx="9070920" cy="1262160"/>
           </a:xfrm>
           <a:prstGeom prst="rect">
@@ -9962,7 +9903,7 @@
                 </a:solidFill>
                 <a:latin typeface="Arial"/>
               </a:rPr>
-              <a:t>Line of best fit</a:t>
+              <a:t>Linear Regression</a:t>
             </a:r>
             <a:endParaRPr/>
           </a:p>
@@ -9986,74 +9927,56 @@
         <p:txBody>
           <a:bodyPr lIns="0" rIns="0" tIns="24120" bIns="0"/>
           <a:p>
-            <a:pPr/>
-            <a:endParaRPr/>
-          </a:p>
-          <a:p>
-            <a:pPr/>
+            <a:pPr>
+              <a:lnSpc>
+                <a:spcPct val="94000"/>
+              </a:lnSpc>
+              <a:buSzPct val="45000"/>
+              <a:buFont typeface="Wingdings" charset="2"/>
+              <a:buChar char=""/>
+            </a:pPr>
+            <a:r>
+              <a:rPr lang="en-US" sz="3200">
+                <a:solidFill>
+                  <a:srgbClr val="000000"/>
+                </a:solidFill>
+                <a:latin typeface="Arial"/>
+              </a:rPr>
+              <a:t>Linear regression models are fitted using the method of least squares, and the “line of best” fit is calculated.</a:t>
+            </a:r>
+            <a:endParaRPr/>
+          </a:p>
+          <a:p>
+            <a:pPr>
+              <a:lnSpc>
+                <a:spcPct val="94000"/>
+              </a:lnSpc>
+              <a:buSzPct val="45000"/>
+              <a:buFont typeface="Wingdings" charset="2"/>
+              <a:buChar char=""/>
+            </a:pPr>
+            <a:r>
+              <a:rPr lang="en-US" sz="3200">
+                <a:solidFill>
+                  <a:srgbClr val="000000"/>
+                </a:solidFill>
+                <a:latin typeface="Arial"/>
+              </a:rPr>
+              <a:t>The 'line of best fit' is the line that minimizes the sum of squared distances or mean-squared error of all points in the data to the line. Simply put – it is the best 'closest' line to all the points when the data is plotted.</a:t>
+            </a:r>
             <a:endParaRPr/>
           </a:p>
         </p:txBody>
       </p:sp>
-      <p:pic>
-        <p:nvPicPr>
-          <p:cNvPr id="122" name="" descr=""/>
-          <p:cNvPicPr/>
-          <p:nvPr/>
-        </p:nvPicPr>
-        <p:blipFill>
-          <a:blip r:embed="rId1"/>
-          <a:stretch>
-            <a:fillRect/>
-          </a:stretch>
-        </p:blipFill>
-        <p:spPr>
-          <a:xfrm>
-            <a:off x="640080" y="3067200"/>
-            <a:ext cx="3619080" cy="3085920"/>
-          </a:xfrm>
-          <a:prstGeom prst="rect">
-            <a:avLst/>
-          </a:prstGeom>
-          <a:ln>
-            <a:noFill/>
-          </a:ln>
-        </p:spPr>
-      </p:pic>
-      <p:pic>
-        <p:nvPicPr>
-          <p:cNvPr id="123" name="" descr=""/>
-          <p:cNvPicPr/>
-          <p:nvPr/>
-        </p:nvPicPr>
-        <p:blipFill>
-          <a:blip r:embed="rId2"/>
-          <a:stretch>
-            <a:fillRect/>
-          </a:stretch>
-        </p:blipFill>
-        <p:spPr>
-          <a:xfrm>
-            <a:off x="4370400" y="3048480"/>
-            <a:ext cx="5047920" cy="3352320"/>
-          </a:xfrm>
-          <a:prstGeom prst="rect">
-            <a:avLst/>
-          </a:prstGeom>
-          <a:ln>
-            <a:noFill/>
-          </a:ln>
-        </p:spPr>
-      </p:pic>
     </p:spTree>
   </p:cSld>
   <p:timing>
     <p:tnLst>
       <p:par>
-        <p:cTn id="73" dur="indefinite" restart="never" nodeType="tmRoot">
+        <p:cTn id="71" dur="indefinite" restart="never" nodeType="tmRoot">
           <p:childTnLst>
             <p:seq>
-              <p:cTn id="74" nodeType="mainSeq"/>
+              <p:cTn id="72" nodeType="mainSeq"/>
               <p:prevCondLst>
                 <p:cond delay="0" evt="onPrev">
                   <p:tgtEl>
@@ -10103,13 +10026,13 @@
       </p:grpSpPr>
       <p:sp>
         <p:nvSpPr>
-          <p:cNvPr id="124" name="TextShape 1"/>
+          <p:cNvPr id="122" name="TextShape 1"/>
           <p:cNvSpPr txBox="1"/>
           <p:nvPr/>
         </p:nvSpPr>
         <p:spPr>
           <a:xfrm>
-            <a:off x="502920" y="301680"/>
+            <a:off x="538920" y="301680"/>
             <a:ext cx="9070920" cy="1262160"/>
           </a:xfrm>
           <a:prstGeom prst="rect">
@@ -10131,7 +10054,7 @@
                 </a:solidFill>
                 <a:latin typeface="Arial"/>
               </a:rPr>
-              <a:t>Application of LR to the problem</a:t>
+              <a:t>Line of best fit</a:t>
             </a:r>
             <a:endParaRPr/>
           </a:p>
@@ -10139,7 +10062,7 @@
       </p:sp>
       <p:sp>
         <p:nvSpPr>
-          <p:cNvPr id="125" name="TextShape 2"/>
+          <p:cNvPr id="123" name="TextShape 2"/>
           <p:cNvSpPr txBox="1"/>
           <p:nvPr/>
         </p:nvSpPr>
@@ -10155,193 +10078,74 @@
         <p:txBody>
           <a:bodyPr lIns="0" rIns="0" tIns="24120" bIns="0"/>
           <a:p>
-            <a:pPr>
-              <a:lnSpc>
-                <a:spcPct val="94000"/>
-              </a:lnSpc>
-              <a:buSzPct val="45000"/>
-              <a:buFont typeface="Wingdings" charset="2"/>
-              <a:buChar char=""/>
-            </a:pPr>
-            <a:r>
-              <a:rPr lang="en-US" sz="3200">
-                <a:solidFill>
-                  <a:srgbClr val="000000"/>
-                </a:solidFill>
-                <a:latin typeface="Arial"/>
-              </a:rPr>
-              <a:t>Applying linear regression to our problem, the model now becomes:</a:t>
-            </a:r>
-            <a:r>
-              <a:rPr lang="en-US" sz="3200">
-                <a:solidFill>
-                  <a:srgbClr val="000000"/>
-                </a:solidFill>
-                <a:latin typeface="Arial"/>
-              </a:rPr>
-              <a:t>
-</a:t>
-            </a:r>
-            <a:r>
-              <a:rPr lang="en-US" sz="3200">
-                <a:solidFill>
-                  <a:srgbClr val="000000"/>
-                </a:solidFill>
-                <a:latin typeface="Arial"/>
-              </a:rPr>
-              <a:t>
-</a:t>
-            </a:r>
-            <a:r>
-              <a:rPr lang="en-US" sz="2600">
-                <a:solidFill>
-                  <a:srgbClr val="000000"/>
-                </a:solidFill>
-                <a:latin typeface="Courier 10 Pitch"/>
-              </a:rPr>
-              <a:t>Sales = b</a:t>
-            </a:r>
-            <a:r>
-              <a:rPr lang="en-US" sz="2600" baseline="-33000">
-                <a:solidFill>
-                  <a:srgbClr val="000000"/>
-                </a:solidFill>
-                <a:latin typeface="Courier 10 Pitch"/>
-              </a:rPr>
-              <a:t>0</a:t>
-            </a:r>
-            <a:r>
-              <a:rPr lang="en-US" sz="2600">
-                <a:solidFill>
-                  <a:srgbClr val="000000"/>
-                </a:solidFill>
-                <a:latin typeface="Courier 10 Pitch"/>
-              </a:rPr>
-              <a:t> + b</a:t>
-            </a:r>
-            <a:r>
-              <a:rPr lang="en-US" sz="2600" baseline="-33000">
-                <a:solidFill>
-                  <a:srgbClr val="000000"/>
-                </a:solidFill>
-                <a:latin typeface="Courier 10 Pitch"/>
-              </a:rPr>
-              <a:t>1</a:t>
-            </a:r>
-            <a:r>
-              <a:rPr lang="en-US" sz="2600">
-                <a:solidFill>
-                  <a:srgbClr val="000000"/>
-                </a:solidFill>
-                <a:latin typeface="Courier 10 Pitch"/>
-              </a:rPr>
-              <a:t> * TV + b</a:t>
-            </a:r>
-            <a:r>
-              <a:rPr lang="en-US" sz="2600" baseline="-33000">
-                <a:solidFill>
-                  <a:srgbClr val="000000"/>
-                </a:solidFill>
-                <a:latin typeface="Courier 10 Pitch"/>
-              </a:rPr>
-              <a:t>2</a:t>
-            </a:r>
-            <a:r>
-              <a:rPr lang="en-US" sz="2600">
-                <a:solidFill>
-                  <a:srgbClr val="000000"/>
-                </a:solidFill>
-                <a:latin typeface="Courier 10 Pitch"/>
-              </a:rPr>
-              <a:t> * Radio + b</a:t>
-            </a:r>
-            <a:r>
-              <a:rPr lang="en-US" sz="2600" baseline="-33000">
-                <a:solidFill>
-                  <a:srgbClr val="000000"/>
-                </a:solidFill>
-                <a:latin typeface="Courier 10 Pitch"/>
-              </a:rPr>
-              <a:t>3</a:t>
-            </a:r>
-            <a:r>
-              <a:rPr lang="en-US" sz="2600">
-                <a:solidFill>
-                  <a:srgbClr val="000000"/>
-                </a:solidFill>
-                <a:latin typeface="Courier 10 Pitch"/>
-              </a:rPr>
-              <a:t> * Newspaper</a:t>
-            </a:r>
-            <a:endParaRPr/>
-          </a:p>
-          <a:p>
-            <a:pPr>
-              <a:lnSpc>
-                <a:spcPct val="94000"/>
-              </a:lnSpc>
-              <a:buSzPct val="45000"/>
-              <a:buFont typeface="Wingdings" charset="2"/>
-              <a:buChar char=""/>
-            </a:pPr>
-            <a:r>
-              <a:rPr lang="en-US" sz="3200">
-                <a:solidFill>
-                  <a:srgbClr val="000000"/>
-                </a:solidFill>
-                <a:latin typeface="Arial"/>
-              </a:rPr>
-              <a:t>One downside to Linear Regression is that it doesn't always produce the best predictive accuracy because it assumes a linear relationship between the input features and the response.</a:t>
-            </a:r>
-            <a:endParaRPr/>
-          </a:p>
-          <a:p>
-            <a:pPr>
-              <a:lnSpc>
-                <a:spcPct val="94000"/>
-              </a:lnSpc>
-              <a:buSzPct val="45000"/>
-              <a:buFont typeface="Wingdings" charset="2"/>
-              <a:buChar char=""/>
-            </a:pPr>
-            <a:r>
-              <a:rPr lang="en-US" sz="3200">
-                <a:solidFill>
-                  <a:srgbClr val="000000"/>
-                </a:solidFill>
-                <a:latin typeface="Arial"/>
-              </a:rPr>
-              <a:t>Given that we now understand the model, let us fire up  IPython and start our analysis.</a:t>
-            </a:r>
-            <a:endParaRPr/>
-          </a:p>
-          <a:p>
-            <a:pPr>
-              <a:lnSpc>
-                <a:spcPct val="94000"/>
-              </a:lnSpc>
-            </a:pPr>
-            <a:endParaRPr/>
-          </a:p>
-          <a:p>
-            <a:pPr>
-              <a:lnSpc>
-                <a:spcPct val="94000"/>
-              </a:lnSpc>
-            </a:pPr>
+            <a:pPr/>
+            <a:endParaRPr/>
+          </a:p>
+          <a:p>
+            <a:pPr/>
             <a:endParaRPr/>
           </a:p>
         </p:txBody>
       </p:sp>
+      <p:pic>
+        <p:nvPicPr>
+          <p:cNvPr id="124" name="" descr=""/>
+          <p:cNvPicPr/>
+          <p:nvPr/>
+        </p:nvPicPr>
+        <p:blipFill>
+          <a:blip r:embed="rId1"/>
+          <a:stretch>
+            <a:fillRect/>
+          </a:stretch>
+        </p:blipFill>
+        <p:spPr>
+          <a:xfrm>
+            <a:off x="640080" y="3067200"/>
+            <a:ext cx="3619080" cy="3085920"/>
+          </a:xfrm>
+          <a:prstGeom prst="rect">
+            <a:avLst/>
+          </a:prstGeom>
+          <a:ln>
+            <a:noFill/>
+          </a:ln>
+        </p:spPr>
+      </p:pic>
+      <p:pic>
+        <p:nvPicPr>
+          <p:cNvPr id="125" name="" descr=""/>
+          <p:cNvPicPr/>
+          <p:nvPr/>
+        </p:nvPicPr>
+        <p:blipFill>
+          <a:blip r:embed="rId2"/>
+          <a:stretch>
+            <a:fillRect/>
+          </a:stretch>
+        </p:blipFill>
+        <p:spPr>
+          <a:xfrm>
+            <a:off x="4370400" y="3048480"/>
+            <a:ext cx="5047920" cy="3352320"/>
+          </a:xfrm>
+          <a:prstGeom prst="rect">
+            <a:avLst/>
+          </a:prstGeom>
+          <a:ln>
+            <a:noFill/>
+          </a:ln>
+        </p:spPr>
+      </p:pic>
     </p:spTree>
   </p:cSld>
   <p:timing>
     <p:tnLst>
       <p:par>
-        <p:cTn id="75" dur="indefinite" restart="never" nodeType="tmRoot">
+        <p:cTn id="73" dur="indefinite" restart="never" nodeType="tmRoot">
           <p:childTnLst>
             <p:seq>
-              <p:cTn id="76" nodeType="mainSeq"/>
+              <p:cTn id="74" nodeType="mainSeq"/>
               <p:prevCondLst>
                 <p:cond delay="0" evt="onPrev">
                   <p:tgtEl>
@@ -10368,6 +10172,13 @@
 <file path=ppt/slides/slide39.xml><?xml version="1.0" encoding="utf-8"?>
 <p:sld xmlns:a="http://schemas.openxmlformats.org/drawingml/2006/main" xmlns:p="http://schemas.openxmlformats.org/presentationml/2006/main" xmlns:r="http://schemas.openxmlformats.org/officeDocument/2006/relationships">
   <p:cSld>
+    <p:bg>
+      <p:bgPr>
+        <a:solidFill>
+          <a:srgbClr val="ffffff"/>
+        </a:solidFill>
+      </p:bgPr>
+    </p:bg>
     <p:spTree>
       <p:nvGrpSpPr>
         <p:cNvPr id="1" name=""/>
@@ -10390,22 +10201,29 @@
         </p:nvSpPr>
         <p:spPr>
           <a:xfrm>
-            <a:off x="502920" y="301320"/>
-            <a:ext cx="9069480" cy="1260360"/>
+            <a:off x="502920" y="301680"/>
+            <a:ext cx="9070920" cy="1262160"/>
           </a:xfrm>
           <a:prstGeom prst="rect">
             <a:avLst/>
           </a:prstGeom>
         </p:spPr>
         <p:txBody>
-          <a:bodyPr lIns="0" rIns="0" tIns="0" bIns="0" anchor="ctr"/>
-          <a:p>
-            <a:pPr algn="ctr"/>
+          <a:bodyPr lIns="0" rIns="0" tIns="33120" bIns="0" anchor="ctr"/>
+          <a:p>
+            <a:pPr algn="ctr">
+              <a:lnSpc>
+                <a:spcPct val="94000"/>
+              </a:lnSpc>
+            </a:pPr>
             <a:r>
               <a:rPr lang="en-US" sz="4400">
-                <a:latin typeface="Droid Serif"/>
-              </a:rPr>
-              <a:t>Summary</a:t>
+                <a:solidFill>
+                  <a:srgbClr val="000000"/>
+                </a:solidFill>
+                <a:latin typeface="Arial"/>
+              </a:rPr>
+              <a:t>Application of LR to the problem</a:t>
             </a:r>
             <a:endParaRPr/>
           </a:p>
@@ -10420,7 +10238,7 @@
         <p:spPr>
           <a:xfrm>
             <a:off x="502920" y="1768320"/>
-            <a:ext cx="9069480" cy="4383360"/>
+            <a:ext cx="9070920" cy="4384800"/>
           </a:xfrm>
           <a:prstGeom prst="rect">
             <a:avLst/>
@@ -10429,72 +10247,180 @@
         <p:txBody>
           <a:bodyPr lIns="0" rIns="0" tIns="24120" bIns="0"/>
           <a:p>
-            <a:pPr/>
-            <a:r>
-              <a:rPr lang="en-US" sz="3200">
-                <a:latin typeface="Arial"/>
-              </a:rPr>
-              <a:t>So what have we learned today.</a:t>
-            </a:r>
-            <a:endParaRPr/>
-          </a:p>
-          <a:p>
-            <a:endParaRPr/>
-          </a:p>
-          <a:p>
-            <a:pPr>
+            <a:pPr>
+              <a:lnSpc>
+                <a:spcPct val="94000"/>
+              </a:lnSpc>
               <a:buSzPct val="45000"/>
-              <a:buFont typeface="StarSymbol"/>
+              <a:buFont typeface="Wingdings" charset="2"/>
               <a:buChar char=""/>
             </a:pPr>
             <a:r>
               <a:rPr lang="en-US" sz="3200">
-                <a:latin typeface="Arial"/>
-              </a:rPr>
-              <a:t>Introduced the concepts of Data Science and Big Data and why they're important</a:t>
-            </a:r>
-            <a:endParaRPr/>
-          </a:p>
-          <a:p>
-            <a:pPr>
+                <a:solidFill>
+                  <a:srgbClr val="000000"/>
+                </a:solidFill>
+                <a:latin typeface="Arial"/>
+              </a:rPr>
+              <a:t>Applying linear regression to our problem, the model now becomes:</a:t>
+            </a:r>
+            <a:r>
+              <a:rPr lang="en-US" sz="3200">
+                <a:solidFill>
+                  <a:srgbClr val="000000"/>
+                </a:solidFill>
+                <a:latin typeface="Arial"/>
+              </a:rPr>
+              <a:t>
+</a:t>
+            </a:r>
+            <a:r>
+              <a:rPr lang="en-US" sz="3200">
+                <a:solidFill>
+                  <a:srgbClr val="000000"/>
+                </a:solidFill>
+                <a:latin typeface="Arial"/>
+              </a:rPr>
+              <a:t>
+</a:t>
+            </a:r>
+            <a:r>
+              <a:rPr lang="en-US" sz="2600">
+                <a:solidFill>
+                  <a:srgbClr val="000000"/>
+                </a:solidFill>
+                <a:latin typeface="Courier 10 Pitch"/>
+              </a:rPr>
+              <a:t>Sales = b</a:t>
+            </a:r>
+            <a:r>
+              <a:rPr lang="en-US" sz="2600" baseline="-33000">
+                <a:solidFill>
+                  <a:srgbClr val="000000"/>
+                </a:solidFill>
+                <a:latin typeface="Courier 10 Pitch"/>
+              </a:rPr>
+              <a:t>0</a:t>
+            </a:r>
+            <a:r>
+              <a:rPr lang="en-US" sz="2600">
+                <a:solidFill>
+                  <a:srgbClr val="000000"/>
+                </a:solidFill>
+                <a:latin typeface="Courier 10 Pitch"/>
+              </a:rPr>
+              <a:t> + b</a:t>
+            </a:r>
+            <a:r>
+              <a:rPr lang="en-US" sz="2600" baseline="-33000">
+                <a:solidFill>
+                  <a:srgbClr val="000000"/>
+                </a:solidFill>
+                <a:latin typeface="Courier 10 Pitch"/>
+              </a:rPr>
+              <a:t>1</a:t>
+            </a:r>
+            <a:r>
+              <a:rPr lang="en-US" sz="2600">
+                <a:solidFill>
+                  <a:srgbClr val="000000"/>
+                </a:solidFill>
+                <a:latin typeface="Courier 10 Pitch"/>
+              </a:rPr>
+              <a:t> * TV + b</a:t>
+            </a:r>
+            <a:r>
+              <a:rPr lang="en-US" sz="2600" baseline="-33000">
+                <a:solidFill>
+                  <a:srgbClr val="000000"/>
+                </a:solidFill>
+                <a:latin typeface="Courier 10 Pitch"/>
+              </a:rPr>
+              <a:t>2</a:t>
+            </a:r>
+            <a:r>
+              <a:rPr lang="en-US" sz="2600">
+                <a:solidFill>
+                  <a:srgbClr val="000000"/>
+                </a:solidFill>
+                <a:latin typeface="Courier 10 Pitch"/>
+              </a:rPr>
+              <a:t> * Radio + b</a:t>
+            </a:r>
+            <a:r>
+              <a:rPr lang="en-US" sz="2600" baseline="-33000">
+                <a:solidFill>
+                  <a:srgbClr val="000000"/>
+                </a:solidFill>
+                <a:latin typeface="Courier 10 Pitch"/>
+              </a:rPr>
+              <a:t>3</a:t>
+            </a:r>
+            <a:r>
+              <a:rPr lang="en-US" sz="2600">
+                <a:solidFill>
+                  <a:srgbClr val="000000"/>
+                </a:solidFill>
+                <a:latin typeface="Courier 10 Pitch"/>
+              </a:rPr>
+              <a:t> * Newspaper</a:t>
+            </a:r>
+            <a:endParaRPr/>
+          </a:p>
+          <a:p>
+            <a:pPr>
+              <a:lnSpc>
+                <a:spcPct val="94000"/>
+              </a:lnSpc>
               <a:buSzPct val="45000"/>
-              <a:buFont typeface="StarSymbol"/>
+              <a:buFont typeface="Wingdings" charset="2"/>
               <a:buChar char=""/>
             </a:pPr>
             <a:r>
               <a:rPr lang="en-US" sz="3200">
-                <a:latin typeface="Arial"/>
-              </a:rPr>
-              <a:t>Looked at the Python stack for doing Data Science and where each module fits in.</a:t>
-            </a:r>
-            <a:endParaRPr/>
-          </a:p>
-          <a:p>
-            <a:pPr>
+                <a:solidFill>
+                  <a:srgbClr val="000000"/>
+                </a:solidFill>
+                <a:latin typeface="Arial"/>
+              </a:rPr>
+              <a:t>One downside to Linear Regression is that it doesn't always produce the best predictive accuracy because it assumes a linear relationship between the input features and the response.</a:t>
+            </a:r>
+            <a:endParaRPr/>
+          </a:p>
+          <a:p>
+            <a:pPr>
+              <a:lnSpc>
+                <a:spcPct val="94000"/>
+              </a:lnSpc>
               <a:buSzPct val="45000"/>
-              <a:buFont typeface="StarSymbol"/>
+              <a:buFont typeface="Wingdings" charset="2"/>
               <a:buChar char=""/>
             </a:pPr>
             <a:r>
               <a:rPr lang="en-US" sz="3200">
-                <a:latin typeface="Arial"/>
-              </a:rPr>
-              <a:t>Understood the field of Machine Learning and some of the concepts.</a:t>
-            </a:r>
-            <a:endParaRPr/>
-          </a:p>
-          <a:p>
-            <a:pPr>
-              <a:buSzPct val="45000"/>
-              <a:buFont typeface="StarSymbol"/>
-              <a:buChar char=""/>
-            </a:pPr>
-            <a:r>
-              <a:rPr lang="en-US" sz="3200">
-                <a:latin typeface="Arial"/>
-              </a:rPr>
-              <a:t>Walked through a concrete example that uses some of the Python tools in the stack – pandas, scikit-learn, NumPy, matplotlib.</a:t>
-            </a:r>
+                <a:solidFill>
+                  <a:srgbClr val="000000"/>
+                </a:solidFill>
+                <a:latin typeface="Arial"/>
+              </a:rPr>
+              <a:t>Given that we now understand the model, let us fire up  IPython and start our analysis.</a:t>
+            </a:r>
+            <a:endParaRPr/>
+          </a:p>
+          <a:p>
+            <a:pPr>
+              <a:lnSpc>
+                <a:spcPct val="94000"/>
+              </a:lnSpc>
+            </a:pPr>
+            <a:endParaRPr/>
+          </a:p>
+          <a:p>
+            <a:pPr>
+              <a:lnSpc>
+                <a:spcPct val="94000"/>
+              </a:lnSpc>
+            </a:pPr>
             <a:endParaRPr/>
           </a:p>
         </p:txBody>
@@ -10504,10 +10430,10 @@
   <p:timing>
     <p:tnLst>
       <p:par>
-        <p:cTn id="77" dur="indefinite" restart="never" nodeType="tmRoot">
+        <p:cTn id="75" dur="indefinite" restart="never" nodeType="tmRoot">
           <p:childTnLst>
             <p:seq>
-              <p:cTn id="78" nodeType="mainSeq"/>
+              <p:cTn id="76" nodeType="mainSeq"/>
               <p:prevCondLst>
                 <p:cond delay="0" evt="onPrev">
                   <p:tgtEl>
@@ -10852,7 +10778,7 @@
               <a:rPr lang="en-US" sz="4400">
                 <a:latin typeface="Droid Serif"/>
               </a:rPr>
-              <a:t>Useful References</a:t>
+              <a:t>Summary</a:t>
             </a:r>
             <a:endParaRPr/>
           </a:p>
@@ -10878,104 +10804,70 @@
           <a:p>
             <a:pPr/>
             <a:r>
-              <a:rPr b="1" lang="en-US" sz="3200">
-                <a:latin typeface="FreeSerif"/>
-              </a:rPr>
-              <a:t>Pandas</a:t>
-            </a:r>
-            <a:endParaRPr/>
-          </a:p>
-          <a:p>
-            <a:pPr/>
-            <a:r>
-              <a:rPr lang="en-US" sz="3200">
-                <a:latin typeface="FreeSerif"/>
-              </a:rPr>
-              <a:t>Online resource: </a:t>
-            </a:r>
-            <a:r>
-              <a:rPr lang="en-US" sz="3200">
-                <a:latin typeface="FreeSerif"/>
-              </a:rPr>
-              <a:t>
-</a:t>
-            </a:r>
-            <a:r>
-              <a:rPr lang="en-US" sz="3200">
-                <a:latin typeface="FreeSerif"/>
-              </a:rPr>
-              <a:t>http://pandas.pydata.org/pandas-docs/stable/</a:t>
-            </a:r>
-            <a:endParaRPr/>
-          </a:p>
-          <a:p>
-            <a:pPr/>
-            <a:r>
-              <a:rPr lang="en-US" sz="3200">
-                <a:solidFill>
-                  <a:srgbClr val="661900"/>
-                </a:solidFill>
-                <a:latin typeface="FreeSerif"/>
-              </a:rPr>
-              <a:t>Books</a:t>
-            </a:r>
-            <a:endParaRPr/>
-          </a:p>
-          <a:p>
-            <a:pPr/>
-            <a:r>
-              <a:rPr lang="en-US" sz="3200">
-                <a:latin typeface="FreeSerif"/>
-              </a:rPr>
-              <a:t>Mastering Pandas - Femi Anthony - </a:t>
-            </a:r>
-            <a:r>
-              <a:rPr lang="en-US" sz="3200">
-                <a:latin typeface="FreeSerif"/>
-              </a:rPr>
-              <a:t>http://amzn.to/1GljMsq</a:t>
-            </a:r>
-            <a:r>
-              <a:rPr b="1" lang="en-US" sz="3200">
-                <a:solidFill>
-                  <a:srgbClr val="000099"/>
-                </a:solidFill>
-                <a:latin typeface="FreeSerif"/>
-              </a:rPr>
-              <a:t> </a:t>
-            </a:r>
-            <a:endParaRPr/>
-          </a:p>
-          <a:p>
-            <a:pPr/>
-            <a:r>
-              <a:rPr lang="en-US" sz="3200">
-                <a:latin typeface="FreeSerif"/>
-              </a:rPr>
-              <a:t>Python for Data Analysis - Wes McKinney</a:t>
-            </a:r>
-            <a:endParaRPr/>
-          </a:p>
-          <a:p>
-            <a:pPr/>
-            <a:r>
-              <a:rPr lang="en-US" sz="3200">
-                <a:latin typeface="FreeSerif"/>
-              </a:rPr>
-              <a:t>Learning Pandas - Michael Heydt</a:t>
-            </a:r>
-            <a:endParaRPr/>
-          </a:p>
-          <a:p>
-            <a:pPr/>
-            <a:endParaRPr/>
-          </a:p>
-          <a:p>
-            <a:pPr/>
-            <a:endParaRPr/>
-          </a:p>
-          <a:p>
-            <a:pPr/>
+              <a:rPr lang="en-US" sz="3200">
+                <a:latin typeface="Arial"/>
+              </a:rPr>
+              <a:t>So what have we learned today ?</a:t>
+            </a:r>
+            <a:endParaRPr/>
+          </a:p>
+          <a:p>
+            <a:endParaRPr/>
+          </a:p>
+          <a:p>
+            <a:pPr>
+              <a:buSzPct val="45000"/>
+              <a:buFont typeface="StarSymbol"/>
+              <a:buChar char=""/>
+            </a:pPr>
+            <a:r>
+              <a:rPr lang="en-US" sz="3200">
+                <a:latin typeface="Arial"/>
+              </a:rPr>
+              <a:t>Introduced the concepts of Data Science and Big Data and why they're important</a:t>
+            </a:r>
+            <a:endParaRPr/>
+          </a:p>
+          <a:p>
+            <a:pPr>
+              <a:buSzPct val="45000"/>
+              <a:buFont typeface="StarSymbol"/>
+              <a:buChar char=""/>
+            </a:pPr>
+            <a:r>
+              <a:rPr lang="en-US" sz="3200">
+                <a:latin typeface="Arial"/>
+              </a:rPr>
+              <a:t>Looked at the Python stack for doing Data Science and where each module fits in.</a:t>
+            </a:r>
+            <a:endParaRPr/>
+          </a:p>
+          <a:p>
+            <a:pPr>
+              <a:buSzPct val="45000"/>
+              <a:buFont typeface="StarSymbol"/>
+              <a:buChar char=""/>
+            </a:pPr>
+            <a:r>
+              <a:rPr lang="en-US" sz="3200">
+                <a:latin typeface="Arial"/>
+              </a:rPr>
+              <a:t>Understood the field of Machine Learning and some of the concepts.</a:t>
+            </a:r>
+            <a:endParaRPr/>
+          </a:p>
+          <a:p>
+            <a:pPr>
+              <a:buSzPct val="45000"/>
+              <a:buFont typeface="StarSymbol"/>
+              <a:buChar char=""/>
+            </a:pPr>
+            <a:r>
+              <a:rPr lang="en-US" sz="3200">
+                <a:latin typeface="Arial"/>
+              </a:rPr>
+              <a:t>Walked through a concrete example that uses some of the Python tools in the stack – pandas, scikit-learn, NumPy, matplotlib.</a:t>
+            </a:r>
             <a:endParaRPr/>
           </a:p>
         </p:txBody>
@@ -10985,10 +10877,10 @@
   <p:timing>
     <p:tnLst>
       <p:par>
-        <p:cTn id="79" dur="indefinite" restart="never" nodeType="tmRoot">
+        <p:cTn id="77" dur="indefinite" restart="never" nodeType="tmRoot">
           <p:childTnLst>
             <p:seq>
-              <p:cTn id="80" nodeType="mainSeq"/>
+              <p:cTn id="78" nodeType="mainSeq"/>
               <p:prevCondLst>
                 <p:cond delay="0" evt="onPrev">
                   <p:tgtEl>
@@ -11052,7 +10944,7 @@
               <a:rPr lang="en-US" sz="4400">
                 <a:latin typeface="Droid Serif"/>
               </a:rPr>
-              <a:t>References</a:t>
+              <a:t>Useful References</a:t>
             </a:r>
             <a:endParaRPr/>
           </a:p>
@@ -11081,7 +10973,7 @@
               <a:rPr b="1" lang="en-US" sz="3200">
                 <a:latin typeface="FreeSerif"/>
               </a:rPr>
-              <a:t>Scikit-Learn</a:t>
+              <a:t>Pandas</a:t>
             </a:r>
             <a:endParaRPr/>
           </a:p>
@@ -11091,7 +10983,20 @@
               <a:rPr lang="en-US" sz="3200">
                 <a:latin typeface="FreeSerif"/>
               </a:rPr>
-              <a:t>Online resource: http://scikit-learn.org/stable/</a:t>
+              <a:t>Online resource: </a:t>
+            </a:r>
+            <a:r>
+              <a:rPr lang="en-US" sz="3200">
+                <a:latin typeface="FreeSerif"/>
+              </a:rPr>
+              <a:t>
+</a:t>
+            </a:r>
+            <a:r>
+              <a:rPr lang="en-US" sz="3200">
+                <a:latin typeface="FreeSerif"/>
+              </a:rPr>
+              <a:t>http://pandas.pydata.org/pandas-docs/stable/</a:t>
             </a:r>
             <a:endParaRPr/>
           </a:p>
@@ -11100,7 +11005,7 @@
             <a:r>
               <a:rPr lang="en-US" sz="3200">
                 <a:solidFill>
-                  <a:srgbClr val="0000cc"/>
+                  <a:srgbClr val="661900"/>
                 </a:solidFill>
                 <a:latin typeface="FreeSerif"/>
               </a:rPr>
@@ -11114,7 +11019,22 @@
               <a:rPr lang="en-US" sz="3200">
                 <a:latin typeface="FreeSerif"/>
               </a:rPr>
-              <a:t>Mastering Machine Learning with Scikit-learn - Gavin Hackeling</a:t>
+              <a:t>Mastering Pandas - Femi Anthony - </a:t>
+            </a:r>
+            <a:r>
+              <a:rPr lang="en-US" sz="3200">
+                <a:latin typeface="FreeSerif"/>
+              </a:rPr>
+              <a:t>http://amzn.to/1GljMsq</a:t>
+            </a:r>
+            <a:r>
+              <a:rPr b="1" lang="en-US" sz="3200">
+                <a:solidFill>
+                  <a:srgbClr val="000099"/>
+                </a:solidFill>
+                <a:latin typeface="FreeSerif"/>
+              </a:rPr>
+              <a:t> </a:t>
             </a:r>
             <a:endParaRPr/>
           </a:p>
@@ -11124,7 +11044,7 @@
               <a:rPr lang="en-US" sz="3200">
                 <a:latin typeface="FreeSerif"/>
               </a:rPr>
-              <a:t>Learning scikit-learn: Machine Learning in Python - Garreta and Monchechi</a:t>
+              <a:t>Python for Data Analysis - Wes McKinney</a:t>
             </a:r>
             <a:endParaRPr/>
           </a:p>
@@ -11134,8 +11054,20 @@
               <a:rPr lang="en-US" sz="3200">
                 <a:latin typeface="FreeSerif"/>
               </a:rPr>
-              <a:t>scikit-learn cookbook - Trent Hauck</a:t>
-            </a:r>
+              <a:t>Learning Pandas - Michael Heydt</a:t>
+            </a:r>
+            <a:endParaRPr/>
+          </a:p>
+          <a:p>
+            <a:pPr/>
+            <a:endParaRPr/>
+          </a:p>
+          <a:p>
+            <a:pPr/>
+            <a:endParaRPr/>
+          </a:p>
+          <a:p>
+            <a:pPr/>
             <a:endParaRPr/>
           </a:p>
         </p:txBody>
@@ -11145,10 +11077,10 @@
   <p:timing>
     <p:tnLst>
       <p:par>
-        <p:cTn id="81" dur="indefinite" restart="never" nodeType="tmRoot">
+        <p:cTn id="79" dur="indefinite" restart="never" nodeType="tmRoot">
           <p:childTnLst>
             <p:seq>
-              <p:cTn id="82" nodeType="mainSeq"/>
+              <p:cTn id="80" nodeType="mainSeq"/>
               <p:prevCondLst>
                 <p:cond delay="0" evt="onPrev">
                   <p:tgtEl>
@@ -11212,13 +11144,7 @@
               <a:rPr lang="en-US" sz="4400">
                 <a:latin typeface="Droid Serif"/>
               </a:rPr>
-              <a:t>Femi</a:t>
-            </a:r>
-            <a:r>
-              <a:rPr lang="en-US" sz="4400">
-                <a:latin typeface="Arial"/>
-              </a:rPr>
-              <a:t> Anthony</a:t>
+              <a:t>References</a:t>
             </a:r>
             <a:endParaRPr/>
           </a:p>
@@ -11242,6 +11168,172 @@
         <p:txBody>
           <a:bodyPr lIns="0" rIns="0" tIns="24120" bIns="0"/>
           <a:p>
+            <a:pPr/>
+            <a:r>
+              <a:rPr b="1" lang="en-US" sz="3200">
+                <a:latin typeface="FreeSerif"/>
+              </a:rPr>
+              <a:t>Scikit-Learn</a:t>
+            </a:r>
+            <a:endParaRPr/>
+          </a:p>
+          <a:p>
+            <a:pPr/>
+            <a:r>
+              <a:rPr lang="en-US" sz="3200">
+                <a:latin typeface="FreeSerif"/>
+              </a:rPr>
+              <a:t>Online resource: http://scikit-learn.org/stable/</a:t>
+            </a:r>
+            <a:endParaRPr/>
+          </a:p>
+          <a:p>
+            <a:pPr/>
+            <a:r>
+              <a:rPr lang="en-US" sz="3200">
+                <a:solidFill>
+                  <a:srgbClr val="330000"/>
+                </a:solidFill>
+                <a:latin typeface="FreeSerif"/>
+              </a:rPr>
+              <a:t>Books</a:t>
+            </a:r>
+            <a:endParaRPr/>
+          </a:p>
+          <a:p>
+            <a:pPr/>
+            <a:r>
+              <a:rPr lang="en-US" sz="3200">
+                <a:latin typeface="FreeSerif"/>
+              </a:rPr>
+              <a:t>Mastering Machine Learning with Scikit-learn - Gavin Hackeling</a:t>
+            </a:r>
+            <a:endParaRPr/>
+          </a:p>
+          <a:p>
+            <a:pPr/>
+            <a:r>
+              <a:rPr lang="en-US" sz="3200">
+                <a:latin typeface="FreeSerif"/>
+              </a:rPr>
+              <a:t>Learning scikit-learn: Machine Learning in Python - Garreta and Monchechi</a:t>
+            </a:r>
+            <a:endParaRPr/>
+          </a:p>
+          <a:p>
+            <a:pPr/>
+            <a:r>
+              <a:rPr lang="en-US" sz="3200">
+                <a:latin typeface="FreeSerif"/>
+              </a:rPr>
+              <a:t>scikit-learn cookbook - Trent Hauck</a:t>
+            </a:r>
+            <a:endParaRPr/>
+          </a:p>
+        </p:txBody>
+      </p:sp>
+    </p:spTree>
+  </p:cSld>
+  <p:timing>
+    <p:tnLst>
+      <p:par>
+        <p:cTn id="81" dur="indefinite" restart="never" nodeType="tmRoot">
+          <p:childTnLst>
+            <p:seq>
+              <p:cTn id="82" nodeType="mainSeq"/>
+              <p:prevCondLst>
+                <p:cond delay="0" evt="onPrev">
+                  <p:tgtEl>
+                    <p:sldTgt/>
+                  </p:tgtEl>
+                </p:cond>
+              </p:prevCondLst>
+              <p:nextCondLst>
+                <p:cond delay="0" evt="onNext">
+                  <p:tgtEl>
+                    <p:sldTgt/>
+                  </p:tgtEl>
+                </p:cond>
+              </p:nextCondLst>
+            </p:seq>
+          </p:childTnLst>
+        </p:cTn>
+      </p:par>
+    </p:tnLst>
+  </p:timing>
+</p:sld>
+</file>
+
+<file path=ppt/slides/slide43.xml><?xml version="1.0" encoding="utf-8"?>
+<p:sld xmlns:a="http://schemas.openxmlformats.org/drawingml/2006/main" xmlns:p="http://schemas.openxmlformats.org/presentationml/2006/main" xmlns:r="http://schemas.openxmlformats.org/officeDocument/2006/relationships">
+  <p:cSld>
+    <p:spTree>
+      <p:nvGrpSpPr>
+        <p:cNvPr id="1" name=""/>
+        <p:cNvGrpSpPr/>
+        <p:nvPr/>
+      </p:nvGrpSpPr>
+      <p:grpSpPr>
+        <a:xfrm>
+          <a:off x="0" y="0"/>
+          <a:ext cx="0" cy="0"/>
+          <a:chOff x="0" y="0"/>
+          <a:chExt cx="0" cy="0"/>
+        </a:xfrm>
+      </p:grpSpPr>
+      <p:sp>
+        <p:nvSpPr>
+          <p:cNvPr id="134" name="TextShape 1"/>
+          <p:cNvSpPr txBox="1"/>
+          <p:nvPr/>
+        </p:nvSpPr>
+        <p:spPr>
+          <a:xfrm>
+            <a:off x="502920" y="301320"/>
+            <a:ext cx="9069480" cy="1260360"/>
+          </a:xfrm>
+          <a:prstGeom prst="rect">
+            <a:avLst/>
+          </a:prstGeom>
+        </p:spPr>
+        <p:txBody>
+          <a:bodyPr lIns="0" rIns="0" tIns="0" bIns="0" anchor="ctr"/>
+          <a:p>
+            <a:pPr algn="ctr"/>
+            <a:r>
+              <a:rPr lang="en-US" sz="4400">
+                <a:latin typeface="Droid Serif"/>
+              </a:rPr>
+              <a:t>Femi</a:t>
+            </a:r>
+            <a:r>
+              <a:rPr lang="en-US" sz="4400">
+                <a:latin typeface="Arial"/>
+              </a:rPr>
+              <a:t> Anthony</a:t>
+            </a:r>
+            <a:endParaRPr/>
+          </a:p>
+        </p:txBody>
+      </p:sp>
+      <p:sp>
+        <p:nvSpPr>
+          <p:cNvPr id="135" name="TextShape 2"/>
+          <p:cNvSpPr txBox="1"/>
+          <p:nvPr/>
+        </p:nvSpPr>
+        <p:spPr>
+          <a:xfrm>
+            <a:off x="502920" y="1768320"/>
+            <a:ext cx="9069480" cy="4383360"/>
+          </a:xfrm>
+          <a:prstGeom prst="rect">
+            <a:avLst/>
+          </a:prstGeom>
+        </p:spPr>
+        <p:txBody>
+          <a:bodyPr lIns="0" rIns="0" tIns="24120" bIns="0"/>
+          <a:p>
             <a:endParaRPr/>
           </a:p>
           <a:p>
@@ -11277,6 +11369,9 @@
             </a:r>
             <a:r>
               <a:rPr lang="en-US" sz="2800">
+                <a:solidFill>
+                  <a:srgbClr val="000066"/>
+                </a:solidFill>
                 <a:latin typeface="Arial"/>
               </a:rPr>
               <a:t>https://github.com/femibyte/intro_datascience_python</a:t>
@@ -11306,6 +11401,9 @@
             </a:r>
             <a:r>
               <a:rPr lang="en-US" sz="3200">
+                <a:solidFill>
+                  <a:srgbClr val="330033"/>
+                </a:solidFill>
                 <a:latin typeface="Arial"/>
               </a:rPr>
               <a:t>http://amzn.to/1RvGOSB</a:t>
@@ -12047,6 +12145,15 @@
               <a:buFont typeface="Wingdings" charset="2"/>
               <a:buChar char=""/>
             </a:pPr>
+            <a:r>
+              <a:rPr lang="en-US" sz="3200">
+                <a:solidFill>
+                  <a:srgbClr val="000000"/>
+                </a:solidFill>
+                <a:latin typeface="Arial"/>
+              </a:rPr>
+              <a:t>Financial Services</a:t>
+            </a:r>
             <a:endParaRPr/>
           </a:p>
           <a:p>
@@ -12253,20 +12360,29 @@
                 </a:solidFill>
                 <a:latin typeface="Arial"/>
               </a:rPr>
-              <a:t>Current working memory limits for commodity hardware are in the tens of terabytes, if at all. More typical values are in the 100s of Gigabytes. The largest shared memory system as of Nov 2014 provided up to 256 TB, but this can't be classified as commodity hardware </a:t>
-            </a:r>
-            <a:endParaRPr/>
-          </a:p>
-          <a:p>
-            <a:pPr>
-              <a:lnSpc>
-                <a:spcPct val="94000"/>
-              </a:lnSpc>
-            </a:pPr>
-            <a:r>
-              <a:rPr lang="en-US" sz="3200">
-                <a:solidFill>
-                  <a:srgbClr val="ccccff"/>
+              <a:t>Current working memory limits for commodity hardware are in the tens of Terabytes, if at all. More typical values are in the 100s of Gigabytes. The largest shared memory system as of Nov 2014 provided up to 256 TB, but this can't be classified as commodity hardware </a:t>
+            </a:r>
+            <a:endParaRPr/>
+          </a:p>
+          <a:p>
+            <a:pPr>
+              <a:lnSpc>
+                <a:spcPct val="94000"/>
+              </a:lnSpc>
+            </a:pPr>
+            <a:r>
+              <a:rPr lang="en-US" sz="3200">
+                <a:solidFill>
+                  <a:srgbClr val="000033"/>
+                </a:solidFill>
+                <a:latin typeface="Arial"/>
+              </a:rPr>
+              <a:t>Source : </a:t>
+            </a:r>
+            <a:r>
+              <a:rPr lang="en-US" sz="3200">
+                <a:solidFill>
+                  <a:srgbClr val="000033"/>
                 </a:solidFill>
                 <a:latin typeface="Arial"/>
               </a:rPr>
